--- a/Winder_Digital_Poster.pptx
+++ b/Winder_Digital_Poster.pptx
@@ -104,13 +104,18 @@
       </a:defRPr>
     </a:lvl9pPr>
   </p:defaultTextStyle>
+  <p:extLst>
+    <p:ext uri="{EFAFB233-063F-42B5-8137-9DF3F51BA10A}">
+      <p15:sldGuideLst xmlns:p15="http://schemas.microsoft.com/office/powerpoint/2012/main"/>
+    </p:ext>
+  </p:extLst>
 </p:presentation>
 </file>
 
 <file path=ppt/revisionInfo.xml><?xml version="1.0" encoding="utf-8"?>
 <p1510:revInfo xmlns:a="http://schemas.openxmlformats.org/drawingml/2006/main" xmlns:r="http://schemas.openxmlformats.org/officeDocument/2006/relationships" xmlns:p1510="http://schemas.microsoft.com/office/powerpoint/2015/10/main">
   <p1510:revLst>
-    <p1510:client id="{91B49B06-321D-4DBB-BB2D-C1340DEA48DC}" v="54" dt="2020-02-25T20:21:17.995"/>
+    <p1510:client id="{91B49B06-321D-4DBB-BB2D-C1340DEA48DC}" v="60" dt="2020-02-25T23:48:24.243"/>
   </p1510:revLst>
 </p1510:revInfo>
 </file>
@@ -119,17 +124,41 @@
 <pc:chgInfo xmlns:a="http://schemas.openxmlformats.org/drawingml/2006/main" xmlns:r="http://schemas.openxmlformats.org/officeDocument/2006/relationships" xmlns:ac="http://schemas.microsoft.com/office/drawing/2013/main/command" xmlns:pc="http://schemas.microsoft.com/office/powerpoint/2013/main/command">
   <pc:docChgLst>
     <pc:chgData name="Meaghan Winder" userId="e7dbd1f288b20f78" providerId="LiveId" clId="{91B49B06-321D-4DBB-BB2D-C1340DEA48DC}"/>
-    <pc:docChg chg="undo modSld">
-      <pc:chgData name="Meaghan Winder" userId="e7dbd1f288b20f78" providerId="LiveId" clId="{91B49B06-321D-4DBB-BB2D-C1340DEA48DC}" dt="2020-02-25T20:23:17.193" v="139" actId="404"/>
+    <pc:docChg chg="undo custSel modSld">
+      <pc:chgData name="Meaghan Winder" userId="e7dbd1f288b20f78" providerId="LiveId" clId="{91B49B06-321D-4DBB-BB2D-C1340DEA48DC}" dt="2020-02-26T17:52:39.921" v="457" actId="478"/>
       <pc:docMkLst>
         <pc:docMk/>
       </pc:docMkLst>
       <pc:sldChg chg="addSp delSp modSp">
-        <pc:chgData name="Meaghan Winder" userId="e7dbd1f288b20f78" providerId="LiveId" clId="{91B49B06-321D-4DBB-BB2D-C1340DEA48DC}" dt="2020-02-25T20:23:17.193" v="139" actId="404"/>
+        <pc:chgData name="Meaghan Winder" userId="e7dbd1f288b20f78" providerId="LiveId" clId="{91B49B06-321D-4DBB-BB2D-C1340DEA48DC}" dt="2020-02-26T17:52:39.921" v="457" actId="478"/>
         <pc:sldMkLst>
           <pc:docMk/>
           <pc:sldMk cId="1175813555" sldId="256"/>
         </pc:sldMkLst>
+        <pc:spChg chg="add del mod">
+          <ac:chgData name="Meaghan Winder" userId="e7dbd1f288b20f78" providerId="LiveId" clId="{91B49B06-321D-4DBB-BB2D-C1340DEA48DC}" dt="2020-02-25T23:41:54.443" v="146" actId="478"/>
+          <ac:spMkLst>
+            <pc:docMk/>
+            <pc:sldMk cId="1175813555" sldId="256"/>
+            <ac:spMk id="2" creationId="{317AC6FF-006F-49F0-B1A1-35EE38F755B1}"/>
+          </ac:spMkLst>
+        </pc:spChg>
+        <pc:spChg chg="add del mod">
+          <ac:chgData name="Meaghan Winder" userId="e7dbd1f288b20f78" providerId="LiveId" clId="{91B49B06-321D-4DBB-BB2D-C1340DEA48DC}" dt="2020-02-25T23:43:09.150" v="159" actId="478"/>
+          <ac:spMkLst>
+            <pc:docMk/>
+            <pc:sldMk cId="1175813555" sldId="256"/>
+            <ac:spMk id="3" creationId="{826C0F41-FF52-4D41-9058-B0D0041E29A0}"/>
+          </ac:spMkLst>
+        </pc:spChg>
+        <pc:spChg chg="add del mod">
+          <ac:chgData name="Meaghan Winder" userId="e7dbd1f288b20f78" providerId="LiveId" clId="{91B49B06-321D-4DBB-BB2D-C1340DEA48DC}" dt="2020-02-26T17:52:39.921" v="457" actId="478"/>
+          <ac:spMkLst>
+            <pc:docMk/>
+            <pc:sldMk cId="1175813555" sldId="256"/>
+            <ac:spMk id="5" creationId="{07F0E12C-279A-4466-BFC6-3E1C75FF0B19}"/>
+          </ac:spMkLst>
+        </pc:spChg>
         <pc:spChg chg="del">
           <ac:chgData name="Meaghan Winder" userId="e7dbd1f288b20f78" providerId="LiveId" clId="{91B49B06-321D-4DBB-BB2D-C1340DEA48DC}" dt="2020-02-25T20:12:31.159" v="0" actId="931"/>
           <ac:spMkLst>
@@ -146,8 +175,16 @@
             <ac:spMk id="8" creationId="{63717FFD-4C34-4D3B-A1AD-2A96565A3DA6}"/>
           </ac:spMkLst>
         </pc:spChg>
-        <pc:spChg chg="add mod">
-          <ac:chgData name="Meaghan Winder" userId="e7dbd1f288b20f78" providerId="LiveId" clId="{91B49B06-321D-4DBB-BB2D-C1340DEA48DC}" dt="2020-02-25T20:21:17.995" v="136" actId="207"/>
+        <pc:spChg chg="add del mod ord">
+          <ac:chgData name="Meaghan Winder" userId="e7dbd1f288b20f78" providerId="LiveId" clId="{91B49B06-321D-4DBB-BB2D-C1340DEA48DC}" dt="2020-02-26T17:52:16.695" v="453" actId="478"/>
+          <ac:spMkLst>
+            <pc:docMk/>
+            <pc:sldMk cId="1175813555" sldId="256"/>
+            <ac:spMk id="9" creationId="{32A1100E-D987-422C-957B-022702E94378}"/>
+          </ac:spMkLst>
+        </pc:spChg>
+        <pc:spChg chg="add mod ord">
+          <ac:chgData name="Meaghan Winder" userId="e7dbd1f288b20f78" providerId="LiveId" clId="{91B49B06-321D-4DBB-BB2D-C1340DEA48DC}" dt="2020-02-25T23:46:41.600" v="324" actId="167"/>
           <ac:spMkLst>
             <pc:docMk/>
             <pc:sldMk cId="1175813555" sldId="256"/>
@@ -163,7 +200,7 @@
           </ac:picMkLst>
         </pc:picChg>
         <pc:picChg chg="add mod modCrop">
-          <ac:chgData name="Meaghan Winder" userId="e7dbd1f288b20f78" providerId="LiveId" clId="{91B49B06-321D-4DBB-BB2D-C1340DEA48DC}" dt="2020-02-25T20:15:54.145" v="61" actId="1076"/>
+          <ac:chgData name="Meaghan Winder" userId="e7dbd1f288b20f78" providerId="LiveId" clId="{91B49B06-321D-4DBB-BB2D-C1340DEA48DC}" dt="2020-02-25T23:21:54.993" v="142" actId="1076"/>
           <ac:picMkLst>
             <pc:docMk/>
             <pc:sldMk cId="1175813555" sldId="256"/>
@@ -179,7 +216,7 @@
           </ac:picMkLst>
         </pc:picChg>
         <pc:picChg chg="add mod modCrop">
-          <ac:chgData name="Meaghan Winder" userId="e7dbd1f288b20f78" providerId="LiveId" clId="{91B49B06-321D-4DBB-BB2D-C1340DEA48DC}" dt="2020-02-25T20:15:59.903" v="62" actId="1076"/>
+          <ac:chgData name="Meaghan Winder" userId="e7dbd1f288b20f78" providerId="LiveId" clId="{91B49B06-321D-4DBB-BB2D-C1340DEA48DC}" dt="2020-02-25T23:21:52.009" v="141" actId="1076"/>
           <ac:picMkLst>
             <pc:docMk/>
             <pc:sldMk cId="1175813555" sldId="256"/>
@@ -379,7 +416,7 @@
           <a:p>
             <a:fld id="{89D2E553-037A-4685-9D1C-66DFA41AB479}" type="datetimeFigureOut">
               <a:rPr lang="en-US" smtClean="0"/>
-              <a:t>2/25/2020</a:t>
+              <a:t>2/26/2020</a:t>
             </a:fld>
             <a:endParaRPr lang="en-US"/>
           </a:p>
@@ -577,7 +614,7 @@
           <a:p>
             <a:fld id="{89D2E553-037A-4685-9D1C-66DFA41AB479}" type="datetimeFigureOut">
               <a:rPr lang="en-US" smtClean="0"/>
-              <a:t>2/25/2020</a:t>
+              <a:t>2/26/2020</a:t>
             </a:fld>
             <a:endParaRPr lang="en-US"/>
           </a:p>
@@ -785,7 +822,7 @@
           <a:p>
             <a:fld id="{89D2E553-037A-4685-9D1C-66DFA41AB479}" type="datetimeFigureOut">
               <a:rPr lang="en-US" smtClean="0"/>
-              <a:t>2/25/2020</a:t>
+              <a:t>2/26/2020</a:t>
             </a:fld>
             <a:endParaRPr lang="en-US"/>
           </a:p>
@@ -983,7 +1020,7 @@
           <a:p>
             <a:fld id="{89D2E553-037A-4685-9D1C-66DFA41AB479}" type="datetimeFigureOut">
               <a:rPr lang="en-US" smtClean="0"/>
-              <a:t>2/25/2020</a:t>
+              <a:t>2/26/2020</a:t>
             </a:fld>
             <a:endParaRPr lang="en-US"/>
           </a:p>
@@ -1258,7 +1295,7 @@
           <a:p>
             <a:fld id="{89D2E553-037A-4685-9D1C-66DFA41AB479}" type="datetimeFigureOut">
               <a:rPr lang="en-US" smtClean="0"/>
-              <a:t>2/25/2020</a:t>
+              <a:t>2/26/2020</a:t>
             </a:fld>
             <a:endParaRPr lang="en-US"/>
           </a:p>
@@ -1523,7 +1560,7 @@
           <a:p>
             <a:fld id="{89D2E553-037A-4685-9D1C-66DFA41AB479}" type="datetimeFigureOut">
               <a:rPr lang="en-US" smtClean="0"/>
-              <a:t>2/25/2020</a:t>
+              <a:t>2/26/2020</a:t>
             </a:fld>
             <a:endParaRPr lang="en-US"/>
           </a:p>
@@ -1935,7 +1972,7 @@
           <a:p>
             <a:fld id="{89D2E553-037A-4685-9D1C-66DFA41AB479}" type="datetimeFigureOut">
               <a:rPr lang="en-US" smtClean="0"/>
-              <a:t>2/25/2020</a:t>
+              <a:t>2/26/2020</a:t>
             </a:fld>
             <a:endParaRPr lang="en-US"/>
           </a:p>
@@ -2076,7 +2113,7 @@
           <a:p>
             <a:fld id="{89D2E553-037A-4685-9D1C-66DFA41AB479}" type="datetimeFigureOut">
               <a:rPr lang="en-US" smtClean="0"/>
-              <a:t>2/25/2020</a:t>
+              <a:t>2/26/2020</a:t>
             </a:fld>
             <a:endParaRPr lang="en-US"/>
           </a:p>
@@ -2189,7 +2226,7 @@
           <a:p>
             <a:fld id="{89D2E553-037A-4685-9D1C-66DFA41AB479}" type="datetimeFigureOut">
               <a:rPr lang="en-US" smtClean="0"/>
-              <a:t>2/25/2020</a:t>
+              <a:t>2/26/2020</a:t>
             </a:fld>
             <a:endParaRPr lang="en-US"/>
           </a:p>
@@ -2500,7 +2537,7 @@
           <a:p>
             <a:fld id="{89D2E553-037A-4685-9D1C-66DFA41AB479}" type="datetimeFigureOut">
               <a:rPr lang="en-US" smtClean="0"/>
-              <a:t>2/25/2020</a:t>
+              <a:t>2/26/2020</a:t>
             </a:fld>
             <a:endParaRPr lang="en-US"/>
           </a:p>
@@ -2788,7 +2825,7 @@
           <a:p>
             <a:fld id="{89D2E553-037A-4685-9D1C-66DFA41AB479}" type="datetimeFigureOut">
               <a:rPr lang="en-US" smtClean="0"/>
-              <a:t>2/25/2020</a:t>
+              <a:t>2/26/2020</a:t>
             </a:fld>
             <a:endParaRPr lang="en-US"/>
           </a:p>
@@ -3029,7 +3066,7 @@
           <a:p>
             <a:fld id="{89D2E553-037A-4685-9D1C-66DFA41AB479}" type="datetimeFigureOut">
               <a:rPr lang="en-US" smtClean="0"/>
-              <a:t>2/25/2020</a:t>
+              <a:t>2/26/2020</a:t>
             </a:fld>
             <a:endParaRPr lang="en-US"/>
           </a:p>
@@ -3448,768 +3485,6 @@
       </p:grpSpPr>
       <p:sp>
         <p:nvSpPr>
-          <p:cNvPr id="4" name="Title 3">
-            <a:extLst>
-              <a:ext uri="{FF2B5EF4-FFF2-40B4-BE49-F238E27FC236}">
-                <a16:creationId xmlns:a16="http://schemas.microsoft.com/office/drawing/2014/main" id="{BEABDD9F-8E83-4B83-A570-F8516E061B55}"/>
-              </a:ext>
-            </a:extLst>
-          </p:cNvPr>
-          <p:cNvSpPr>
-            <a:spLocks noGrp="1"/>
-          </p:cNvSpPr>
-          <p:nvPr>
-            <p:ph type="title"/>
-          </p:nvPr>
-        </p:nvSpPr>
-        <p:spPr>
-          <a:xfrm>
-            <a:off x="73727" y="65990"/>
-            <a:ext cx="2952102" cy="946357"/>
-          </a:xfrm>
-        </p:spPr>
-        <p:txBody>
-          <a:bodyPr>
-            <a:normAutofit fontScale="90000"/>
-          </a:bodyPr>
-          <a:lstStyle/>
-          <a:p>
-            <a:r>
-              <a:rPr lang="en-US" sz="2800" dirty="0">
-                <a:latin typeface="cmr10" panose="020B0500000000000000" pitchFamily="34" charset="0"/>
-              </a:rPr>
-              <a:t>TITLE…………………………………..</a:t>
-            </a:r>
-          </a:p>
-        </p:txBody>
-      </p:sp>
-      <p:pic>
-        <p:nvPicPr>
-          <p:cNvPr id="14" name="Content Placeholder 13" descr="A picture containing outdoor, rock, mountain, reef&#10;&#10;Description automatically generated">
-            <a:extLst>
-              <a:ext uri="{FF2B5EF4-FFF2-40B4-BE49-F238E27FC236}">
-                <a16:creationId xmlns:a16="http://schemas.microsoft.com/office/drawing/2014/main" id="{FC49E69A-EC97-4C82-AE5B-DD354DA6B407}"/>
-              </a:ext>
-            </a:extLst>
-          </p:cNvPr>
-          <p:cNvPicPr>
-            <a:picLocks noGrp="1" noChangeAspect="1"/>
-          </p:cNvPicPr>
-          <p:nvPr>
-            <p:ph idx="1"/>
-          </p:nvPr>
-        </p:nvPicPr>
-        <p:blipFill>
-          <a:blip r:embed="rId2">
-            <a:extLst>
-              <a:ext uri="{28A0092B-C50C-407E-A947-70E740481C1C}">
-                <a14:useLocalDpi xmlns:a14="http://schemas.microsoft.com/office/drawing/2010/main" val="0"/>
-              </a:ext>
-            </a:extLst>
-          </a:blip>
-          <a:stretch>
-            <a:fillRect/>
-          </a:stretch>
-        </p:blipFill>
-        <p:spPr>
-          <a:xfrm>
-            <a:off x="7339907" y="-2228073"/>
-            <a:ext cx="3143417" cy="1750938"/>
-          </a:xfrm>
-        </p:spPr>
-      </p:pic>
-      <p:sp>
-        <p:nvSpPr>
-          <p:cNvPr id="6" name="Text Placeholder 5">
-            <a:extLst>
-              <a:ext uri="{FF2B5EF4-FFF2-40B4-BE49-F238E27FC236}">
-                <a16:creationId xmlns:a16="http://schemas.microsoft.com/office/drawing/2014/main" id="{99E46671-4FA8-41FA-8B54-30F82ED4411D}"/>
-              </a:ext>
-            </a:extLst>
-          </p:cNvPr>
-          <p:cNvSpPr>
-            <a:spLocks noGrp="1"/>
-          </p:cNvSpPr>
-          <p:nvPr>
-            <p:ph type="body" sz="half" idx="2"/>
-          </p:nvPr>
-        </p:nvSpPr>
-        <p:spPr>
-          <a:xfrm>
-            <a:off x="73727" y="1212227"/>
-            <a:ext cx="2952101" cy="1655618"/>
-          </a:xfrm>
-        </p:spPr>
-        <p:txBody>
-          <a:bodyPr>
-            <a:normAutofit/>
-          </a:bodyPr>
-          <a:lstStyle/>
-          <a:p>
-            <a:r>
-              <a:rPr lang="en-US" sz="1200" dirty="0">
-                <a:latin typeface="cmr10" panose="020B0500000000000000" pitchFamily="34" charset="0"/>
-              </a:rPr>
-              <a:t>Motivation: </a:t>
-            </a:r>
-          </a:p>
-        </p:txBody>
-      </p:sp>
-      <p:sp>
-        <p:nvSpPr>
-          <p:cNvPr id="7" name="Text Placeholder 5">
-            <a:extLst>
-              <a:ext uri="{FF2B5EF4-FFF2-40B4-BE49-F238E27FC236}">
-                <a16:creationId xmlns:a16="http://schemas.microsoft.com/office/drawing/2014/main" id="{550BA088-2E83-46EA-888E-D349E823971B}"/>
-              </a:ext>
-            </a:extLst>
-          </p:cNvPr>
-          <p:cNvSpPr txBox="1">
-            <a:spLocks/>
-          </p:cNvSpPr>
-          <p:nvPr/>
-        </p:nvSpPr>
-        <p:spPr>
-          <a:xfrm>
-            <a:off x="73729" y="3796842"/>
-            <a:ext cx="2952101" cy="1655618"/>
-          </a:xfrm>
-          <a:prstGeom prst="rect">
-            <a:avLst/>
-          </a:prstGeom>
-        </p:spPr>
-        <p:txBody>
-          <a:bodyPr vert="horz" lIns="91440" tIns="45720" rIns="91440" bIns="45720" rtlCol="0">
-            <a:normAutofit/>
-          </a:bodyPr>
-          <a:lstStyle>
-            <a:lvl1pPr marL="0" indent="0" algn="l" defTabSz="914400" rtl="0" eaLnBrk="1" latinLnBrk="0" hangingPunct="1">
-              <a:lnSpc>
-                <a:spcPct val="90000"/>
-              </a:lnSpc>
-              <a:spcBef>
-                <a:spcPts val="1000"/>
-              </a:spcBef>
-              <a:buFont typeface="Arial" panose="020B0604020202020204" pitchFamily="34" charset="0"/>
-              <a:buNone/>
-              <a:defRPr sz="1600" kern="1200">
-                <a:solidFill>
-                  <a:schemeClr val="tx1"/>
-                </a:solidFill>
-                <a:latin typeface="+mn-lt"/>
-                <a:ea typeface="+mn-ea"/>
-                <a:cs typeface="+mn-cs"/>
-              </a:defRPr>
-            </a:lvl1pPr>
-            <a:lvl2pPr marL="457200" indent="0" algn="l" defTabSz="914400" rtl="0" eaLnBrk="1" latinLnBrk="0" hangingPunct="1">
-              <a:lnSpc>
-                <a:spcPct val="90000"/>
-              </a:lnSpc>
-              <a:spcBef>
-                <a:spcPts val="500"/>
-              </a:spcBef>
-              <a:buFont typeface="Arial" panose="020B0604020202020204" pitchFamily="34" charset="0"/>
-              <a:buNone/>
-              <a:defRPr sz="1400" kern="1200">
-                <a:solidFill>
-                  <a:schemeClr val="tx1"/>
-                </a:solidFill>
-                <a:latin typeface="+mn-lt"/>
-                <a:ea typeface="+mn-ea"/>
-                <a:cs typeface="+mn-cs"/>
-              </a:defRPr>
-            </a:lvl2pPr>
-            <a:lvl3pPr marL="914400" indent="0" algn="l" defTabSz="914400" rtl="0" eaLnBrk="1" latinLnBrk="0" hangingPunct="1">
-              <a:lnSpc>
-                <a:spcPct val="90000"/>
-              </a:lnSpc>
-              <a:spcBef>
-                <a:spcPts val="500"/>
-              </a:spcBef>
-              <a:buFont typeface="Arial" panose="020B0604020202020204" pitchFamily="34" charset="0"/>
-              <a:buNone/>
-              <a:defRPr sz="1200" kern="1200">
-                <a:solidFill>
-                  <a:schemeClr val="tx1"/>
-                </a:solidFill>
-                <a:latin typeface="+mn-lt"/>
-                <a:ea typeface="+mn-ea"/>
-                <a:cs typeface="+mn-cs"/>
-              </a:defRPr>
-            </a:lvl3pPr>
-            <a:lvl4pPr marL="1371600" indent="0" algn="l" defTabSz="914400" rtl="0" eaLnBrk="1" latinLnBrk="0" hangingPunct="1">
-              <a:lnSpc>
-                <a:spcPct val="90000"/>
-              </a:lnSpc>
-              <a:spcBef>
-                <a:spcPts val="500"/>
-              </a:spcBef>
-              <a:buFont typeface="Arial" panose="020B0604020202020204" pitchFamily="34" charset="0"/>
-              <a:buNone/>
-              <a:defRPr sz="1000" kern="1200">
-                <a:solidFill>
-                  <a:schemeClr val="tx1"/>
-                </a:solidFill>
-                <a:latin typeface="+mn-lt"/>
-                <a:ea typeface="+mn-ea"/>
-                <a:cs typeface="+mn-cs"/>
-              </a:defRPr>
-            </a:lvl4pPr>
-            <a:lvl5pPr marL="1828800" indent="0" algn="l" defTabSz="914400" rtl="0" eaLnBrk="1" latinLnBrk="0" hangingPunct="1">
-              <a:lnSpc>
-                <a:spcPct val="90000"/>
-              </a:lnSpc>
-              <a:spcBef>
-                <a:spcPts val="500"/>
-              </a:spcBef>
-              <a:buFont typeface="Arial" panose="020B0604020202020204" pitchFamily="34" charset="0"/>
-              <a:buNone/>
-              <a:defRPr sz="1000" kern="1200">
-                <a:solidFill>
-                  <a:schemeClr val="tx1"/>
-                </a:solidFill>
-                <a:latin typeface="+mn-lt"/>
-                <a:ea typeface="+mn-ea"/>
-                <a:cs typeface="+mn-cs"/>
-              </a:defRPr>
-            </a:lvl5pPr>
-            <a:lvl6pPr marL="2286000" indent="0" algn="l" defTabSz="914400" rtl="0" eaLnBrk="1" latinLnBrk="0" hangingPunct="1">
-              <a:lnSpc>
-                <a:spcPct val="90000"/>
-              </a:lnSpc>
-              <a:spcBef>
-                <a:spcPts val="500"/>
-              </a:spcBef>
-              <a:buFont typeface="Arial" panose="020B0604020202020204" pitchFamily="34" charset="0"/>
-              <a:buNone/>
-              <a:defRPr sz="1000" kern="1200">
-                <a:solidFill>
-                  <a:schemeClr val="tx1"/>
-                </a:solidFill>
-                <a:latin typeface="+mn-lt"/>
-                <a:ea typeface="+mn-ea"/>
-                <a:cs typeface="+mn-cs"/>
-              </a:defRPr>
-            </a:lvl6pPr>
-            <a:lvl7pPr marL="2743200" indent="0" algn="l" defTabSz="914400" rtl="0" eaLnBrk="1" latinLnBrk="0" hangingPunct="1">
-              <a:lnSpc>
-                <a:spcPct val="90000"/>
-              </a:lnSpc>
-              <a:spcBef>
-                <a:spcPts val="500"/>
-              </a:spcBef>
-              <a:buFont typeface="Arial" panose="020B0604020202020204" pitchFamily="34" charset="0"/>
-              <a:buNone/>
-              <a:defRPr sz="1000" kern="1200">
-                <a:solidFill>
-                  <a:schemeClr val="tx1"/>
-                </a:solidFill>
-                <a:latin typeface="+mn-lt"/>
-                <a:ea typeface="+mn-ea"/>
-                <a:cs typeface="+mn-cs"/>
-              </a:defRPr>
-            </a:lvl7pPr>
-            <a:lvl8pPr marL="3200400" indent="0" algn="l" defTabSz="914400" rtl="0" eaLnBrk="1" latinLnBrk="0" hangingPunct="1">
-              <a:lnSpc>
-                <a:spcPct val="90000"/>
-              </a:lnSpc>
-              <a:spcBef>
-                <a:spcPts val="500"/>
-              </a:spcBef>
-              <a:buFont typeface="Arial" panose="020B0604020202020204" pitchFamily="34" charset="0"/>
-              <a:buNone/>
-              <a:defRPr sz="1000" kern="1200">
-                <a:solidFill>
-                  <a:schemeClr val="tx1"/>
-                </a:solidFill>
-                <a:latin typeface="+mn-lt"/>
-                <a:ea typeface="+mn-ea"/>
-                <a:cs typeface="+mn-cs"/>
-              </a:defRPr>
-            </a:lvl8pPr>
-            <a:lvl9pPr marL="3657600" indent="0" algn="l" defTabSz="914400" rtl="0" eaLnBrk="1" latinLnBrk="0" hangingPunct="1">
-              <a:lnSpc>
-                <a:spcPct val="90000"/>
-              </a:lnSpc>
-              <a:spcBef>
-                <a:spcPts val="500"/>
-              </a:spcBef>
-              <a:buFont typeface="Arial" panose="020B0604020202020204" pitchFamily="34" charset="0"/>
-              <a:buNone/>
-              <a:defRPr sz="1000" kern="1200">
-                <a:solidFill>
-                  <a:schemeClr val="tx1"/>
-                </a:solidFill>
-                <a:latin typeface="+mn-lt"/>
-                <a:ea typeface="+mn-ea"/>
-                <a:cs typeface="+mn-cs"/>
-              </a:defRPr>
-            </a:lvl9pPr>
-          </a:lstStyle>
-          <a:p>
-            <a:r>
-              <a:rPr lang="en-US" sz="1200" dirty="0">
-                <a:latin typeface="cmr10" panose="020B0500000000000000" pitchFamily="34" charset="0"/>
-              </a:rPr>
-              <a:t>Methods:</a:t>
-            </a:r>
-          </a:p>
-        </p:txBody>
-      </p:sp>
-      <p:sp>
-        <p:nvSpPr>
-          <p:cNvPr id="8" name="TextBox 7">
-            <a:extLst>
-              <a:ext uri="{FF2B5EF4-FFF2-40B4-BE49-F238E27FC236}">
-                <a16:creationId xmlns:a16="http://schemas.microsoft.com/office/drawing/2014/main" id="{63717FFD-4C34-4D3B-A1AD-2A96565A3DA6}"/>
-              </a:ext>
-            </a:extLst>
-          </p:cNvPr>
-          <p:cNvSpPr txBox="1"/>
-          <p:nvPr/>
-        </p:nvSpPr>
-        <p:spPr>
-          <a:xfrm>
-            <a:off x="73731" y="856855"/>
-            <a:ext cx="1356058" cy="261610"/>
-          </a:xfrm>
-          <a:prstGeom prst="rect">
-            <a:avLst/>
-          </a:prstGeom>
-          <a:noFill/>
-        </p:spPr>
-        <p:txBody>
-          <a:bodyPr wrap="square" rtlCol="0">
-            <a:spAutoFit/>
-          </a:bodyPr>
-          <a:lstStyle/>
-          <a:p>
-            <a:r>
-              <a:rPr lang="en-US" sz="1100" dirty="0">
-                <a:latin typeface="cmr10" panose="020B0500000000000000" pitchFamily="34" charset="0"/>
-              </a:rPr>
-              <a:t>Meaghan Winder</a:t>
-            </a:r>
-          </a:p>
-        </p:txBody>
-      </p:sp>
-      <p:sp>
-        <p:nvSpPr>
-          <p:cNvPr id="11" name="Text Placeholder 5">
-            <a:extLst>
-              <a:ext uri="{FF2B5EF4-FFF2-40B4-BE49-F238E27FC236}">
-                <a16:creationId xmlns:a16="http://schemas.microsoft.com/office/drawing/2014/main" id="{85749BD7-48DE-434E-8FCE-813212772757}"/>
-              </a:ext>
-            </a:extLst>
-          </p:cNvPr>
-          <p:cNvSpPr txBox="1">
-            <a:spLocks/>
-          </p:cNvSpPr>
-          <p:nvPr/>
-        </p:nvSpPr>
-        <p:spPr>
-          <a:xfrm>
-            <a:off x="73728" y="2818617"/>
-            <a:ext cx="2952101" cy="398270"/>
-          </a:xfrm>
-          <a:prstGeom prst="rect">
-            <a:avLst/>
-          </a:prstGeom>
-        </p:spPr>
-        <p:txBody>
-          <a:bodyPr vert="horz" lIns="91440" tIns="45720" rIns="91440" bIns="45720" rtlCol="0">
-            <a:normAutofit/>
-          </a:bodyPr>
-          <a:lstStyle>
-            <a:lvl1pPr marL="0" indent="0" algn="l" defTabSz="914400" rtl="0" eaLnBrk="1" latinLnBrk="0" hangingPunct="1">
-              <a:lnSpc>
-                <a:spcPct val="90000"/>
-              </a:lnSpc>
-              <a:spcBef>
-                <a:spcPts val="1000"/>
-              </a:spcBef>
-              <a:buFont typeface="Arial" panose="020B0604020202020204" pitchFamily="34" charset="0"/>
-              <a:buNone/>
-              <a:defRPr sz="1600" kern="1200">
-                <a:solidFill>
-                  <a:schemeClr val="tx1"/>
-                </a:solidFill>
-                <a:latin typeface="+mn-lt"/>
-                <a:ea typeface="+mn-ea"/>
-                <a:cs typeface="+mn-cs"/>
-              </a:defRPr>
-            </a:lvl1pPr>
-            <a:lvl2pPr marL="457200" indent="0" algn="l" defTabSz="914400" rtl="0" eaLnBrk="1" latinLnBrk="0" hangingPunct="1">
-              <a:lnSpc>
-                <a:spcPct val="90000"/>
-              </a:lnSpc>
-              <a:spcBef>
-                <a:spcPts val="500"/>
-              </a:spcBef>
-              <a:buFont typeface="Arial" panose="020B0604020202020204" pitchFamily="34" charset="0"/>
-              <a:buNone/>
-              <a:defRPr sz="1400" kern="1200">
-                <a:solidFill>
-                  <a:schemeClr val="tx1"/>
-                </a:solidFill>
-                <a:latin typeface="+mn-lt"/>
-                <a:ea typeface="+mn-ea"/>
-                <a:cs typeface="+mn-cs"/>
-              </a:defRPr>
-            </a:lvl2pPr>
-            <a:lvl3pPr marL="914400" indent="0" algn="l" defTabSz="914400" rtl="0" eaLnBrk="1" latinLnBrk="0" hangingPunct="1">
-              <a:lnSpc>
-                <a:spcPct val="90000"/>
-              </a:lnSpc>
-              <a:spcBef>
-                <a:spcPts val="500"/>
-              </a:spcBef>
-              <a:buFont typeface="Arial" panose="020B0604020202020204" pitchFamily="34" charset="0"/>
-              <a:buNone/>
-              <a:defRPr sz="1200" kern="1200">
-                <a:solidFill>
-                  <a:schemeClr val="tx1"/>
-                </a:solidFill>
-                <a:latin typeface="+mn-lt"/>
-                <a:ea typeface="+mn-ea"/>
-                <a:cs typeface="+mn-cs"/>
-              </a:defRPr>
-            </a:lvl3pPr>
-            <a:lvl4pPr marL="1371600" indent="0" algn="l" defTabSz="914400" rtl="0" eaLnBrk="1" latinLnBrk="0" hangingPunct="1">
-              <a:lnSpc>
-                <a:spcPct val="90000"/>
-              </a:lnSpc>
-              <a:spcBef>
-                <a:spcPts val="500"/>
-              </a:spcBef>
-              <a:buFont typeface="Arial" panose="020B0604020202020204" pitchFamily="34" charset="0"/>
-              <a:buNone/>
-              <a:defRPr sz="1000" kern="1200">
-                <a:solidFill>
-                  <a:schemeClr val="tx1"/>
-                </a:solidFill>
-                <a:latin typeface="+mn-lt"/>
-                <a:ea typeface="+mn-ea"/>
-                <a:cs typeface="+mn-cs"/>
-              </a:defRPr>
-            </a:lvl4pPr>
-            <a:lvl5pPr marL="1828800" indent="0" algn="l" defTabSz="914400" rtl="0" eaLnBrk="1" latinLnBrk="0" hangingPunct="1">
-              <a:lnSpc>
-                <a:spcPct val="90000"/>
-              </a:lnSpc>
-              <a:spcBef>
-                <a:spcPts val="500"/>
-              </a:spcBef>
-              <a:buFont typeface="Arial" panose="020B0604020202020204" pitchFamily="34" charset="0"/>
-              <a:buNone/>
-              <a:defRPr sz="1000" kern="1200">
-                <a:solidFill>
-                  <a:schemeClr val="tx1"/>
-                </a:solidFill>
-                <a:latin typeface="+mn-lt"/>
-                <a:ea typeface="+mn-ea"/>
-                <a:cs typeface="+mn-cs"/>
-              </a:defRPr>
-            </a:lvl5pPr>
-            <a:lvl6pPr marL="2286000" indent="0" algn="l" defTabSz="914400" rtl="0" eaLnBrk="1" latinLnBrk="0" hangingPunct="1">
-              <a:lnSpc>
-                <a:spcPct val="90000"/>
-              </a:lnSpc>
-              <a:spcBef>
-                <a:spcPts val="500"/>
-              </a:spcBef>
-              <a:buFont typeface="Arial" panose="020B0604020202020204" pitchFamily="34" charset="0"/>
-              <a:buNone/>
-              <a:defRPr sz="1000" kern="1200">
-                <a:solidFill>
-                  <a:schemeClr val="tx1"/>
-                </a:solidFill>
-                <a:latin typeface="+mn-lt"/>
-                <a:ea typeface="+mn-ea"/>
-                <a:cs typeface="+mn-cs"/>
-              </a:defRPr>
-            </a:lvl6pPr>
-            <a:lvl7pPr marL="2743200" indent="0" algn="l" defTabSz="914400" rtl="0" eaLnBrk="1" latinLnBrk="0" hangingPunct="1">
-              <a:lnSpc>
-                <a:spcPct val="90000"/>
-              </a:lnSpc>
-              <a:spcBef>
-                <a:spcPts val="500"/>
-              </a:spcBef>
-              <a:buFont typeface="Arial" panose="020B0604020202020204" pitchFamily="34" charset="0"/>
-              <a:buNone/>
-              <a:defRPr sz="1000" kern="1200">
-                <a:solidFill>
-                  <a:schemeClr val="tx1"/>
-                </a:solidFill>
-                <a:latin typeface="+mn-lt"/>
-                <a:ea typeface="+mn-ea"/>
-                <a:cs typeface="+mn-cs"/>
-              </a:defRPr>
-            </a:lvl7pPr>
-            <a:lvl8pPr marL="3200400" indent="0" algn="l" defTabSz="914400" rtl="0" eaLnBrk="1" latinLnBrk="0" hangingPunct="1">
-              <a:lnSpc>
-                <a:spcPct val="90000"/>
-              </a:lnSpc>
-              <a:spcBef>
-                <a:spcPts val="500"/>
-              </a:spcBef>
-              <a:buFont typeface="Arial" panose="020B0604020202020204" pitchFamily="34" charset="0"/>
-              <a:buNone/>
-              <a:defRPr sz="1000" kern="1200">
-                <a:solidFill>
-                  <a:schemeClr val="tx1"/>
-                </a:solidFill>
-                <a:latin typeface="+mn-lt"/>
-                <a:ea typeface="+mn-ea"/>
-                <a:cs typeface="+mn-cs"/>
-              </a:defRPr>
-            </a:lvl8pPr>
-            <a:lvl9pPr marL="3657600" indent="0" algn="l" defTabSz="914400" rtl="0" eaLnBrk="1" latinLnBrk="0" hangingPunct="1">
-              <a:lnSpc>
-                <a:spcPct val="90000"/>
-              </a:lnSpc>
-              <a:spcBef>
-                <a:spcPts val="500"/>
-              </a:spcBef>
-              <a:buFont typeface="Arial" panose="020B0604020202020204" pitchFamily="34" charset="0"/>
-              <a:buNone/>
-              <a:defRPr sz="1000" kern="1200">
-                <a:solidFill>
-                  <a:schemeClr val="tx1"/>
-                </a:solidFill>
-                <a:latin typeface="+mn-lt"/>
-                <a:ea typeface="+mn-ea"/>
-                <a:cs typeface="+mn-cs"/>
-              </a:defRPr>
-            </a:lvl9pPr>
-          </a:lstStyle>
-          <a:p>
-            <a:r>
-              <a:rPr lang="en-US" sz="1200" dirty="0">
-                <a:latin typeface="cmr10" panose="020B0500000000000000" pitchFamily="34" charset="0"/>
-              </a:rPr>
-              <a:t>Research Questions:</a:t>
-            </a:r>
-          </a:p>
-        </p:txBody>
-      </p:sp>
-      <p:pic>
-        <p:nvPicPr>
-          <p:cNvPr id="16" name="Picture 15" descr="A close up of a logo&#10;&#10;Description automatically generated">
-            <a:extLst>
-              <a:ext uri="{FF2B5EF4-FFF2-40B4-BE49-F238E27FC236}">
-                <a16:creationId xmlns:a16="http://schemas.microsoft.com/office/drawing/2014/main" id="{596AED6D-4525-4973-B854-043BA9161475}"/>
-              </a:ext>
-            </a:extLst>
-          </p:cNvPr>
-          <p:cNvPicPr>
-            <a:picLocks noChangeAspect="1"/>
-          </p:cNvPicPr>
-          <p:nvPr/>
-        </p:nvPicPr>
-        <p:blipFill rotWithShape="1">
-          <a:blip r:embed="rId3">
-            <a:extLst>
-              <a:ext uri="{28A0092B-C50C-407E-A947-70E740481C1C}">
-                <a14:useLocalDpi xmlns:a14="http://schemas.microsoft.com/office/drawing/2010/main" val="0"/>
-              </a:ext>
-            </a:extLst>
-          </a:blip>
-          <a:srcRect l="1151" r="1670"/>
-          <a:stretch/>
-        </p:blipFill>
-        <p:spPr>
-          <a:xfrm>
-            <a:off x="9299050" y="1543819"/>
-            <a:ext cx="2683565" cy="1750938"/>
-          </a:xfrm>
-          <a:prstGeom prst="rect">
-            <a:avLst/>
-          </a:prstGeom>
-        </p:spPr>
-      </p:pic>
-      <p:pic>
-        <p:nvPicPr>
-          <p:cNvPr id="18" name="Picture 17" descr="A drawing of a cartoon character&#10;&#10;Description automatically generated">
-            <a:extLst>
-              <a:ext uri="{FF2B5EF4-FFF2-40B4-BE49-F238E27FC236}">
-                <a16:creationId xmlns:a16="http://schemas.microsoft.com/office/drawing/2014/main" id="{8C233986-84CF-4C36-9196-7397AE6520E9}"/>
-              </a:ext>
-            </a:extLst>
-          </p:cNvPr>
-          <p:cNvPicPr>
-            <a:picLocks noChangeAspect="1"/>
-          </p:cNvPicPr>
-          <p:nvPr/>
-        </p:nvPicPr>
-        <p:blipFill>
-          <a:blip r:embed="rId4">
-            <a:extLst>
-              <a:ext uri="{28A0092B-C50C-407E-A947-70E740481C1C}">
-                <a14:useLocalDpi xmlns:a14="http://schemas.microsoft.com/office/drawing/2010/main" val="0"/>
-              </a:ext>
-            </a:extLst>
-          </a:blip>
-          <a:stretch>
-            <a:fillRect/>
-          </a:stretch>
-        </p:blipFill>
-        <p:spPr>
-          <a:xfrm>
-            <a:off x="11437446" y="6318403"/>
-            <a:ext cx="652248" cy="457200"/>
-          </a:xfrm>
-          <a:prstGeom prst="rect">
-            <a:avLst/>
-          </a:prstGeom>
-        </p:spPr>
-      </p:pic>
-      <p:pic>
-        <p:nvPicPr>
-          <p:cNvPr id="20" name="Picture 19" descr="A close up of a logo&#10;&#10;Description automatically generated">
-            <a:extLst>
-              <a:ext uri="{FF2B5EF4-FFF2-40B4-BE49-F238E27FC236}">
-                <a16:creationId xmlns:a16="http://schemas.microsoft.com/office/drawing/2014/main" id="{298B2CC2-7F05-4C01-9EAE-D2D1D0962642}"/>
-              </a:ext>
-            </a:extLst>
-          </p:cNvPr>
-          <p:cNvPicPr>
-            <a:picLocks noChangeAspect="1"/>
-          </p:cNvPicPr>
-          <p:nvPr/>
-        </p:nvPicPr>
-        <p:blipFill rotWithShape="1">
-          <a:blip r:embed="rId5">
-            <a:extLst>
-              <a:ext uri="{28A0092B-C50C-407E-A947-70E740481C1C}">
-                <a14:useLocalDpi xmlns:a14="http://schemas.microsoft.com/office/drawing/2010/main" val="0"/>
-              </a:ext>
-            </a:extLst>
-          </a:blip>
-          <a:srcRect l="2292" r="2215"/>
-          <a:stretch/>
-        </p:blipFill>
-        <p:spPr>
-          <a:xfrm>
-            <a:off x="9652882" y="82397"/>
-            <a:ext cx="1975900" cy="1413782"/>
-          </a:xfrm>
-          <a:prstGeom prst="rect">
-            <a:avLst/>
-          </a:prstGeom>
-        </p:spPr>
-      </p:pic>
-      <p:pic>
-        <p:nvPicPr>
-          <p:cNvPr id="22" name="Picture 21" descr="A picture containing person, grass, outdoor, holding&#10;&#10;Description automatically generated">
-            <a:extLst>
-              <a:ext uri="{FF2B5EF4-FFF2-40B4-BE49-F238E27FC236}">
-                <a16:creationId xmlns:a16="http://schemas.microsoft.com/office/drawing/2014/main" id="{D7263EFB-FF79-4E76-AF62-D8937E601F45}"/>
-              </a:ext>
-            </a:extLst>
-          </p:cNvPr>
-          <p:cNvPicPr>
-            <a:picLocks noChangeAspect="1"/>
-          </p:cNvPicPr>
-          <p:nvPr/>
-        </p:nvPicPr>
-        <p:blipFill>
-          <a:blip r:embed="rId6">
-            <a:extLst>
-              <a:ext uri="{28A0092B-C50C-407E-A947-70E740481C1C}">
-                <a14:useLocalDpi xmlns:a14="http://schemas.microsoft.com/office/drawing/2010/main" val="0"/>
-              </a:ext>
-            </a:extLst>
-          </a:blip>
-          <a:stretch>
-            <a:fillRect/>
-          </a:stretch>
-        </p:blipFill>
-        <p:spPr>
-          <a:xfrm>
-            <a:off x="12628365" y="351816"/>
-            <a:ext cx="1761417" cy="1321061"/>
-          </a:xfrm>
-          <a:prstGeom prst="rect">
-            <a:avLst/>
-          </a:prstGeom>
-        </p:spPr>
-      </p:pic>
-      <p:pic>
-        <p:nvPicPr>
-          <p:cNvPr id="24" name="Picture 23" descr="A picture containing animal, table, food, plate&#10;&#10;Description automatically generated">
-            <a:extLst>
-              <a:ext uri="{FF2B5EF4-FFF2-40B4-BE49-F238E27FC236}">
-                <a16:creationId xmlns:a16="http://schemas.microsoft.com/office/drawing/2014/main" id="{EF71A54B-FEAD-4868-A3BB-622EBF7175BD}"/>
-              </a:ext>
-            </a:extLst>
-          </p:cNvPr>
-          <p:cNvPicPr>
-            <a:picLocks noChangeAspect="1"/>
-          </p:cNvPicPr>
-          <p:nvPr/>
-        </p:nvPicPr>
-        <p:blipFill>
-          <a:blip r:embed="rId7">
-            <a:extLst>
-              <a:ext uri="{28A0092B-C50C-407E-A947-70E740481C1C}">
-                <a14:useLocalDpi xmlns:a14="http://schemas.microsoft.com/office/drawing/2010/main" val="0"/>
-              </a:ext>
-            </a:extLst>
-          </a:blip>
-          <a:stretch>
-            <a:fillRect/>
-          </a:stretch>
-        </p:blipFill>
-        <p:spPr>
-          <a:xfrm>
-            <a:off x="12089694" y="-1800620"/>
-            <a:ext cx="2369752" cy="1448182"/>
-          </a:xfrm>
-          <a:prstGeom prst="rect">
-            <a:avLst/>
-          </a:prstGeom>
-        </p:spPr>
-      </p:pic>
-      <p:pic>
-        <p:nvPicPr>
-          <p:cNvPr id="26" name="Picture 25" descr="A picture containing indoor, table, sitting, food&#10;&#10;Description automatically generated">
-            <a:extLst>
-              <a:ext uri="{FF2B5EF4-FFF2-40B4-BE49-F238E27FC236}">
-                <a16:creationId xmlns:a16="http://schemas.microsoft.com/office/drawing/2014/main" id="{49C95D98-1033-4CCE-BB70-891205A3B75E}"/>
-              </a:ext>
-            </a:extLst>
-          </p:cNvPr>
-          <p:cNvPicPr>
-            <a:picLocks noChangeAspect="1"/>
-          </p:cNvPicPr>
-          <p:nvPr/>
-        </p:nvPicPr>
-        <p:blipFill>
-          <a:blip r:embed="rId8">
-            <a:extLst>
-              <a:ext uri="{28A0092B-C50C-407E-A947-70E740481C1C}">
-                <a14:useLocalDpi xmlns:a14="http://schemas.microsoft.com/office/drawing/2010/main" val="0"/>
-              </a:ext>
-            </a:extLst>
-          </a:blip>
-          <a:stretch>
-            <a:fillRect/>
-          </a:stretch>
-        </p:blipFill>
-        <p:spPr>
-          <a:xfrm>
-            <a:off x="12628365" y="4437867"/>
-            <a:ext cx="2952101" cy="2214076"/>
-          </a:xfrm>
-          <a:prstGeom prst="rect">
-            <a:avLst/>
-          </a:prstGeom>
-        </p:spPr>
-      </p:pic>
-      <p:sp>
-        <p:nvSpPr>
           <p:cNvPr id="27" name="Rectangle 26">
             <a:extLst>
               <a:ext uri="{FF2B5EF4-FFF2-40B4-BE49-F238E27FC236}">
@@ -4259,10 +3534,772 @@
           <a:lstStyle/>
           <a:p>
             <a:pPr algn="ctr"/>
-            <a:endParaRPr lang="en-US"/>
-          </a:p>
-        </p:txBody>
-      </p:sp>
+            <a:endParaRPr lang="en-US" dirty="0"/>
+          </a:p>
+        </p:txBody>
+      </p:sp>
+      <p:sp>
+        <p:nvSpPr>
+          <p:cNvPr id="4" name="Title 3">
+            <a:extLst>
+              <a:ext uri="{FF2B5EF4-FFF2-40B4-BE49-F238E27FC236}">
+                <a16:creationId xmlns:a16="http://schemas.microsoft.com/office/drawing/2014/main" id="{BEABDD9F-8E83-4B83-A570-F8516E061B55}"/>
+              </a:ext>
+            </a:extLst>
+          </p:cNvPr>
+          <p:cNvSpPr>
+            <a:spLocks noGrp="1"/>
+          </p:cNvSpPr>
+          <p:nvPr>
+            <p:ph type="title"/>
+          </p:nvPr>
+        </p:nvSpPr>
+        <p:spPr>
+          <a:xfrm>
+            <a:off x="73727" y="65990"/>
+            <a:ext cx="2952102" cy="946357"/>
+          </a:xfrm>
+        </p:spPr>
+        <p:txBody>
+          <a:bodyPr>
+            <a:normAutofit fontScale="90000"/>
+          </a:bodyPr>
+          <a:lstStyle/>
+          <a:p>
+            <a:r>
+              <a:rPr lang="en-US" sz="2800" dirty="0">
+                <a:latin typeface="cmr10" panose="020B0500000000000000" pitchFamily="34" charset="0"/>
+              </a:rPr>
+              <a:t>TITLE…………………………………..</a:t>
+            </a:r>
+          </a:p>
+        </p:txBody>
+      </p:sp>
+      <p:pic>
+        <p:nvPicPr>
+          <p:cNvPr id="14" name="Content Placeholder 13" descr="A picture containing outdoor, rock, mountain, reef&#10;&#10;Description automatically generated">
+            <a:extLst>
+              <a:ext uri="{FF2B5EF4-FFF2-40B4-BE49-F238E27FC236}">
+                <a16:creationId xmlns:a16="http://schemas.microsoft.com/office/drawing/2014/main" id="{FC49E69A-EC97-4C82-AE5B-DD354DA6B407}"/>
+              </a:ext>
+            </a:extLst>
+          </p:cNvPr>
+          <p:cNvPicPr>
+            <a:picLocks noGrp="1" noChangeAspect="1"/>
+          </p:cNvPicPr>
+          <p:nvPr>
+            <p:ph idx="1"/>
+          </p:nvPr>
+        </p:nvPicPr>
+        <p:blipFill>
+          <a:blip r:embed="rId2">
+            <a:extLst>
+              <a:ext uri="{28A0092B-C50C-407E-A947-70E740481C1C}">
+                <a14:useLocalDpi xmlns:a14="http://schemas.microsoft.com/office/drawing/2010/main" val="0"/>
+              </a:ext>
+            </a:extLst>
+          </a:blip>
+          <a:stretch>
+            <a:fillRect/>
+          </a:stretch>
+        </p:blipFill>
+        <p:spPr>
+          <a:xfrm>
+            <a:off x="7339907" y="-2228073"/>
+            <a:ext cx="3143417" cy="1750938"/>
+          </a:xfrm>
+        </p:spPr>
+      </p:pic>
+      <p:sp>
+        <p:nvSpPr>
+          <p:cNvPr id="6" name="Text Placeholder 5">
+            <a:extLst>
+              <a:ext uri="{FF2B5EF4-FFF2-40B4-BE49-F238E27FC236}">
+                <a16:creationId xmlns:a16="http://schemas.microsoft.com/office/drawing/2014/main" id="{99E46671-4FA8-41FA-8B54-30F82ED4411D}"/>
+              </a:ext>
+            </a:extLst>
+          </p:cNvPr>
+          <p:cNvSpPr>
+            <a:spLocks noGrp="1"/>
+          </p:cNvSpPr>
+          <p:nvPr>
+            <p:ph type="body" sz="half" idx="2"/>
+          </p:nvPr>
+        </p:nvSpPr>
+        <p:spPr>
+          <a:xfrm>
+            <a:off x="73727" y="1212227"/>
+            <a:ext cx="2952101" cy="1655618"/>
+          </a:xfrm>
+        </p:spPr>
+        <p:txBody>
+          <a:bodyPr>
+            <a:normAutofit/>
+          </a:bodyPr>
+          <a:lstStyle/>
+          <a:p>
+            <a:r>
+              <a:rPr lang="en-US" sz="1200" dirty="0">
+                <a:latin typeface="cmr10" panose="020B0500000000000000" pitchFamily="34" charset="0"/>
+              </a:rPr>
+              <a:t>Motivation: </a:t>
+            </a:r>
+          </a:p>
+        </p:txBody>
+      </p:sp>
+      <p:sp>
+        <p:nvSpPr>
+          <p:cNvPr id="7" name="Text Placeholder 5">
+            <a:extLst>
+              <a:ext uri="{FF2B5EF4-FFF2-40B4-BE49-F238E27FC236}">
+                <a16:creationId xmlns:a16="http://schemas.microsoft.com/office/drawing/2014/main" id="{550BA088-2E83-46EA-888E-D349E823971B}"/>
+              </a:ext>
+            </a:extLst>
+          </p:cNvPr>
+          <p:cNvSpPr txBox="1">
+            <a:spLocks/>
+          </p:cNvSpPr>
+          <p:nvPr/>
+        </p:nvSpPr>
+        <p:spPr>
+          <a:xfrm>
+            <a:off x="73729" y="3796842"/>
+            <a:ext cx="2952101" cy="1655618"/>
+          </a:xfrm>
+          <a:prstGeom prst="rect">
+            <a:avLst/>
+          </a:prstGeom>
+        </p:spPr>
+        <p:txBody>
+          <a:bodyPr vert="horz" lIns="91440" tIns="45720" rIns="91440" bIns="45720" rtlCol="0">
+            <a:normAutofit/>
+          </a:bodyPr>
+          <a:lstStyle>
+            <a:lvl1pPr marL="0" indent="0" algn="l" defTabSz="914400" rtl="0" eaLnBrk="1" latinLnBrk="0" hangingPunct="1">
+              <a:lnSpc>
+                <a:spcPct val="90000"/>
+              </a:lnSpc>
+              <a:spcBef>
+                <a:spcPts val="1000"/>
+              </a:spcBef>
+              <a:buFont typeface="Arial" panose="020B0604020202020204" pitchFamily="34" charset="0"/>
+              <a:buNone/>
+              <a:defRPr sz="1600" kern="1200">
+                <a:solidFill>
+                  <a:schemeClr val="tx1"/>
+                </a:solidFill>
+                <a:latin typeface="+mn-lt"/>
+                <a:ea typeface="+mn-ea"/>
+                <a:cs typeface="+mn-cs"/>
+              </a:defRPr>
+            </a:lvl1pPr>
+            <a:lvl2pPr marL="457200" indent="0" algn="l" defTabSz="914400" rtl="0" eaLnBrk="1" latinLnBrk="0" hangingPunct="1">
+              <a:lnSpc>
+                <a:spcPct val="90000"/>
+              </a:lnSpc>
+              <a:spcBef>
+                <a:spcPts val="500"/>
+              </a:spcBef>
+              <a:buFont typeface="Arial" panose="020B0604020202020204" pitchFamily="34" charset="0"/>
+              <a:buNone/>
+              <a:defRPr sz="1400" kern="1200">
+                <a:solidFill>
+                  <a:schemeClr val="tx1"/>
+                </a:solidFill>
+                <a:latin typeface="+mn-lt"/>
+                <a:ea typeface="+mn-ea"/>
+                <a:cs typeface="+mn-cs"/>
+              </a:defRPr>
+            </a:lvl2pPr>
+            <a:lvl3pPr marL="914400" indent="0" algn="l" defTabSz="914400" rtl="0" eaLnBrk="1" latinLnBrk="0" hangingPunct="1">
+              <a:lnSpc>
+                <a:spcPct val="90000"/>
+              </a:lnSpc>
+              <a:spcBef>
+                <a:spcPts val="500"/>
+              </a:spcBef>
+              <a:buFont typeface="Arial" panose="020B0604020202020204" pitchFamily="34" charset="0"/>
+              <a:buNone/>
+              <a:defRPr sz="1200" kern="1200">
+                <a:solidFill>
+                  <a:schemeClr val="tx1"/>
+                </a:solidFill>
+                <a:latin typeface="+mn-lt"/>
+                <a:ea typeface="+mn-ea"/>
+                <a:cs typeface="+mn-cs"/>
+              </a:defRPr>
+            </a:lvl3pPr>
+            <a:lvl4pPr marL="1371600" indent="0" algn="l" defTabSz="914400" rtl="0" eaLnBrk="1" latinLnBrk="0" hangingPunct="1">
+              <a:lnSpc>
+                <a:spcPct val="90000"/>
+              </a:lnSpc>
+              <a:spcBef>
+                <a:spcPts val="500"/>
+              </a:spcBef>
+              <a:buFont typeface="Arial" panose="020B0604020202020204" pitchFamily="34" charset="0"/>
+              <a:buNone/>
+              <a:defRPr sz="1000" kern="1200">
+                <a:solidFill>
+                  <a:schemeClr val="tx1"/>
+                </a:solidFill>
+                <a:latin typeface="+mn-lt"/>
+                <a:ea typeface="+mn-ea"/>
+                <a:cs typeface="+mn-cs"/>
+              </a:defRPr>
+            </a:lvl4pPr>
+            <a:lvl5pPr marL="1828800" indent="0" algn="l" defTabSz="914400" rtl="0" eaLnBrk="1" latinLnBrk="0" hangingPunct="1">
+              <a:lnSpc>
+                <a:spcPct val="90000"/>
+              </a:lnSpc>
+              <a:spcBef>
+                <a:spcPts val="500"/>
+              </a:spcBef>
+              <a:buFont typeface="Arial" panose="020B0604020202020204" pitchFamily="34" charset="0"/>
+              <a:buNone/>
+              <a:defRPr sz="1000" kern="1200">
+                <a:solidFill>
+                  <a:schemeClr val="tx1"/>
+                </a:solidFill>
+                <a:latin typeface="+mn-lt"/>
+                <a:ea typeface="+mn-ea"/>
+                <a:cs typeface="+mn-cs"/>
+              </a:defRPr>
+            </a:lvl5pPr>
+            <a:lvl6pPr marL="2286000" indent="0" algn="l" defTabSz="914400" rtl="0" eaLnBrk="1" latinLnBrk="0" hangingPunct="1">
+              <a:lnSpc>
+                <a:spcPct val="90000"/>
+              </a:lnSpc>
+              <a:spcBef>
+                <a:spcPts val="500"/>
+              </a:spcBef>
+              <a:buFont typeface="Arial" panose="020B0604020202020204" pitchFamily="34" charset="0"/>
+              <a:buNone/>
+              <a:defRPr sz="1000" kern="1200">
+                <a:solidFill>
+                  <a:schemeClr val="tx1"/>
+                </a:solidFill>
+                <a:latin typeface="+mn-lt"/>
+                <a:ea typeface="+mn-ea"/>
+                <a:cs typeface="+mn-cs"/>
+              </a:defRPr>
+            </a:lvl6pPr>
+            <a:lvl7pPr marL="2743200" indent="0" algn="l" defTabSz="914400" rtl="0" eaLnBrk="1" latinLnBrk="0" hangingPunct="1">
+              <a:lnSpc>
+                <a:spcPct val="90000"/>
+              </a:lnSpc>
+              <a:spcBef>
+                <a:spcPts val="500"/>
+              </a:spcBef>
+              <a:buFont typeface="Arial" panose="020B0604020202020204" pitchFamily="34" charset="0"/>
+              <a:buNone/>
+              <a:defRPr sz="1000" kern="1200">
+                <a:solidFill>
+                  <a:schemeClr val="tx1"/>
+                </a:solidFill>
+                <a:latin typeface="+mn-lt"/>
+                <a:ea typeface="+mn-ea"/>
+                <a:cs typeface="+mn-cs"/>
+              </a:defRPr>
+            </a:lvl7pPr>
+            <a:lvl8pPr marL="3200400" indent="0" algn="l" defTabSz="914400" rtl="0" eaLnBrk="1" latinLnBrk="0" hangingPunct="1">
+              <a:lnSpc>
+                <a:spcPct val="90000"/>
+              </a:lnSpc>
+              <a:spcBef>
+                <a:spcPts val="500"/>
+              </a:spcBef>
+              <a:buFont typeface="Arial" panose="020B0604020202020204" pitchFamily="34" charset="0"/>
+              <a:buNone/>
+              <a:defRPr sz="1000" kern="1200">
+                <a:solidFill>
+                  <a:schemeClr val="tx1"/>
+                </a:solidFill>
+                <a:latin typeface="+mn-lt"/>
+                <a:ea typeface="+mn-ea"/>
+                <a:cs typeface="+mn-cs"/>
+              </a:defRPr>
+            </a:lvl8pPr>
+            <a:lvl9pPr marL="3657600" indent="0" algn="l" defTabSz="914400" rtl="0" eaLnBrk="1" latinLnBrk="0" hangingPunct="1">
+              <a:lnSpc>
+                <a:spcPct val="90000"/>
+              </a:lnSpc>
+              <a:spcBef>
+                <a:spcPts val="500"/>
+              </a:spcBef>
+              <a:buFont typeface="Arial" panose="020B0604020202020204" pitchFamily="34" charset="0"/>
+              <a:buNone/>
+              <a:defRPr sz="1000" kern="1200">
+                <a:solidFill>
+                  <a:schemeClr val="tx1"/>
+                </a:solidFill>
+                <a:latin typeface="+mn-lt"/>
+                <a:ea typeface="+mn-ea"/>
+                <a:cs typeface="+mn-cs"/>
+              </a:defRPr>
+            </a:lvl9pPr>
+          </a:lstStyle>
+          <a:p>
+            <a:r>
+              <a:rPr lang="en-US" sz="1200" dirty="0">
+                <a:latin typeface="cmr10" panose="020B0500000000000000" pitchFamily="34" charset="0"/>
+              </a:rPr>
+              <a:t>Methods:</a:t>
+            </a:r>
+          </a:p>
+        </p:txBody>
+      </p:sp>
+      <p:sp>
+        <p:nvSpPr>
+          <p:cNvPr id="8" name="TextBox 7">
+            <a:extLst>
+              <a:ext uri="{FF2B5EF4-FFF2-40B4-BE49-F238E27FC236}">
+                <a16:creationId xmlns:a16="http://schemas.microsoft.com/office/drawing/2014/main" id="{63717FFD-4C34-4D3B-A1AD-2A96565A3DA6}"/>
+              </a:ext>
+            </a:extLst>
+          </p:cNvPr>
+          <p:cNvSpPr txBox="1"/>
+          <p:nvPr/>
+        </p:nvSpPr>
+        <p:spPr>
+          <a:xfrm>
+            <a:off x="73731" y="856855"/>
+            <a:ext cx="1356058" cy="261610"/>
+          </a:xfrm>
+          <a:prstGeom prst="rect">
+            <a:avLst/>
+          </a:prstGeom>
+          <a:noFill/>
+        </p:spPr>
+        <p:txBody>
+          <a:bodyPr wrap="square" rtlCol="0">
+            <a:spAutoFit/>
+          </a:bodyPr>
+          <a:lstStyle/>
+          <a:p>
+            <a:r>
+              <a:rPr lang="en-US" sz="1100" dirty="0">
+                <a:latin typeface="cmr10" panose="020B0500000000000000" pitchFamily="34" charset="0"/>
+              </a:rPr>
+              <a:t>Meaghan Winder</a:t>
+            </a:r>
+          </a:p>
+        </p:txBody>
+      </p:sp>
+      <p:sp>
+        <p:nvSpPr>
+          <p:cNvPr id="11" name="Text Placeholder 5">
+            <a:extLst>
+              <a:ext uri="{FF2B5EF4-FFF2-40B4-BE49-F238E27FC236}">
+                <a16:creationId xmlns:a16="http://schemas.microsoft.com/office/drawing/2014/main" id="{85749BD7-48DE-434E-8FCE-813212772757}"/>
+              </a:ext>
+            </a:extLst>
+          </p:cNvPr>
+          <p:cNvSpPr txBox="1">
+            <a:spLocks/>
+          </p:cNvSpPr>
+          <p:nvPr/>
+        </p:nvSpPr>
+        <p:spPr>
+          <a:xfrm>
+            <a:off x="73728" y="2818617"/>
+            <a:ext cx="2952101" cy="398270"/>
+          </a:xfrm>
+          <a:prstGeom prst="rect">
+            <a:avLst/>
+          </a:prstGeom>
+        </p:spPr>
+        <p:txBody>
+          <a:bodyPr vert="horz" lIns="91440" tIns="45720" rIns="91440" bIns="45720" rtlCol="0">
+            <a:normAutofit/>
+          </a:bodyPr>
+          <a:lstStyle>
+            <a:lvl1pPr marL="0" indent="0" algn="l" defTabSz="914400" rtl="0" eaLnBrk="1" latinLnBrk="0" hangingPunct="1">
+              <a:lnSpc>
+                <a:spcPct val="90000"/>
+              </a:lnSpc>
+              <a:spcBef>
+                <a:spcPts val="1000"/>
+              </a:spcBef>
+              <a:buFont typeface="Arial" panose="020B0604020202020204" pitchFamily="34" charset="0"/>
+              <a:buNone/>
+              <a:defRPr sz="1600" kern="1200">
+                <a:solidFill>
+                  <a:schemeClr val="tx1"/>
+                </a:solidFill>
+                <a:latin typeface="+mn-lt"/>
+                <a:ea typeface="+mn-ea"/>
+                <a:cs typeface="+mn-cs"/>
+              </a:defRPr>
+            </a:lvl1pPr>
+            <a:lvl2pPr marL="457200" indent="0" algn="l" defTabSz="914400" rtl="0" eaLnBrk="1" latinLnBrk="0" hangingPunct="1">
+              <a:lnSpc>
+                <a:spcPct val="90000"/>
+              </a:lnSpc>
+              <a:spcBef>
+                <a:spcPts val="500"/>
+              </a:spcBef>
+              <a:buFont typeface="Arial" panose="020B0604020202020204" pitchFamily="34" charset="0"/>
+              <a:buNone/>
+              <a:defRPr sz="1400" kern="1200">
+                <a:solidFill>
+                  <a:schemeClr val="tx1"/>
+                </a:solidFill>
+                <a:latin typeface="+mn-lt"/>
+                <a:ea typeface="+mn-ea"/>
+                <a:cs typeface="+mn-cs"/>
+              </a:defRPr>
+            </a:lvl2pPr>
+            <a:lvl3pPr marL="914400" indent="0" algn="l" defTabSz="914400" rtl="0" eaLnBrk="1" latinLnBrk="0" hangingPunct="1">
+              <a:lnSpc>
+                <a:spcPct val="90000"/>
+              </a:lnSpc>
+              <a:spcBef>
+                <a:spcPts val="500"/>
+              </a:spcBef>
+              <a:buFont typeface="Arial" panose="020B0604020202020204" pitchFamily="34" charset="0"/>
+              <a:buNone/>
+              <a:defRPr sz="1200" kern="1200">
+                <a:solidFill>
+                  <a:schemeClr val="tx1"/>
+                </a:solidFill>
+                <a:latin typeface="+mn-lt"/>
+                <a:ea typeface="+mn-ea"/>
+                <a:cs typeface="+mn-cs"/>
+              </a:defRPr>
+            </a:lvl3pPr>
+            <a:lvl4pPr marL="1371600" indent="0" algn="l" defTabSz="914400" rtl="0" eaLnBrk="1" latinLnBrk="0" hangingPunct="1">
+              <a:lnSpc>
+                <a:spcPct val="90000"/>
+              </a:lnSpc>
+              <a:spcBef>
+                <a:spcPts val="500"/>
+              </a:spcBef>
+              <a:buFont typeface="Arial" panose="020B0604020202020204" pitchFamily="34" charset="0"/>
+              <a:buNone/>
+              <a:defRPr sz="1000" kern="1200">
+                <a:solidFill>
+                  <a:schemeClr val="tx1"/>
+                </a:solidFill>
+                <a:latin typeface="+mn-lt"/>
+                <a:ea typeface="+mn-ea"/>
+                <a:cs typeface="+mn-cs"/>
+              </a:defRPr>
+            </a:lvl4pPr>
+            <a:lvl5pPr marL="1828800" indent="0" algn="l" defTabSz="914400" rtl="0" eaLnBrk="1" latinLnBrk="0" hangingPunct="1">
+              <a:lnSpc>
+                <a:spcPct val="90000"/>
+              </a:lnSpc>
+              <a:spcBef>
+                <a:spcPts val="500"/>
+              </a:spcBef>
+              <a:buFont typeface="Arial" panose="020B0604020202020204" pitchFamily="34" charset="0"/>
+              <a:buNone/>
+              <a:defRPr sz="1000" kern="1200">
+                <a:solidFill>
+                  <a:schemeClr val="tx1"/>
+                </a:solidFill>
+                <a:latin typeface="+mn-lt"/>
+                <a:ea typeface="+mn-ea"/>
+                <a:cs typeface="+mn-cs"/>
+              </a:defRPr>
+            </a:lvl5pPr>
+            <a:lvl6pPr marL="2286000" indent="0" algn="l" defTabSz="914400" rtl="0" eaLnBrk="1" latinLnBrk="0" hangingPunct="1">
+              <a:lnSpc>
+                <a:spcPct val="90000"/>
+              </a:lnSpc>
+              <a:spcBef>
+                <a:spcPts val="500"/>
+              </a:spcBef>
+              <a:buFont typeface="Arial" panose="020B0604020202020204" pitchFamily="34" charset="0"/>
+              <a:buNone/>
+              <a:defRPr sz="1000" kern="1200">
+                <a:solidFill>
+                  <a:schemeClr val="tx1"/>
+                </a:solidFill>
+                <a:latin typeface="+mn-lt"/>
+                <a:ea typeface="+mn-ea"/>
+                <a:cs typeface="+mn-cs"/>
+              </a:defRPr>
+            </a:lvl6pPr>
+            <a:lvl7pPr marL="2743200" indent="0" algn="l" defTabSz="914400" rtl="0" eaLnBrk="1" latinLnBrk="0" hangingPunct="1">
+              <a:lnSpc>
+                <a:spcPct val="90000"/>
+              </a:lnSpc>
+              <a:spcBef>
+                <a:spcPts val="500"/>
+              </a:spcBef>
+              <a:buFont typeface="Arial" panose="020B0604020202020204" pitchFamily="34" charset="0"/>
+              <a:buNone/>
+              <a:defRPr sz="1000" kern="1200">
+                <a:solidFill>
+                  <a:schemeClr val="tx1"/>
+                </a:solidFill>
+                <a:latin typeface="+mn-lt"/>
+                <a:ea typeface="+mn-ea"/>
+                <a:cs typeface="+mn-cs"/>
+              </a:defRPr>
+            </a:lvl7pPr>
+            <a:lvl8pPr marL="3200400" indent="0" algn="l" defTabSz="914400" rtl="0" eaLnBrk="1" latinLnBrk="0" hangingPunct="1">
+              <a:lnSpc>
+                <a:spcPct val="90000"/>
+              </a:lnSpc>
+              <a:spcBef>
+                <a:spcPts val="500"/>
+              </a:spcBef>
+              <a:buFont typeface="Arial" panose="020B0604020202020204" pitchFamily="34" charset="0"/>
+              <a:buNone/>
+              <a:defRPr sz="1000" kern="1200">
+                <a:solidFill>
+                  <a:schemeClr val="tx1"/>
+                </a:solidFill>
+                <a:latin typeface="+mn-lt"/>
+                <a:ea typeface="+mn-ea"/>
+                <a:cs typeface="+mn-cs"/>
+              </a:defRPr>
+            </a:lvl8pPr>
+            <a:lvl9pPr marL="3657600" indent="0" algn="l" defTabSz="914400" rtl="0" eaLnBrk="1" latinLnBrk="0" hangingPunct="1">
+              <a:lnSpc>
+                <a:spcPct val="90000"/>
+              </a:lnSpc>
+              <a:spcBef>
+                <a:spcPts val="500"/>
+              </a:spcBef>
+              <a:buFont typeface="Arial" panose="020B0604020202020204" pitchFamily="34" charset="0"/>
+              <a:buNone/>
+              <a:defRPr sz="1000" kern="1200">
+                <a:solidFill>
+                  <a:schemeClr val="tx1"/>
+                </a:solidFill>
+                <a:latin typeface="+mn-lt"/>
+                <a:ea typeface="+mn-ea"/>
+                <a:cs typeface="+mn-cs"/>
+              </a:defRPr>
+            </a:lvl9pPr>
+          </a:lstStyle>
+          <a:p>
+            <a:r>
+              <a:rPr lang="en-US" sz="1200" dirty="0">
+                <a:latin typeface="cmr10" panose="020B0500000000000000" pitchFamily="34" charset="0"/>
+              </a:rPr>
+              <a:t>Research Questions:</a:t>
+            </a:r>
+          </a:p>
+        </p:txBody>
+      </p:sp>
+      <p:pic>
+        <p:nvPicPr>
+          <p:cNvPr id="16" name="Picture 15" descr="A close up of a logo&#10;&#10;Description automatically generated">
+            <a:extLst>
+              <a:ext uri="{FF2B5EF4-FFF2-40B4-BE49-F238E27FC236}">
+                <a16:creationId xmlns:a16="http://schemas.microsoft.com/office/drawing/2014/main" id="{596AED6D-4525-4973-B854-043BA9161475}"/>
+              </a:ext>
+            </a:extLst>
+          </p:cNvPr>
+          <p:cNvPicPr>
+            <a:picLocks noChangeAspect="1"/>
+          </p:cNvPicPr>
+          <p:nvPr/>
+        </p:nvPicPr>
+        <p:blipFill rotWithShape="1">
+          <a:blip r:embed="rId3">
+            <a:extLst>
+              <a:ext uri="{28A0092B-C50C-407E-A947-70E740481C1C}">
+                <a14:useLocalDpi xmlns:a14="http://schemas.microsoft.com/office/drawing/2010/main" val="0"/>
+              </a:ext>
+            </a:extLst>
+          </a:blip>
+          <a:srcRect l="1151" r="1670"/>
+          <a:stretch/>
+        </p:blipFill>
+        <p:spPr>
+          <a:xfrm>
+            <a:off x="9299048" y="1826451"/>
+            <a:ext cx="2683565" cy="1750938"/>
+          </a:xfrm>
+          <a:prstGeom prst="rect">
+            <a:avLst/>
+          </a:prstGeom>
+        </p:spPr>
+      </p:pic>
+      <p:pic>
+        <p:nvPicPr>
+          <p:cNvPr id="18" name="Picture 17" descr="A drawing of a cartoon character&#10;&#10;Description automatically generated">
+            <a:extLst>
+              <a:ext uri="{FF2B5EF4-FFF2-40B4-BE49-F238E27FC236}">
+                <a16:creationId xmlns:a16="http://schemas.microsoft.com/office/drawing/2014/main" id="{8C233986-84CF-4C36-9196-7397AE6520E9}"/>
+              </a:ext>
+            </a:extLst>
+          </p:cNvPr>
+          <p:cNvPicPr>
+            <a:picLocks noChangeAspect="1"/>
+          </p:cNvPicPr>
+          <p:nvPr/>
+        </p:nvPicPr>
+        <p:blipFill>
+          <a:blip r:embed="rId4">
+            <a:extLst>
+              <a:ext uri="{28A0092B-C50C-407E-A947-70E740481C1C}">
+                <a14:useLocalDpi xmlns:a14="http://schemas.microsoft.com/office/drawing/2010/main" val="0"/>
+              </a:ext>
+            </a:extLst>
+          </a:blip>
+          <a:stretch>
+            <a:fillRect/>
+          </a:stretch>
+        </p:blipFill>
+        <p:spPr>
+          <a:xfrm>
+            <a:off x="11437446" y="6318403"/>
+            <a:ext cx="652248" cy="457200"/>
+          </a:xfrm>
+          <a:prstGeom prst="rect">
+            <a:avLst/>
+          </a:prstGeom>
+        </p:spPr>
+      </p:pic>
+      <p:pic>
+        <p:nvPicPr>
+          <p:cNvPr id="20" name="Picture 19" descr="A close up of a logo&#10;&#10;Description automatically generated">
+            <a:extLst>
+              <a:ext uri="{FF2B5EF4-FFF2-40B4-BE49-F238E27FC236}">
+                <a16:creationId xmlns:a16="http://schemas.microsoft.com/office/drawing/2014/main" id="{298B2CC2-7F05-4C01-9EAE-D2D1D0962642}"/>
+              </a:ext>
+            </a:extLst>
+          </p:cNvPr>
+          <p:cNvPicPr>
+            <a:picLocks noChangeAspect="1"/>
+          </p:cNvPicPr>
+          <p:nvPr/>
+        </p:nvPicPr>
+        <p:blipFill rotWithShape="1">
+          <a:blip r:embed="rId5">
+            <a:extLst>
+              <a:ext uri="{28A0092B-C50C-407E-A947-70E740481C1C}">
+                <a14:useLocalDpi xmlns:a14="http://schemas.microsoft.com/office/drawing/2010/main" val="0"/>
+              </a:ext>
+            </a:extLst>
+          </a:blip>
+          <a:srcRect l="2292" r="2215"/>
+          <a:stretch/>
+        </p:blipFill>
+        <p:spPr>
+          <a:xfrm>
+            <a:off x="9652881" y="230815"/>
+            <a:ext cx="1975900" cy="1413782"/>
+          </a:xfrm>
+          <a:prstGeom prst="rect">
+            <a:avLst/>
+          </a:prstGeom>
+        </p:spPr>
+      </p:pic>
+      <p:pic>
+        <p:nvPicPr>
+          <p:cNvPr id="22" name="Picture 21" descr="A picture containing person, grass, outdoor, holding&#10;&#10;Description automatically generated">
+            <a:extLst>
+              <a:ext uri="{FF2B5EF4-FFF2-40B4-BE49-F238E27FC236}">
+                <a16:creationId xmlns:a16="http://schemas.microsoft.com/office/drawing/2014/main" id="{D7263EFB-FF79-4E76-AF62-D8937E601F45}"/>
+              </a:ext>
+            </a:extLst>
+          </p:cNvPr>
+          <p:cNvPicPr>
+            <a:picLocks noChangeAspect="1"/>
+          </p:cNvPicPr>
+          <p:nvPr/>
+        </p:nvPicPr>
+        <p:blipFill>
+          <a:blip r:embed="rId6">
+            <a:extLst>
+              <a:ext uri="{28A0092B-C50C-407E-A947-70E740481C1C}">
+                <a14:useLocalDpi xmlns:a14="http://schemas.microsoft.com/office/drawing/2010/main" val="0"/>
+              </a:ext>
+            </a:extLst>
+          </a:blip>
+          <a:stretch>
+            <a:fillRect/>
+          </a:stretch>
+        </p:blipFill>
+        <p:spPr>
+          <a:xfrm>
+            <a:off x="12628365" y="351816"/>
+            <a:ext cx="1761417" cy="1321061"/>
+          </a:xfrm>
+          <a:prstGeom prst="rect">
+            <a:avLst/>
+          </a:prstGeom>
+        </p:spPr>
+      </p:pic>
+      <p:pic>
+        <p:nvPicPr>
+          <p:cNvPr id="24" name="Picture 23" descr="A picture containing animal, table, food, plate&#10;&#10;Description automatically generated">
+            <a:extLst>
+              <a:ext uri="{FF2B5EF4-FFF2-40B4-BE49-F238E27FC236}">
+                <a16:creationId xmlns:a16="http://schemas.microsoft.com/office/drawing/2014/main" id="{EF71A54B-FEAD-4868-A3BB-622EBF7175BD}"/>
+              </a:ext>
+            </a:extLst>
+          </p:cNvPr>
+          <p:cNvPicPr>
+            <a:picLocks noChangeAspect="1"/>
+          </p:cNvPicPr>
+          <p:nvPr/>
+        </p:nvPicPr>
+        <p:blipFill>
+          <a:blip r:embed="rId7">
+            <a:extLst>
+              <a:ext uri="{28A0092B-C50C-407E-A947-70E740481C1C}">
+                <a14:useLocalDpi xmlns:a14="http://schemas.microsoft.com/office/drawing/2010/main" val="0"/>
+              </a:ext>
+            </a:extLst>
+          </a:blip>
+          <a:stretch>
+            <a:fillRect/>
+          </a:stretch>
+        </p:blipFill>
+        <p:spPr>
+          <a:xfrm>
+            <a:off x="12089694" y="-1800620"/>
+            <a:ext cx="2369752" cy="1448182"/>
+          </a:xfrm>
+          <a:prstGeom prst="rect">
+            <a:avLst/>
+          </a:prstGeom>
+        </p:spPr>
+      </p:pic>
+      <p:pic>
+        <p:nvPicPr>
+          <p:cNvPr id="26" name="Picture 25" descr="A picture containing indoor, table, sitting, food&#10;&#10;Description automatically generated">
+            <a:extLst>
+              <a:ext uri="{FF2B5EF4-FFF2-40B4-BE49-F238E27FC236}">
+                <a16:creationId xmlns:a16="http://schemas.microsoft.com/office/drawing/2014/main" id="{49C95D98-1033-4CCE-BB70-891205A3B75E}"/>
+              </a:ext>
+            </a:extLst>
+          </p:cNvPr>
+          <p:cNvPicPr>
+            <a:picLocks noChangeAspect="1"/>
+          </p:cNvPicPr>
+          <p:nvPr/>
+        </p:nvPicPr>
+        <p:blipFill>
+          <a:blip r:embed="rId8">
+            <a:extLst>
+              <a:ext uri="{28A0092B-C50C-407E-A947-70E740481C1C}">
+                <a14:useLocalDpi xmlns:a14="http://schemas.microsoft.com/office/drawing/2010/main" val="0"/>
+              </a:ext>
+            </a:extLst>
+          </a:blip>
+          <a:stretch>
+            <a:fillRect/>
+          </a:stretch>
+        </p:blipFill>
+        <p:spPr>
+          <a:xfrm>
+            <a:off x="12628365" y="4437867"/>
+            <a:ext cx="2952101" cy="2214076"/>
+          </a:xfrm>
+          <a:prstGeom prst="rect">
+            <a:avLst/>
+          </a:prstGeom>
+        </p:spPr>
+      </p:pic>
       <p:pic>
         <p:nvPicPr>
           <p:cNvPr id="29" name="Picture 28" descr="A close up of a logo&#10;&#10;Description automatically generated">

--- a/Winder_Digital_Poster.pptx
+++ b/Winder_Digital_Poster.pptx
@@ -115,7 +115,7 @@
 <file path=ppt/revisionInfo.xml><?xml version="1.0" encoding="utf-8"?>
 <p1510:revInfo xmlns:a="http://schemas.openxmlformats.org/drawingml/2006/main" xmlns:r="http://schemas.openxmlformats.org/officeDocument/2006/relationships" xmlns:p1510="http://schemas.microsoft.com/office/powerpoint/2015/10/main">
   <p1510:revLst>
-    <p1510:client id="{91B49B06-321D-4DBB-BB2D-C1340DEA48DC}" v="60" dt="2020-02-25T23:48:24.243"/>
+    <p1510:client id="{91B49B06-321D-4DBB-BB2D-C1340DEA48DC}" v="1983" dt="2020-03-04T01:27:34.173"/>
   </p1510:revLst>
 </p1510:revInfo>
 </file>
@@ -125,12 +125,12 @@
   <pc:docChgLst>
     <pc:chgData name="Meaghan Winder" userId="e7dbd1f288b20f78" providerId="LiveId" clId="{91B49B06-321D-4DBB-BB2D-C1340DEA48DC}"/>
     <pc:docChg chg="undo custSel modSld">
-      <pc:chgData name="Meaghan Winder" userId="e7dbd1f288b20f78" providerId="LiveId" clId="{91B49B06-321D-4DBB-BB2D-C1340DEA48DC}" dt="2020-02-26T17:52:39.921" v="457" actId="478"/>
+      <pc:chgData name="Meaghan Winder" userId="e7dbd1f288b20f78" providerId="LiveId" clId="{91B49B06-321D-4DBB-BB2D-C1340DEA48DC}" dt="2020-03-04T01:27:36.912" v="4989" actId="20577"/>
       <pc:docMkLst>
         <pc:docMk/>
       </pc:docMkLst>
       <pc:sldChg chg="addSp delSp modSp">
-        <pc:chgData name="Meaghan Winder" userId="e7dbd1f288b20f78" providerId="LiveId" clId="{91B49B06-321D-4DBB-BB2D-C1340DEA48DC}" dt="2020-02-26T17:52:39.921" v="457" actId="478"/>
+        <pc:chgData name="Meaghan Winder" userId="e7dbd1f288b20f78" providerId="LiveId" clId="{91B49B06-321D-4DBB-BB2D-C1340DEA48DC}" dt="2020-03-04T01:27:36.912" v="4989" actId="20577"/>
         <pc:sldMkLst>
           <pc:docMk/>
           <pc:sldMk cId="1175813555" sldId="256"/>
@@ -144,11 +144,27 @@
           </ac:spMkLst>
         </pc:spChg>
         <pc:spChg chg="add del mod">
+          <ac:chgData name="Meaghan Winder" userId="e7dbd1f288b20f78" providerId="LiveId" clId="{91B49B06-321D-4DBB-BB2D-C1340DEA48DC}" dt="2020-03-02T22:56:54.078" v="4218" actId="478"/>
+          <ac:spMkLst>
+            <pc:docMk/>
+            <pc:sldMk cId="1175813555" sldId="256"/>
+            <ac:spMk id="2" creationId="{6B72F545-DEFF-4F70-A9A0-96A7C0B8612E}"/>
+          </ac:spMkLst>
+        </pc:spChg>
+        <pc:spChg chg="add del mod">
           <ac:chgData name="Meaghan Winder" userId="e7dbd1f288b20f78" providerId="LiveId" clId="{91B49B06-321D-4DBB-BB2D-C1340DEA48DC}" dt="2020-02-25T23:43:09.150" v="159" actId="478"/>
           <ac:spMkLst>
             <pc:docMk/>
             <pc:sldMk cId="1175813555" sldId="256"/>
             <ac:spMk id="3" creationId="{826C0F41-FF52-4D41-9058-B0D0041E29A0}"/>
+          </ac:spMkLst>
+        </pc:spChg>
+        <pc:spChg chg="mod">
+          <ac:chgData name="Meaghan Winder" userId="e7dbd1f288b20f78" providerId="LiveId" clId="{91B49B06-321D-4DBB-BB2D-C1340DEA48DC}" dt="2020-03-03T05:54:31.957" v="4554" actId="255"/>
+          <ac:spMkLst>
+            <pc:docMk/>
+            <pc:sldMk cId="1175813555" sldId="256"/>
+            <ac:spMk id="4" creationId="{BEABDD9F-8E83-4B83-A570-F8516E061B55}"/>
           </ac:spMkLst>
         </pc:spChg>
         <pc:spChg chg="add del mod">
@@ -159,6 +175,14 @@
             <ac:spMk id="5" creationId="{07F0E12C-279A-4466-BFC6-3E1C75FF0B19}"/>
           </ac:spMkLst>
         </pc:spChg>
+        <pc:spChg chg="add del mod">
+          <ac:chgData name="Meaghan Winder" userId="e7dbd1f288b20f78" providerId="LiveId" clId="{91B49B06-321D-4DBB-BB2D-C1340DEA48DC}" dt="2020-03-02T21:38:25.910" v="2868"/>
+          <ac:spMkLst>
+            <pc:docMk/>
+            <pc:sldMk cId="1175813555" sldId="256"/>
+            <ac:spMk id="5" creationId="{2133EBB2-7A9D-4F69-A672-878A15003EF0}"/>
+          </ac:spMkLst>
+        </pc:spChg>
         <pc:spChg chg="del">
           <ac:chgData name="Meaghan Winder" userId="e7dbd1f288b20f78" providerId="LiveId" clId="{91B49B06-321D-4DBB-BB2D-C1340DEA48DC}" dt="2020-02-25T20:12:31.159" v="0" actId="931"/>
           <ac:spMkLst>
@@ -167,8 +191,40 @@
             <ac:spMk id="5" creationId="{6DF1D133-BC0F-4FEF-B6A6-25EAEE1EC414}"/>
           </ac:spMkLst>
         </pc:spChg>
+        <pc:spChg chg="add mod ord">
+          <ac:chgData name="Meaghan Winder" userId="e7dbd1f288b20f78" providerId="LiveId" clId="{91B49B06-321D-4DBB-BB2D-C1340DEA48DC}" dt="2020-03-04T01:27:36.912" v="4989" actId="20577"/>
+          <ac:spMkLst>
+            <pc:docMk/>
+            <pc:sldMk cId="1175813555" sldId="256"/>
+            <ac:spMk id="5" creationId="{B0BB2307-923B-4BB7-9B18-C252EEDDF8C2}"/>
+          </ac:spMkLst>
+        </pc:spChg>
         <pc:spChg chg="mod">
-          <ac:chgData name="Meaghan Winder" userId="e7dbd1f288b20f78" providerId="LiveId" clId="{91B49B06-321D-4DBB-BB2D-C1340DEA48DC}" dt="2020-02-25T20:23:17.193" v="139" actId="404"/>
+          <ac:chgData name="Meaghan Winder" userId="e7dbd1f288b20f78" providerId="LiveId" clId="{91B49B06-321D-4DBB-BB2D-C1340DEA48DC}" dt="2020-03-03T05:58:48.306" v="4568" actId="20577"/>
+          <ac:spMkLst>
+            <pc:docMk/>
+            <pc:sldMk cId="1175813555" sldId="256"/>
+            <ac:spMk id="6" creationId="{99E46671-4FA8-41FA-8B54-30F82ED4411D}"/>
+          </ac:spMkLst>
+        </pc:spChg>
+        <pc:spChg chg="del mod">
+          <ac:chgData name="Meaghan Winder" userId="e7dbd1f288b20f78" providerId="LiveId" clId="{91B49B06-321D-4DBB-BB2D-C1340DEA48DC}" dt="2020-02-26T20:53:25.200" v="667" actId="478"/>
+          <ac:spMkLst>
+            <pc:docMk/>
+            <pc:sldMk cId="1175813555" sldId="256"/>
+            <ac:spMk id="7" creationId="{550BA088-2E83-46EA-888E-D349E823971B}"/>
+          </ac:spMkLst>
+        </pc:spChg>
+        <pc:spChg chg="add del mod">
+          <ac:chgData name="Meaghan Winder" userId="e7dbd1f288b20f78" providerId="LiveId" clId="{91B49B06-321D-4DBB-BB2D-C1340DEA48DC}" dt="2020-03-02T21:31:59.359" v="2696" actId="478"/>
+          <ac:spMkLst>
+            <pc:docMk/>
+            <pc:sldMk cId="1175813555" sldId="256"/>
+            <ac:spMk id="7" creationId="{C518716D-98E2-45D8-B99B-F578B096D7CC}"/>
+          </ac:spMkLst>
+        </pc:spChg>
+        <pc:spChg chg="mod">
+          <ac:chgData name="Meaghan Winder" userId="e7dbd1f288b20f78" providerId="LiveId" clId="{91B49B06-321D-4DBB-BB2D-C1340DEA48DC}" dt="2020-03-03T05:57:49.372" v="4565" actId="1076"/>
           <ac:spMkLst>
             <pc:docMk/>
             <pc:sldMk cId="1175813555" sldId="256"/>
@@ -183,76 +239,804 @@
             <ac:spMk id="9" creationId="{32A1100E-D987-422C-957B-022702E94378}"/>
           </ac:spMkLst>
         </pc:spChg>
+        <pc:spChg chg="add del mod ord">
+          <ac:chgData name="Meaghan Winder" userId="e7dbd1f288b20f78" providerId="LiveId" clId="{91B49B06-321D-4DBB-BB2D-C1340DEA48DC}" dt="2020-03-02T20:13:28.079" v="2540" actId="478"/>
+          <ac:spMkLst>
+            <pc:docMk/>
+            <pc:sldMk cId="1175813555" sldId="256"/>
+            <ac:spMk id="9" creationId="{56144EFA-FB6B-4038-B3CA-BAEB513B32CA}"/>
+          </ac:spMkLst>
+        </pc:spChg>
+        <pc:spChg chg="add del mod">
+          <ac:chgData name="Meaghan Winder" userId="e7dbd1f288b20f78" providerId="LiveId" clId="{91B49B06-321D-4DBB-BB2D-C1340DEA48DC}" dt="2020-03-02T21:40:40.795" v="3005" actId="478"/>
+          <ac:spMkLst>
+            <pc:docMk/>
+            <pc:sldMk cId="1175813555" sldId="256"/>
+            <ac:spMk id="9" creationId="{D5B8C07F-D267-4418-AF93-E5A93766A3A9}"/>
+          </ac:spMkLst>
+        </pc:spChg>
+        <pc:spChg chg="add del mod">
+          <ac:chgData name="Meaghan Winder" userId="e7dbd1f288b20f78" providerId="LiveId" clId="{91B49B06-321D-4DBB-BB2D-C1340DEA48DC}" dt="2020-03-02T22:57:01.668" v="4220" actId="478"/>
+          <ac:spMkLst>
+            <pc:docMk/>
+            <pc:sldMk cId="1175813555" sldId="256"/>
+            <ac:spMk id="10" creationId="{8F6D2776-339D-4EFE-BC2F-BBE0B424FFB1}"/>
+          </ac:spMkLst>
+        </pc:spChg>
+        <pc:spChg chg="add del mod">
+          <ac:chgData name="Meaghan Winder" userId="e7dbd1f288b20f78" providerId="LiveId" clId="{91B49B06-321D-4DBB-BB2D-C1340DEA48DC}" dt="2020-03-04T01:14:01.110" v="4805" actId="478"/>
+          <ac:spMkLst>
+            <pc:docMk/>
+            <pc:sldMk cId="1175813555" sldId="256"/>
+            <ac:spMk id="10" creationId="{F19FEAC3-0005-4F0E-8AC9-754EF8E8C107}"/>
+          </ac:spMkLst>
+        </pc:spChg>
+        <pc:spChg chg="mod">
+          <ac:chgData name="Meaghan Winder" userId="e7dbd1f288b20f78" providerId="LiveId" clId="{91B49B06-321D-4DBB-BB2D-C1340DEA48DC}" dt="2020-03-02T22:05:21.088" v="3912" actId="14100"/>
+          <ac:spMkLst>
+            <pc:docMk/>
+            <pc:sldMk cId="1175813555" sldId="256"/>
+            <ac:spMk id="11" creationId="{85749BD7-48DE-434E-8FCE-813212772757}"/>
+          </ac:spMkLst>
+        </pc:spChg>
+        <pc:spChg chg="add del">
+          <ac:chgData name="Meaghan Winder" userId="e7dbd1f288b20f78" providerId="LiveId" clId="{91B49B06-321D-4DBB-BB2D-C1340DEA48DC}" dt="2020-02-26T20:54:09.914" v="672"/>
+          <ac:spMkLst>
+            <pc:docMk/>
+            <pc:sldMk cId="1175813555" sldId="256"/>
+            <ac:spMk id="12" creationId="{28B9198E-5962-47F6-A66B-54D233108128}"/>
+          </ac:spMkLst>
+        </pc:spChg>
+        <pc:spChg chg="add del mod">
+          <ac:chgData name="Meaghan Winder" userId="e7dbd1f288b20f78" providerId="LiveId" clId="{91B49B06-321D-4DBB-BB2D-C1340DEA48DC}" dt="2020-03-04T01:14:04.757" v="4807" actId="478"/>
+          <ac:spMkLst>
+            <pc:docMk/>
+            <pc:sldMk cId="1175813555" sldId="256"/>
+            <ac:spMk id="12" creationId="{4B765ECA-F687-449C-8974-45697C106D1F}"/>
+          </ac:spMkLst>
+        </pc:spChg>
+        <pc:spChg chg="add del">
+          <ac:chgData name="Meaghan Winder" userId="e7dbd1f288b20f78" providerId="LiveId" clId="{91B49B06-321D-4DBB-BB2D-C1340DEA48DC}" dt="2020-03-02T21:38:27.704" v="2870"/>
+          <ac:spMkLst>
+            <pc:docMk/>
+            <pc:sldMk cId="1175813555" sldId="256"/>
+            <ac:spMk id="12" creationId="{6F134087-B9AD-4F43-8D3D-00DCB666BA61}"/>
+          </ac:spMkLst>
+        </pc:spChg>
+        <pc:spChg chg="add del mod">
+          <ac:chgData name="Meaghan Winder" userId="e7dbd1f288b20f78" providerId="LiveId" clId="{91B49B06-321D-4DBB-BB2D-C1340DEA48DC}" dt="2020-03-04T01:14:02.966" v="4806" actId="478"/>
+          <ac:spMkLst>
+            <pc:docMk/>
+            <pc:sldMk cId="1175813555" sldId="256"/>
+            <ac:spMk id="15" creationId="{14CAC2CB-0BE6-4164-86CC-BB7D47E95071}"/>
+          </ac:spMkLst>
+        </pc:spChg>
+        <pc:spChg chg="add del mod">
+          <ac:chgData name="Meaghan Winder" userId="e7dbd1f288b20f78" providerId="LiveId" clId="{91B49B06-321D-4DBB-BB2D-C1340DEA48DC}" dt="2020-03-02T22:57:03.856" v="4221" actId="478"/>
+          <ac:spMkLst>
+            <pc:docMk/>
+            <pc:sldMk cId="1175813555" sldId="256"/>
+            <ac:spMk id="15" creationId="{58DED23B-7A08-46CA-B4F1-660F14C3AAEB}"/>
+          </ac:spMkLst>
+        </pc:spChg>
+        <pc:spChg chg="add del mod">
+          <ac:chgData name="Meaghan Winder" userId="e7dbd1f288b20f78" providerId="LiveId" clId="{91B49B06-321D-4DBB-BB2D-C1340DEA48DC}" dt="2020-03-02T22:56:55.949" v="4219" actId="478"/>
+          <ac:spMkLst>
+            <pc:docMk/>
+            <pc:sldMk cId="1175813555" sldId="256"/>
+            <ac:spMk id="16" creationId="{736A63E6-846B-4460-9926-0DE513C5C783}"/>
+          </ac:spMkLst>
+        </pc:spChg>
+        <pc:spChg chg="add del mod">
+          <ac:chgData name="Meaghan Winder" userId="e7dbd1f288b20f78" providerId="LiveId" clId="{91B49B06-321D-4DBB-BB2D-C1340DEA48DC}" dt="2020-02-26T20:30:14.320" v="482"/>
+          <ac:spMkLst>
+            <pc:docMk/>
+            <pc:sldMk cId="1175813555" sldId="256"/>
+            <ac:spMk id="17" creationId="{D4C94421-8091-478C-8A3A-85449B813534}"/>
+          </ac:spMkLst>
+        </pc:spChg>
+        <pc:spChg chg="add del mod">
+          <ac:chgData name="Meaghan Winder" userId="e7dbd1f288b20f78" providerId="LiveId" clId="{91B49B06-321D-4DBB-BB2D-C1340DEA48DC}" dt="2020-03-02T22:56:52.007" v="4217" actId="478"/>
+          <ac:spMkLst>
+            <pc:docMk/>
+            <pc:sldMk cId="1175813555" sldId="256"/>
+            <ac:spMk id="19" creationId="{0D1E9C4A-D6AA-4DED-BBC1-112AFBAFB5B5}"/>
+          </ac:spMkLst>
+        </pc:spChg>
+        <pc:spChg chg="add del mod">
+          <ac:chgData name="Meaghan Winder" userId="e7dbd1f288b20f78" providerId="LiveId" clId="{91B49B06-321D-4DBB-BB2D-C1340DEA48DC}" dt="2020-03-01T21:38:10.939" v="2002" actId="478"/>
+          <ac:spMkLst>
+            <pc:docMk/>
+            <pc:sldMk cId="1175813555" sldId="256"/>
+            <ac:spMk id="19" creationId="{2D15E394-6F91-410D-9618-A1FE4856B753}"/>
+          </ac:spMkLst>
+        </pc:spChg>
+        <pc:spChg chg="add del mod topLvl">
+          <ac:chgData name="Meaghan Winder" userId="e7dbd1f288b20f78" providerId="LiveId" clId="{91B49B06-321D-4DBB-BB2D-C1340DEA48DC}" dt="2020-03-04T00:58:06.332" v="4754" actId="478"/>
+          <ac:spMkLst>
+            <pc:docMk/>
+            <pc:sldMk cId="1175813555" sldId="256"/>
+            <ac:spMk id="19" creationId="{52E52457-1615-42DF-AF8E-9EC19EF5316E}"/>
+          </ac:spMkLst>
+        </pc:spChg>
+        <pc:spChg chg="add del mod">
+          <ac:chgData name="Meaghan Winder" userId="e7dbd1f288b20f78" providerId="LiveId" clId="{91B49B06-321D-4DBB-BB2D-C1340DEA48DC}" dt="2020-02-26T20:30:14.320" v="482"/>
+          <ac:spMkLst>
+            <pc:docMk/>
+            <pc:sldMk cId="1175813555" sldId="256"/>
+            <ac:spMk id="19" creationId="{FFE4CD85-08D5-42A0-B34D-4A0CC2A3FAA8}"/>
+          </ac:spMkLst>
+        </pc:spChg>
+        <pc:spChg chg="add del mod">
+          <ac:chgData name="Meaghan Winder" userId="e7dbd1f288b20f78" providerId="LiveId" clId="{91B49B06-321D-4DBB-BB2D-C1340DEA48DC}" dt="2020-03-02T23:06:27.631" v="4226" actId="478"/>
+          <ac:spMkLst>
+            <pc:docMk/>
+            <pc:sldMk cId="1175813555" sldId="256"/>
+            <ac:spMk id="20" creationId="{AD7D0019-869A-437E-B44A-6C3504798E6A}"/>
+          </ac:spMkLst>
+        </pc:spChg>
+        <pc:spChg chg="add del mod">
+          <ac:chgData name="Meaghan Winder" userId="e7dbd1f288b20f78" providerId="LiveId" clId="{91B49B06-321D-4DBB-BB2D-C1340DEA48DC}" dt="2020-03-02T23:06:22.354" v="4225" actId="478"/>
+          <ac:spMkLst>
+            <pc:docMk/>
+            <pc:sldMk cId="1175813555" sldId="256"/>
+            <ac:spMk id="21" creationId="{569CBFF0-0AE5-495B-8FC5-C841DC8B5D32}"/>
+          </ac:spMkLst>
+        </pc:spChg>
+        <pc:spChg chg="add del mod">
+          <ac:chgData name="Meaghan Winder" userId="e7dbd1f288b20f78" providerId="LiveId" clId="{91B49B06-321D-4DBB-BB2D-C1340DEA48DC}" dt="2020-02-26T20:30:14.320" v="482"/>
+          <ac:spMkLst>
+            <pc:docMk/>
+            <pc:sldMk cId="1175813555" sldId="256"/>
+            <ac:spMk id="21" creationId="{8D531098-D9E4-4101-A8CE-5E82862BECAE}"/>
+          </ac:spMkLst>
+        </pc:spChg>
+        <pc:spChg chg="add del mod">
+          <ac:chgData name="Meaghan Winder" userId="e7dbd1f288b20f78" providerId="LiveId" clId="{91B49B06-321D-4DBB-BB2D-C1340DEA48DC}" dt="2020-03-01T21:41:05.777" v="2019" actId="478"/>
+          <ac:spMkLst>
+            <pc:docMk/>
+            <pc:sldMk cId="1175813555" sldId="256"/>
+            <ac:spMk id="21" creationId="{B90B226C-F0B0-43FF-BE91-EA04C805B0F3}"/>
+          </ac:spMkLst>
+        </pc:spChg>
+        <pc:spChg chg="add del mod">
+          <ac:chgData name="Meaghan Winder" userId="e7dbd1f288b20f78" providerId="LiveId" clId="{91B49B06-321D-4DBB-BB2D-C1340DEA48DC}" dt="2020-02-26T20:30:14.320" v="482"/>
+          <ac:spMkLst>
+            <pc:docMk/>
+            <pc:sldMk cId="1175813555" sldId="256"/>
+            <ac:spMk id="23" creationId="{8701FB0D-C128-446F-8C69-7F30B07B4B4C}"/>
+          </ac:spMkLst>
+        </pc:spChg>
+        <pc:spChg chg="add del mod">
+          <ac:chgData name="Meaghan Winder" userId="e7dbd1f288b20f78" providerId="LiveId" clId="{91B49B06-321D-4DBB-BB2D-C1340DEA48DC}" dt="2020-03-01T21:42:50.027" v="2036" actId="11529"/>
+          <ac:spMkLst>
+            <pc:docMk/>
+            <pc:sldMk cId="1175813555" sldId="256"/>
+            <ac:spMk id="23" creationId="{A662ABEA-0072-4E6C-8F36-F46BDD9364E0}"/>
+          </ac:spMkLst>
+        </pc:spChg>
+        <pc:spChg chg="add del mod">
+          <ac:chgData name="Meaghan Winder" userId="e7dbd1f288b20f78" providerId="LiveId" clId="{91B49B06-321D-4DBB-BB2D-C1340DEA48DC}" dt="2020-02-26T20:30:14.320" v="482"/>
+          <ac:spMkLst>
+            <pc:docMk/>
+            <pc:sldMk cId="1175813555" sldId="256"/>
+            <ac:spMk id="25" creationId="{F15B65E5-6C27-4EAC-B660-D3FA7D04EFFB}"/>
+          </ac:spMkLst>
+        </pc:spChg>
+        <pc:spChg chg="add del mod ord">
+          <ac:chgData name="Meaghan Winder" userId="e7dbd1f288b20f78" providerId="LiveId" clId="{91B49B06-321D-4DBB-BB2D-C1340DEA48DC}" dt="2020-02-26T20:49:42.360" v="594" actId="478"/>
+          <ac:spMkLst>
+            <pc:docMk/>
+            <pc:sldMk cId="1175813555" sldId="256"/>
+            <ac:spMk id="27" creationId="{45BC85FE-7B36-4F1D-8FA2-4AAB444CB4DE}"/>
+          </ac:spMkLst>
+        </pc:spChg>
+        <pc:spChg chg="add del mod">
+          <ac:chgData name="Meaghan Winder" userId="e7dbd1f288b20f78" providerId="LiveId" clId="{91B49B06-321D-4DBB-BB2D-C1340DEA48DC}" dt="2020-03-01T22:34:32.705" v="2059" actId="478"/>
+          <ac:spMkLst>
+            <pc:docMk/>
+            <pc:sldMk cId="1175813555" sldId="256"/>
+            <ac:spMk id="28" creationId="{55B3F971-D841-4153-B9AD-3BFD118C38AE}"/>
+          </ac:spMkLst>
+        </pc:spChg>
+        <pc:spChg chg="add del mod">
+          <ac:chgData name="Meaghan Winder" userId="e7dbd1f288b20f78" providerId="LiveId" clId="{91B49B06-321D-4DBB-BB2D-C1340DEA48DC}" dt="2020-02-26T20:30:14.320" v="482"/>
+          <ac:spMkLst>
+            <pc:docMk/>
+            <pc:sldMk cId="1175813555" sldId="256"/>
+            <ac:spMk id="28" creationId="{F9F2D21B-A860-49DF-A11C-0C81AA95C2E6}"/>
+          </ac:spMkLst>
+        </pc:spChg>
+        <pc:spChg chg="add del mod">
+          <ac:chgData name="Meaghan Winder" userId="e7dbd1f288b20f78" providerId="LiveId" clId="{91B49B06-321D-4DBB-BB2D-C1340DEA48DC}" dt="2020-03-01T22:36:01.626" v="2073" actId="478"/>
+          <ac:spMkLst>
+            <pc:docMk/>
+            <pc:sldMk cId="1175813555" sldId="256"/>
+            <ac:spMk id="30" creationId="{4B97F905-ACAA-41F1-BCFB-07857724778B}"/>
+          </ac:spMkLst>
+        </pc:spChg>
+        <pc:spChg chg="add del mod">
+          <ac:chgData name="Meaghan Winder" userId="e7dbd1f288b20f78" providerId="LiveId" clId="{91B49B06-321D-4DBB-BB2D-C1340DEA48DC}" dt="2020-02-26T20:30:14.320" v="482"/>
+          <ac:spMkLst>
+            <pc:docMk/>
+            <pc:sldMk cId="1175813555" sldId="256"/>
+            <ac:spMk id="30" creationId="{72DCF242-3AD3-49E4-88A5-D4C913C791B2}"/>
+          </ac:spMkLst>
+        </pc:spChg>
+        <pc:spChg chg="add del mod ord topLvl">
+          <ac:chgData name="Meaghan Winder" userId="e7dbd1f288b20f78" providerId="LiveId" clId="{91B49B06-321D-4DBB-BB2D-C1340DEA48DC}" dt="2020-03-04T00:49:18.621" v="4684" actId="478"/>
+          <ac:spMkLst>
+            <pc:docMk/>
+            <pc:sldMk cId="1175813555" sldId="256"/>
+            <ac:spMk id="31" creationId="{E5D30AEE-5168-489D-B324-115ECAC9F230}"/>
+          </ac:spMkLst>
+        </pc:spChg>
+        <pc:spChg chg="add del mod">
+          <ac:chgData name="Meaghan Winder" userId="e7dbd1f288b20f78" providerId="LiveId" clId="{91B49B06-321D-4DBB-BB2D-C1340DEA48DC}" dt="2020-02-26T20:30:14.320" v="482"/>
+          <ac:spMkLst>
+            <pc:docMk/>
+            <pc:sldMk cId="1175813555" sldId="256"/>
+            <ac:spMk id="31" creationId="{F52A26C5-D8AE-4CB5-BB4A-AB0E9DF5FFD0}"/>
+          </ac:spMkLst>
+        </pc:spChg>
+        <pc:spChg chg="add del">
+          <ac:chgData name="Meaghan Winder" userId="e7dbd1f288b20f78" providerId="LiveId" clId="{91B49B06-321D-4DBB-BB2D-C1340DEA48DC}" dt="2020-02-26T20:30:16.948" v="484"/>
+          <ac:spMkLst>
+            <pc:docMk/>
+            <pc:sldMk cId="1175813555" sldId="256"/>
+            <ac:spMk id="36" creationId="{DB7D6F17-E013-43EE-8EDA-B4247E7DC566}"/>
+          </ac:spMkLst>
+        </pc:spChg>
+        <pc:spChg chg="add del">
+          <ac:chgData name="Meaghan Winder" userId="e7dbd1f288b20f78" providerId="LiveId" clId="{91B49B06-321D-4DBB-BB2D-C1340DEA48DC}" dt="2020-02-26T20:30:16.948" v="484"/>
+          <ac:spMkLst>
+            <pc:docMk/>
+            <pc:sldMk cId="1175813555" sldId="256"/>
+            <ac:spMk id="37" creationId="{AD42A9B8-17D4-4F54-95FD-2F4A699C20B2}"/>
+          </ac:spMkLst>
+        </pc:spChg>
+        <pc:spChg chg="add del">
+          <ac:chgData name="Meaghan Winder" userId="e7dbd1f288b20f78" providerId="LiveId" clId="{91B49B06-321D-4DBB-BB2D-C1340DEA48DC}" dt="2020-02-26T20:30:16.948" v="484"/>
+          <ac:spMkLst>
+            <pc:docMk/>
+            <pc:sldMk cId="1175813555" sldId="256"/>
+            <ac:spMk id="38" creationId="{B77B61FC-0EA3-49ED-A63F-D1AEB000D19A}"/>
+          </ac:spMkLst>
+        </pc:spChg>
+        <pc:spChg chg="add del mod">
+          <ac:chgData name="Meaghan Winder" userId="e7dbd1f288b20f78" providerId="LiveId" clId="{91B49B06-321D-4DBB-BB2D-C1340DEA48DC}" dt="2020-03-04T00:50:41.152" v="4702"/>
+          <ac:spMkLst>
+            <pc:docMk/>
+            <pc:sldMk cId="1175813555" sldId="256"/>
+            <ac:spMk id="39" creationId="{1CF80452-0AAE-4964-A725-9CC2A38FE88E}"/>
+          </ac:spMkLst>
+        </pc:spChg>
+        <pc:spChg chg="add del">
+          <ac:chgData name="Meaghan Winder" userId="e7dbd1f288b20f78" providerId="LiveId" clId="{91B49B06-321D-4DBB-BB2D-C1340DEA48DC}" dt="2020-02-26T20:30:16.948" v="484"/>
+          <ac:spMkLst>
+            <pc:docMk/>
+            <pc:sldMk cId="1175813555" sldId="256"/>
+            <ac:spMk id="39" creationId="{DA381C32-2397-4825-98DD-CBE416CA0327}"/>
+          </ac:spMkLst>
+        </pc:spChg>
         <pc:spChg chg="add mod ord">
-          <ac:chgData name="Meaghan Winder" userId="e7dbd1f288b20f78" providerId="LiveId" clId="{91B49B06-321D-4DBB-BB2D-C1340DEA48DC}" dt="2020-02-25T23:46:41.600" v="324" actId="167"/>
-          <ac:spMkLst>
-            <pc:docMk/>
-            <pc:sldMk cId="1175813555" sldId="256"/>
-            <ac:spMk id="27" creationId="{45BC85FE-7B36-4F1D-8FA2-4AAB444CB4DE}"/>
-          </ac:spMkLst>
-        </pc:spChg>
+          <ac:chgData name="Meaghan Winder" userId="e7dbd1f288b20f78" providerId="LiveId" clId="{91B49B06-321D-4DBB-BB2D-C1340DEA48DC}" dt="2020-03-03T05:56:35.103" v="4555" actId="14100"/>
+          <ac:spMkLst>
+            <pc:docMk/>
+            <pc:sldMk cId="1175813555" sldId="256"/>
+            <ac:spMk id="40" creationId="{2B3F8856-08D3-4244-B26D-D7F35720BDCD}"/>
+          </ac:spMkLst>
+        </pc:spChg>
+        <pc:spChg chg="add del">
+          <ac:chgData name="Meaghan Winder" userId="e7dbd1f288b20f78" providerId="LiveId" clId="{91B49B06-321D-4DBB-BB2D-C1340DEA48DC}" dt="2020-02-26T20:30:16.948" v="484"/>
+          <ac:spMkLst>
+            <pc:docMk/>
+            <pc:sldMk cId="1175813555" sldId="256"/>
+            <ac:spMk id="40" creationId="{B7D310F0-221F-4ED1-92CA-1427872ECB22}"/>
+          </ac:spMkLst>
+        </pc:spChg>
+        <pc:spChg chg="add del mod ord">
+          <ac:chgData name="Meaghan Winder" userId="e7dbd1f288b20f78" providerId="LiveId" clId="{91B49B06-321D-4DBB-BB2D-C1340DEA48DC}" dt="2020-03-03T05:56:38.621" v="4556" actId="1076"/>
+          <ac:spMkLst>
+            <pc:docMk/>
+            <pc:sldMk cId="1175813555" sldId="256"/>
+            <ac:spMk id="41" creationId="{154C6270-0FB1-4DAB-B6C0-F4C58443485F}"/>
+          </ac:spMkLst>
+        </pc:spChg>
+        <pc:spChg chg="add del">
+          <ac:chgData name="Meaghan Winder" userId="e7dbd1f288b20f78" providerId="LiveId" clId="{91B49B06-321D-4DBB-BB2D-C1340DEA48DC}" dt="2020-02-26T20:30:16.948" v="484"/>
+          <ac:spMkLst>
+            <pc:docMk/>
+            <pc:sldMk cId="1175813555" sldId="256"/>
+            <ac:spMk id="41" creationId="{6F16E189-E518-4D35-9D2A-08AC9679B019}"/>
+          </ac:spMkLst>
+        </pc:spChg>
+        <pc:spChg chg="add del">
+          <ac:chgData name="Meaghan Winder" userId="e7dbd1f288b20f78" providerId="LiveId" clId="{91B49B06-321D-4DBB-BB2D-C1340DEA48DC}" dt="2020-02-26T20:30:16.948" v="484"/>
+          <ac:spMkLst>
+            <pc:docMk/>
+            <pc:sldMk cId="1175813555" sldId="256"/>
+            <ac:spMk id="42" creationId="{6E0A3F2D-1598-42D7-8143-21EFD2CFA399}"/>
+          </ac:spMkLst>
+        </pc:spChg>
+        <pc:spChg chg="add del mod ord">
+          <ac:chgData name="Meaghan Winder" userId="e7dbd1f288b20f78" providerId="LiveId" clId="{91B49B06-321D-4DBB-BB2D-C1340DEA48DC}" dt="2020-03-02T20:14:55.059" v="2544" actId="11529"/>
+          <ac:spMkLst>
+            <pc:docMk/>
+            <pc:sldMk cId="1175813555" sldId="256"/>
+            <ac:spMk id="42" creationId="{9403B1AE-9108-4F41-B565-AA582595888A}"/>
+          </ac:spMkLst>
+        </pc:spChg>
+        <pc:spChg chg="add del">
+          <ac:chgData name="Meaghan Winder" userId="e7dbd1f288b20f78" providerId="LiveId" clId="{91B49B06-321D-4DBB-BB2D-C1340DEA48DC}" dt="2020-02-26T20:30:16.948" v="484"/>
+          <ac:spMkLst>
+            <pc:docMk/>
+            <pc:sldMk cId="1175813555" sldId="256"/>
+            <ac:spMk id="43" creationId="{E2EEB0F2-8A7F-47C9-9960-1594D845EC57}"/>
+          </ac:spMkLst>
+        </pc:spChg>
+        <pc:spChg chg="add del mod ord">
+          <ac:chgData name="Meaghan Winder" userId="e7dbd1f288b20f78" providerId="LiveId" clId="{91B49B06-321D-4DBB-BB2D-C1340DEA48DC}" dt="2020-03-02T20:19:36.684" v="2585" actId="11529"/>
+          <ac:spMkLst>
+            <pc:docMk/>
+            <pc:sldMk cId="1175813555" sldId="256"/>
+            <ac:spMk id="47" creationId="{BFC02005-3F26-40E8-8D7F-8FDC2D8474B8}"/>
+          </ac:spMkLst>
+        </pc:spChg>
+        <pc:spChg chg="add mod">
+          <ac:chgData name="Meaghan Winder" userId="e7dbd1f288b20f78" providerId="LiveId" clId="{91B49B06-321D-4DBB-BB2D-C1340DEA48DC}" dt="2020-02-26T20:35:41.513" v="548" actId="404"/>
+          <ac:spMkLst>
+            <pc:docMk/>
+            <pc:sldMk cId="1175813555" sldId="256"/>
+            <ac:spMk id="48" creationId="{536792A1-4E77-4F5D-BC9C-D0D28B930E0A}"/>
+          </ac:spMkLst>
+        </pc:spChg>
+        <pc:spChg chg="add mod">
+          <ac:chgData name="Meaghan Winder" userId="e7dbd1f288b20f78" providerId="LiveId" clId="{91B49B06-321D-4DBB-BB2D-C1340DEA48DC}" dt="2020-02-27T01:27:30.477" v="1529" actId="207"/>
+          <ac:spMkLst>
+            <pc:docMk/>
+            <pc:sldMk cId="1175813555" sldId="256"/>
+            <ac:spMk id="49" creationId="{63F29D84-7036-4924-AD4D-6915574A3CEF}"/>
+          </ac:spMkLst>
+        </pc:spChg>
+        <pc:spChg chg="add mod">
+          <ac:chgData name="Meaghan Winder" userId="e7dbd1f288b20f78" providerId="LiveId" clId="{91B49B06-321D-4DBB-BB2D-C1340DEA48DC}" dt="2020-02-26T20:35:41.513" v="548" actId="404"/>
+          <ac:spMkLst>
+            <pc:docMk/>
+            <pc:sldMk cId="1175813555" sldId="256"/>
+            <ac:spMk id="50" creationId="{E8B34093-96EA-4C76-A4C6-CF50A8285027}"/>
+          </ac:spMkLst>
+        </pc:spChg>
+        <pc:spChg chg="add mod">
+          <ac:chgData name="Meaghan Winder" userId="e7dbd1f288b20f78" providerId="LiveId" clId="{91B49B06-321D-4DBB-BB2D-C1340DEA48DC}" dt="2020-02-27T01:27:32.912" v="1530" actId="207"/>
+          <ac:spMkLst>
+            <pc:docMk/>
+            <pc:sldMk cId="1175813555" sldId="256"/>
+            <ac:spMk id="51" creationId="{4C2354C4-0763-43C0-BF1A-0CD092E7B2D0}"/>
+          </ac:spMkLst>
+        </pc:spChg>
+        <pc:spChg chg="add mod">
+          <ac:chgData name="Meaghan Winder" userId="e7dbd1f288b20f78" providerId="LiveId" clId="{91B49B06-321D-4DBB-BB2D-C1340DEA48DC}" dt="2020-02-27T01:23:24.465" v="1522" actId="207"/>
+          <ac:spMkLst>
+            <pc:docMk/>
+            <pc:sldMk cId="1175813555" sldId="256"/>
+            <ac:spMk id="52" creationId="{1574DAD2-38FC-4817-ADA0-D40FD837DCA8}"/>
+          </ac:spMkLst>
+        </pc:spChg>
+        <pc:spChg chg="add mod">
+          <ac:chgData name="Meaghan Winder" userId="e7dbd1f288b20f78" providerId="LiveId" clId="{91B49B06-321D-4DBB-BB2D-C1340DEA48DC}" dt="2020-02-27T01:22:33.878" v="1516" actId="207"/>
+          <ac:spMkLst>
+            <pc:docMk/>
+            <pc:sldMk cId="1175813555" sldId="256"/>
+            <ac:spMk id="53" creationId="{5EB3C9E7-F206-45CF-885F-604E31506526}"/>
+          </ac:spMkLst>
+        </pc:spChg>
+        <pc:spChg chg="add mod">
+          <ac:chgData name="Meaghan Winder" userId="e7dbd1f288b20f78" providerId="LiveId" clId="{91B49B06-321D-4DBB-BB2D-C1340DEA48DC}" dt="2020-02-27T01:22:36.884" v="1517" actId="207"/>
+          <ac:spMkLst>
+            <pc:docMk/>
+            <pc:sldMk cId="1175813555" sldId="256"/>
+            <ac:spMk id="54" creationId="{05ECAD4F-E7B0-4ABB-B155-B90CB4E1921E}"/>
+          </ac:spMkLst>
+        </pc:spChg>
+        <pc:spChg chg="add mod">
+          <ac:chgData name="Meaghan Winder" userId="e7dbd1f288b20f78" providerId="LiveId" clId="{91B49B06-321D-4DBB-BB2D-C1340DEA48DC}" dt="2020-02-26T20:35:41.513" v="548" actId="404"/>
+          <ac:spMkLst>
+            <pc:docMk/>
+            <pc:sldMk cId="1175813555" sldId="256"/>
+            <ac:spMk id="55" creationId="{47EA07D1-BF15-4F63-9B4D-6BE579CB00D0}"/>
+          </ac:spMkLst>
+        </pc:spChg>
+        <pc:spChg chg="add mod">
+          <ac:chgData name="Meaghan Winder" userId="e7dbd1f288b20f78" providerId="LiveId" clId="{91B49B06-321D-4DBB-BB2D-C1340DEA48DC}" dt="2020-02-26T20:40:50.172" v="565" actId="1076"/>
+          <ac:spMkLst>
+            <pc:docMk/>
+            <pc:sldMk cId="1175813555" sldId="256"/>
+            <ac:spMk id="56" creationId="{082575A6-2E26-4F74-B41E-4640024406F1}"/>
+          </ac:spMkLst>
+        </pc:spChg>
+        <pc:spChg chg="add mod">
+          <ac:chgData name="Meaghan Winder" userId="e7dbd1f288b20f78" providerId="LiveId" clId="{91B49B06-321D-4DBB-BB2D-C1340DEA48DC}" dt="2020-02-27T01:23:36.696" v="1524" actId="207"/>
+          <ac:spMkLst>
+            <pc:docMk/>
+            <pc:sldMk cId="1175813555" sldId="256"/>
+            <ac:spMk id="57" creationId="{CDD72505-B8EC-41CD-80DB-DC9A2A3AE391}"/>
+          </ac:spMkLst>
+        </pc:spChg>
+        <pc:spChg chg="add mod">
+          <ac:chgData name="Meaghan Winder" userId="e7dbd1f288b20f78" providerId="LiveId" clId="{91B49B06-321D-4DBB-BB2D-C1340DEA48DC}" dt="2020-02-26T22:49:26.103" v="1507" actId="207"/>
+          <ac:spMkLst>
+            <pc:docMk/>
+            <pc:sldMk cId="1175813555" sldId="256"/>
+            <ac:spMk id="58" creationId="{26575D4A-C008-4DCA-B229-00E1F99DF665}"/>
+          </ac:spMkLst>
+        </pc:spChg>
+        <pc:spChg chg="add mod">
+          <ac:chgData name="Meaghan Winder" userId="e7dbd1f288b20f78" providerId="LiveId" clId="{91B49B06-321D-4DBB-BB2D-C1340DEA48DC}" dt="2020-02-27T01:22:31.754" v="1515" actId="207"/>
+          <ac:spMkLst>
+            <pc:docMk/>
+            <pc:sldMk cId="1175813555" sldId="256"/>
+            <ac:spMk id="59" creationId="{CA52E847-D725-43C8-87BA-5F1D9B3031A7}"/>
+          </ac:spMkLst>
+        </pc:spChg>
+        <pc:spChg chg="add mod">
+          <ac:chgData name="Meaghan Winder" userId="e7dbd1f288b20f78" providerId="LiveId" clId="{91B49B06-321D-4DBB-BB2D-C1340DEA48DC}" dt="2020-02-26T20:35:41.513" v="548" actId="404"/>
+          <ac:spMkLst>
+            <pc:docMk/>
+            <pc:sldMk cId="1175813555" sldId="256"/>
+            <ac:spMk id="60" creationId="{703B3D27-1FF0-4AF4-80B9-1CF55D96211B}"/>
+          </ac:spMkLst>
+        </pc:spChg>
+        <pc:spChg chg="add mod">
+          <ac:chgData name="Meaghan Winder" userId="e7dbd1f288b20f78" providerId="LiveId" clId="{91B49B06-321D-4DBB-BB2D-C1340DEA48DC}" dt="2020-02-27T01:22:51.047" v="1520" actId="207"/>
+          <ac:spMkLst>
+            <pc:docMk/>
+            <pc:sldMk cId="1175813555" sldId="256"/>
+            <ac:spMk id="61" creationId="{0D32C7E4-A9A8-4A7B-A22E-48C01F47FB61}"/>
+          </ac:spMkLst>
+        </pc:spChg>
+        <pc:spChg chg="add mod">
+          <ac:chgData name="Meaghan Winder" userId="e7dbd1f288b20f78" providerId="LiveId" clId="{91B49B06-321D-4DBB-BB2D-C1340DEA48DC}" dt="2020-02-26T20:38:49.650" v="564" actId="1076"/>
+          <ac:spMkLst>
+            <pc:docMk/>
+            <pc:sldMk cId="1175813555" sldId="256"/>
+            <ac:spMk id="62" creationId="{E1530A53-538D-4100-8D03-54A2A69AB012}"/>
+          </ac:spMkLst>
+        </pc:spChg>
+        <pc:spChg chg="add mod">
+          <ac:chgData name="Meaghan Winder" userId="e7dbd1f288b20f78" providerId="LiveId" clId="{91B49B06-321D-4DBB-BB2D-C1340DEA48DC}" dt="2020-02-27T01:23:34.195" v="1523" actId="207"/>
+          <ac:spMkLst>
+            <pc:docMk/>
+            <pc:sldMk cId="1175813555" sldId="256"/>
+            <ac:spMk id="63" creationId="{0DA1C86A-68CE-412F-8568-9F5F41367E37}"/>
+          </ac:spMkLst>
+        </pc:spChg>
+        <pc:spChg chg="add mod">
+          <ac:chgData name="Meaghan Winder" userId="e7dbd1f288b20f78" providerId="LiveId" clId="{91B49B06-321D-4DBB-BB2D-C1340DEA48DC}" dt="2020-02-27T01:23:46.723" v="1527" actId="207"/>
+          <ac:spMkLst>
+            <pc:docMk/>
+            <pc:sldMk cId="1175813555" sldId="256"/>
+            <ac:spMk id="72" creationId="{E69449B6-4E5E-46D3-A65A-A79D137CFD22}"/>
+          </ac:spMkLst>
+        </pc:spChg>
+        <pc:spChg chg="add mod">
+          <ac:chgData name="Meaghan Winder" userId="e7dbd1f288b20f78" providerId="LiveId" clId="{91B49B06-321D-4DBB-BB2D-C1340DEA48DC}" dt="2020-02-26T20:41:17.575" v="567" actId="1076"/>
+          <ac:spMkLst>
+            <pc:docMk/>
+            <pc:sldMk cId="1175813555" sldId="256"/>
+            <ac:spMk id="73" creationId="{5F92B285-075F-487A-A12E-F6DB5EF40A69}"/>
+          </ac:spMkLst>
+        </pc:spChg>
+        <pc:spChg chg="add mod">
+          <ac:chgData name="Meaghan Winder" userId="e7dbd1f288b20f78" providerId="LiveId" clId="{91B49B06-321D-4DBB-BB2D-C1340DEA48DC}" dt="2020-02-27T01:23:53.248" v="1528" actId="207"/>
+          <ac:spMkLst>
+            <pc:docMk/>
+            <pc:sldMk cId="1175813555" sldId="256"/>
+            <ac:spMk id="74" creationId="{87833492-CE03-4C38-B260-7912A5EAD944}"/>
+          </ac:spMkLst>
+        </pc:spChg>
+        <pc:spChg chg="add mod">
+          <ac:chgData name="Meaghan Winder" userId="e7dbd1f288b20f78" providerId="LiveId" clId="{91B49B06-321D-4DBB-BB2D-C1340DEA48DC}" dt="2020-02-27T01:29:47.384" v="1544" actId="207"/>
+          <ac:spMkLst>
+            <pc:docMk/>
+            <pc:sldMk cId="1175813555" sldId="256"/>
+            <ac:spMk id="75" creationId="{AFDE8C42-425E-4CCE-918D-7217E9D64E53}"/>
+          </ac:spMkLst>
+        </pc:spChg>
+        <pc:spChg chg="add mod">
+          <ac:chgData name="Meaghan Winder" userId="e7dbd1f288b20f78" providerId="LiveId" clId="{91B49B06-321D-4DBB-BB2D-C1340DEA48DC}" dt="2020-02-26T20:40:57.471" v="566" actId="1076"/>
+          <ac:spMkLst>
+            <pc:docMk/>
+            <pc:sldMk cId="1175813555" sldId="256"/>
+            <ac:spMk id="76" creationId="{A59B0329-3100-49F1-8E9B-0CCF3CFDBCF6}"/>
+          </ac:spMkLst>
+        </pc:spChg>
+        <pc:spChg chg="add mod">
+          <ac:chgData name="Meaghan Winder" userId="e7dbd1f288b20f78" providerId="LiveId" clId="{91B49B06-321D-4DBB-BB2D-C1340DEA48DC}" dt="2020-02-27T01:23:43.439" v="1526" actId="207"/>
+          <ac:spMkLst>
+            <pc:docMk/>
+            <pc:sldMk cId="1175813555" sldId="256"/>
+            <ac:spMk id="77" creationId="{C8D25198-4BAE-4E69-A62D-866A8F099CB8}"/>
+          </ac:spMkLst>
+        </pc:spChg>
+        <pc:spChg chg="add mod">
+          <ac:chgData name="Meaghan Winder" userId="e7dbd1f288b20f78" providerId="LiveId" clId="{91B49B06-321D-4DBB-BB2D-C1340DEA48DC}" dt="2020-03-02T22:05:41.718" v="3915" actId="1076"/>
+          <ac:spMkLst>
+            <pc:docMk/>
+            <pc:sldMk cId="1175813555" sldId="256"/>
+            <ac:spMk id="82" creationId="{451BE281-B8D0-4978-8323-B1340E88050A}"/>
+          </ac:spMkLst>
+        </pc:spChg>
+        <pc:spChg chg="add mod">
+          <ac:chgData name="Meaghan Winder" userId="e7dbd1f288b20f78" providerId="LiveId" clId="{91B49B06-321D-4DBB-BB2D-C1340DEA48DC}" dt="2020-03-02T22:01:31.493" v="3872" actId="14100"/>
+          <ac:spMkLst>
+            <pc:docMk/>
+            <pc:sldMk cId="1175813555" sldId="256"/>
+            <ac:spMk id="83" creationId="{7AE508AE-3DDE-47B5-A296-8883FF458FDE}"/>
+          </ac:spMkLst>
+        </pc:spChg>
+        <pc:spChg chg="add del mod">
+          <ac:chgData name="Meaghan Winder" userId="e7dbd1f288b20f78" providerId="LiveId" clId="{91B49B06-321D-4DBB-BB2D-C1340DEA48DC}" dt="2020-03-02T22:56:50.420" v="4216" actId="478"/>
+          <ac:spMkLst>
+            <pc:docMk/>
+            <pc:sldMk cId="1175813555" sldId="256"/>
+            <ac:spMk id="84" creationId="{3FC0AE0E-3DF2-4F75-AE95-34A875AC12FE}"/>
+          </ac:spMkLst>
+        </pc:spChg>
+        <pc:spChg chg="add del mod">
+          <ac:chgData name="Meaghan Winder" userId="e7dbd1f288b20f78" providerId="LiveId" clId="{91B49B06-321D-4DBB-BB2D-C1340DEA48DC}" dt="2020-03-02T19:39:59.329" v="2481" actId="478"/>
+          <ac:spMkLst>
+            <pc:docMk/>
+            <pc:sldMk cId="1175813555" sldId="256"/>
+            <ac:spMk id="85" creationId="{A1EC6BB4-80ED-4874-ACF0-D3C449C58B34}"/>
+          </ac:spMkLst>
+        </pc:spChg>
+        <pc:spChg chg="add mod">
+          <ac:chgData name="Meaghan Winder" userId="e7dbd1f288b20f78" providerId="LiveId" clId="{91B49B06-321D-4DBB-BB2D-C1340DEA48DC}" dt="2020-03-02T23:11:00.180" v="4273" actId="20577"/>
+          <ac:spMkLst>
+            <pc:docMk/>
+            <pc:sldMk cId="1175813555" sldId="256"/>
+            <ac:spMk id="86" creationId="{CF649CE5-5937-4D9D-8F4B-FFE390A929D6}"/>
+          </ac:spMkLst>
+        </pc:spChg>
+        <pc:spChg chg="add mod">
+          <ac:chgData name="Meaghan Winder" userId="e7dbd1f288b20f78" providerId="LiveId" clId="{91B49B06-321D-4DBB-BB2D-C1340DEA48DC}" dt="2020-03-02T22:05:29.648" v="3913" actId="1076"/>
+          <ac:spMkLst>
+            <pc:docMk/>
+            <pc:sldMk cId="1175813555" sldId="256"/>
+            <ac:spMk id="87" creationId="{234D779F-DB84-4F53-92DD-F0C99B8B1A7E}"/>
+          </ac:spMkLst>
+        </pc:spChg>
+        <pc:spChg chg="add mod">
+          <ac:chgData name="Meaghan Winder" userId="e7dbd1f288b20f78" providerId="LiveId" clId="{91B49B06-321D-4DBB-BB2D-C1340DEA48DC}" dt="2020-03-02T22:01:55.701" v="3876" actId="14100"/>
+          <ac:spMkLst>
+            <pc:docMk/>
+            <pc:sldMk cId="1175813555" sldId="256"/>
+            <ac:spMk id="88" creationId="{C29FC9D5-775E-4379-B6F3-D266F9325474}"/>
+          </ac:spMkLst>
+        </pc:spChg>
+        <pc:spChg chg="add del mod ord">
+          <ac:chgData name="Meaghan Winder" userId="e7dbd1f288b20f78" providerId="LiveId" clId="{91B49B06-321D-4DBB-BB2D-C1340DEA48DC}" dt="2020-03-02T19:39:55.164" v="2480" actId="478"/>
+          <ac:spMkLst>
+            <pc:docMk/>
+            <pc:sldMk cId="1175813555" sldId="256"/>
+            <ac:spMk id="89" creationId="{FEEA1E42-1F79-47D0-9246-C7980795F737}"/>
+          </ac:spMkLst>
+        </pc:spChg>
+        <pc:spChg chg="add mod">
+          <ac:chgData name="Meaghan Winder" userId="e7dbd1f288b20f78" providerId="LiveId" clId="{91B49B06-321D-4DBB-BB2D-C1340DEA48DC}" dt="2020-03-03T05:56:49.925" v="4558" actId="1076"/>
+          <ac:spMkLst>
+            <pc:docMk/>
+            <pc:sldMk cId="1175813555" sldId="256"/>
+            <ac:spMk id="90" creationId="{4B35B9C3-CC0E-435F-90A8-4C31660A2058}"/>
+          </ac:spMkLst>
+        </pc:spChg>
+        <pc:spChg chg="add mod ord">
+          <ac:chgData name="Meaghan Winder" userId="e7dbd1f288b20f78" providerId="LiveId" clId="{91B49B06-321D-4DBB-BB2D-C1340DEA48DC}" dt="2020-03-03T05:56:56.804" v="4559" actId="14100"/>
+          <ac:spMkLst>
+            <pc:docMk/>
+            <pc:sldMk cId="1175813555" sldId="256"/>
+            <ac:spMk id="91" creationId="{E38684A0-B2AC-49A2-B530-A326D5F10030}"/>
+          </ac:spMkLst>
+        </pc:spChg>
+        <pc:grpChg chg="add mod">
+          <ac:chgData name="Meaghan Winder" userId="e7dbd1f288b20f78" providerId="LiveId" clId="{91B49B06-321D-4DBB-BB2D-C1340DEA48DC}" dt="2020-02-26T20:30:10.402" v="481" actId="164"/>
+          <ac:grpSpMkLst>
+            <pc:docMk/>
+            <pc:sldMk cId="1175813555" sldId="256"/>
+            <ac:grpSpMk id="2" creationId="{EC00411B-B878-429A-8926-2B614148A509}"/>
+          </ac:grpSpMkLst>
+        </pc:grpChg>
+        <pc:grpChg chg="add del mod">
+          <ac:chgData name="Meaghan Winder" userId="e7dbd1f288b20f78" providerId="LiveId" clId="{91B49B06-321D-4DBB-BB2D-C1340DEA48DC}" dt="2020-02-27T01:44:17.615" v="1835" actId="478"/>
+          <ac:grpSpMkLst>
+            <pc:docMk/>
+            <pc:sldMk cId="1175813555" sldId="256"/>
+            <ac:grpSpMk id="5" creationId="{3198AD44-6465-4BE1-80AC-673AB09F99A8}"/>
+          </ac:grpSpMkLst>
+        </pc:grpChg>
+        <pc:grpChg chg="add del mod ord">
+          <ac:chgData name="Meaghan Winder" userId="e7dbd1f288b20f78" providerId="LiveId" clId="{91B49B06-321D-4DBB-BB2D-C1340DEA48DC}" dt="2020-03-04T00:56:24.551" v="4752" actId="165"/>
+          <ac:grpSpMkLst>
+            <pc:docMk/>
+            <pc:sldMk cId="1175813555" sldId="256"/>
+            <ac:grpSpMk id="20" creationId="{FFED6E82-F1EC-47D1-A6C3-50BCE03B3D44}"/>
+          </ac:grpSpMkLst>
+        </pc:grpChg>
+        <pc:grpChg chg="add del mod">
+          <ac:chgData name="Meaghan Winder" userId="e7dbd1f288b20f78" providerId="LiveId" clId="{91B49B06-321D-4DBB-BB2D-C1340DEA48DC}" dt="2020-03-04T00:43:35.290" v="4585" actId="165"/>
+          <ac:grpSpMkLst>
+            <pc:docMk/>
+            <pc:sldMk cId="1175813555" sldId="256"/>
+            <ac:grpSpMk id="23" creationId="{2AEF8261-05F0-4CA9-B6B2-1C3B4D7F541A}"/>
+          </ac:grpSpMkLst>
+        </pc:grpChg>
+        <pc:grpChg chg="add del mod topLvl">
+          <ac:chgData name="Meaghan Winder" userId="e7dbd1f288b20f78" providerId="LiveId" clId="{91B49B06-321D-4DBB-BB2D-C1340DEA48DC}" dt="2020-03-04T00:43:47.603" v="4589" actId="165"/>
+          <ac:grpSpMkLst>
+            <pc:docMk/>
+            <pc:sldMk cId="1175813555" sldId="256"/>
+            <ac:grpSpMk id="32" creationId="{9CE410EC-FA23-48A6-800E-386667896BBF}"/>
+          </ac:grpSpMkLst>
+        </pc:grpChg>
+        <pc:grpChg chg="add del mod">
+          <ac:chgData name="Meaghan Winder" userId="e7dbd1f288b20f78" providerId="LiveId" clId="{91B49B06-321D-4DBB-BB2D-C1340DEA48DC}" dt="2020-03-02T22:03:28.106" v="3887" actId="165"/>
+          <ac:grpSpMkLst>
+            <pc:docMk/>
+            <pc:sldMk cId="1175813555" sldId="256"/>
+            <ac:grpSpMk id="39" creationId="{BA0E5495-1CC4-4026-B290-EF38CABE3964}"/>
+          </ac:grpSpMkLst>
+        </pc:grpChg>
+        <pc:picChg chg="add del mod">
+          <ac:chgData name="Meaghan Winder" userId="e7dbd1f288b20f78" providerId="LiveId" clId="{91B49B06-321D-4DBB-BB2D-C1340DEA48DC}" dt="2020-03-03T21:52:18.471" v="4576" actId="478"/>
+          <ac:picMkLst>
+            <pc:docMk/>
+            <pc:sldMk cId="1175813555" sldId="256"/>
+            <ac:picMk id="2" creationId="{C42F7297-3879-40F2-8B09-CA066FCB65E2}"/>
+          </ac:picMkLst>
+        </pc:picChg>
+        <pc:picChg chg="add mod topLvl">
+          <ac:chgData name="Meaghan Winder" userId="e7dbd1f288b20f78" providerId="LiveId" clId="{91B49B06-321D-4DBB-BB2D-C1340DEA48DC}" dt="2020-03-04T00:43:35.290" v="4585" actId="165"/>
+          <ac:picMkLst>
+            <pc:docMk/>
+            <pc:sldMk cId="1175813555" sldId="256"/>
+            <ac:picMk id="3" creationId="{F88ADEFD-F58B-430F-842D-008C3C0F32DC}"/>
+          </ac:picMkLst>
+        </pc:picChg>
+        <pc:picChg chg="add del mod ord">
+          <ac:chgData name="Meaghan Winder" userId="e7dbd1f288b20f78" providerId="LiveId" clId="{91B49B06-321D-4DBB-BB2D-C1340DEA48DC}" dt="2020-03-04T01:13:57.217" v="4804" actId="478"/>
+          <ac:picMkLst>
+            <pc:docMk/>
+            <pc:sldMk cId="1175813555" sldId="256"/>
+            <ac:picMk id="9" creationId="{4975CF2F-E59C-45B6-9B07-28BFF0BA434B}"/>
+          </ac:picMkLst>
+        </pc:picChg>
         <pc:picChg chg="add mod">
-          <ac:chgData name="Meaghan Winder" userId="e7dbd1f288b20f78" providerId="LiveId" clId="{91B49B06-321D-4DBB-BB2D-C1340DEA48DC}" dt="2020-02-25T20:12:57.250" v="23" actId="1076"/>
+          <ac:chgData name="Meaghan Winder" userId="e7dbd1f288b20f78" providerId="LiveId" clId="{91B49B06-321D-4DBB-BB2D-C1340DEA48DC}" dt="2020-03-03T05:58:22.647" v="4566" actId="1076"/>
+          <ac:picMkLst>
+            <pc:docMk/>
+            <pc:sldMk cId="1175813555" sldId="256"/>
+            <ac:picMk id="13" creationId="{C9BA3383-18D8-44F0-9CCE-37ECB5FB4158}"/>
+          </ac:picMkLst>
+        </pc:picChg>
+        <pc:picChg chg="add mod">
+          <ac:chgData name="Meaghan Winder" userId="e7dbd1f288b20f78" providerId="LiveId" clId="{91B49B06-321D-4DBB-BB2D-C1340DEA48DC}" dt="2020-03-03T21:00:20.322" v="4569" actId="1076"/>
           <ac:picMkLst>
             <pc:docMk/>
             <pc:sldMk cId="1175813555" sldId="256"/>
             <ac:picMk id="14" creationId="{FC49E69A-EC97-4C82-AE5B-DD354DA6B407}"/>
           </ac:picMkLst>
         </pc:picChg>
-        <pc:picChg chg="add mod modCrop">
-          <ac:chgData name="Meaghan Winder" userId="e7dbd1f288b20f78" providerId="LiveId" clId="{91B49B06-321D-4DBB-BB2D-C1340DEA48DC}" dt="2020-02-25T23:21:54.993" v="142" actId="1076"/>
+        <pc:picChg chg="add del mod">
+          <ac:chgData name="Meaghan Winder" userId="e7dbd1f288b20f78" providerId="LiveId" clId="{91B49B06-321D-4DBB-BB2D-C1340DEA48DC}" dt="2020-03-01T22:36:33.559" v="2074" actId="478"/>
+          <ac:picMkLst>
+            <pc:docMk/>
+            <pc:sldMk cId="1175813555" sldId="256"/>
+            <ac:picMk id="15" creationId="{E39B5548-126C-45BE-BFA1-396BBFCC1D1F}"/>
+          </ac:picMkLst>
+        </pc:picChg>
+        <pc:picChg chg="add del mod modCrop">
+          <ac:chgData name="Meaghan Winder" userId="e7dbd1f288b20f78" providerId="LiveId" clId="{91B49B06-321D-4DBB-BB2D-C1340DEA48DC}" dt="2020-02-26T20:29:13.266" v="472" actId="478"/>
           <ac:picMkLst>
             <pc:docMk/>
             <pc:sldMk cId="1175813555" sldId="256"/>
             <ac:picMk id="16" creationId="{596AED6D-4525-4973-B854-043BA9161475}"/>
           </ac:picMkLst>
         </pc:picChg>
+        <pc:picChg chg="add del mod">
+          <ac:chgData name="Meaghan Winder" userId="e7dbd1f288b20f78" providerId="LiveId" clId="{91B49B06-321D-4DBB-BB2D-C1340DEA48DC}" dt="2020-03-02T22:04:15.225" v="3907" actId="478"/>
+          <ac:picMkLst>
+            <pc:docMk/>
+            <pc:sldMk cId="1175813555" sldId="256"/>
+            <ac:picMk id="17" creationId="{8C5B4247-02DC-4E2C-BE9D-BCF9DEB14079}"/>
+          </ac:picMkLst>
+        </pc:picChg>
+        <pc:picChg chg="add del mod">
+          <ac:chgData name="Meaghan Winder" userId="e7dbd1f288b20f78" providerId="LiveId" clId="{91B49B06-321D-4DBB-BB2D-C1340DEA48DC}" dt="2020-03-04T00:49:52.700" v="4694" actId="478"/>
+          <ac:picMkLst>
+            <pc:docMk/>
+            <pc:sldMk cId="1175813555" sldId="256"/>
+            <ac:picMk id="17" creationId="{9DB9D65C-B2AC-4DDF-8668-6439A32FFBA3}"/>
+          </ac:picMkLst>
+        </pc:picChg>
         <pc:picChg chg="add mod">
-          <ac:chgData name="Meaghan Winder" userId="e7dbd1f288b20f78" providerId="LiveId" clId="{91B49B06-321D-4DBB-BB2D-C1340DEA48DC}" dt="2020-02-25T20:13:53.925" v="50" actId="1076"/>
+          <ac:chgData name="Meaghan Winder" userId="e7dbd1f288b20f78" providerId="LiveId" clId="{91B49B06-321D-4DBB-BB2D-C1340DEA48DC}" dt="2020-03-03T05:57:31.128" v="4563" actId="1076"/>
           <ac:picMkLst>
             <pc:docMk/>
             <pc:sldMk cId="1175813555" sldId="256"/>
             <ac:picMk id="18" creationId="{8C233986-84CF-4C36-9196-7397AE6520E9}"/>
           </ac:picMkLst>
         </pc:picChg>
-        <pc:picChg chg="add mod modCrop">
-          <ac:chgData name="Meaghan Winder" userId="e7dbd1f288b20f78" providerId="LiveId" clId="{91B49B06-321D-4DBB-BB2D-C1340DEA48DC}" dt="2020-02-25T23:21:52.009" v="141" actId="1076"/>
+        <pc:picChg chg="add del mod modCrop">
+          <ac:chgData name="Meaghan Winder" userId="e7dbd1f288b20f78" providerId="LiveId" clId="{91B49B06-321D-4DBB-BB2D-C1340DEA48DC}" dt="2020-02-26T20:29:11.944" v="471" actId="478"/>
           <ac:picMkLst>
             <pc:docMk/>
             <pc:sldMk cId="1175813555" sldId="256"/>
             <ac:picMk id="20" creationId="{298B2CC2-7F05-4C01-9EAE-D2D1D0962642}"/>
           </ac:picMkLst>
         </pc:picChg>
+        <pc:picChg chg="add del mod">
+          <ac:chgData name="Meaghan Winder" userId="e7dbd1f288b20f78" providerId="LiveId" clId="{91B49B06-321D-4DBB-BB2D-C1340DEA48DC}" dt="2020-03-01T21:40:12.475" v="2012" actId="478"/>
+          <ac:picMkLst>
+            <pc:docMk/>
+            <pc:sldMk cId="1175813555" sldId="256"/>
+            <ac:picMk id="20" creationId="{E0CD2EF8-DB26-4D04-BEFE-1D395E97569C}"/>
+          </ac:picMkLst>
+        </pc:picChg>
         <pc:picChg chg="add mod">
-          <ac:chgData name="Meaghan Winder" userId="e7dbd1f288b20f78" providerId="LiveId" clId="{91B49B06-321D-4DBB-BB2D-C1340DEA48DC}" dt="2020-02-25T20:13:15.540" v="31" actId="1076"/>
+          <ac:chgData name="Meaghan Winder" userId="e7dbd1f288b20f78" providerId="LiveId" clId="{91B49B06-321D-4DBB-BB2D-C1340DEA48DC}" dt="2020-03-03T21:00:22.065" v="4570" actId="1076"/>
           <ac:picMkLst>
             <pc:docMk/>
             <pc:sldMk cId="1175813555" sldId="256"/>
             <ac:picMk id="22" creationId="{D7263EFB-FF79-4E76-AF62-D8937E601F45}"/>
           </ac:picMkLst>
         </pc:picChg>
-        <pc:picChg chg="add mod">
-          <ac:chgData name="Meaghan Winder" userId="e7dbd1f288b20f78" providerId="LiveId" clId="{91B49B06-321D-4DBB-BB2D-C1340DEA48DC}" dt="2020-02-25T20:13:04.174" v="27" actId="1076"/>
+        <pc:picChg chg="add mod modCrop">
+          <ac:chgData name="Meaghan Winder" userId="e7dbd1f288b20f78" providerId="LiveId" clId="{91B49B06-321D-4DBB-BB2D-C1340DEA48DC}" dt="2020-03-04T01:16:07.826" v="4824" actId="1076"/>
           <ac:picMkLst>
             <pc:docMk/>
             <pc:sldMk cId="1175813555" sldId="256"/>
             <ac:picMk id="24" creationId="{EF71A54B-FEAD-4868-A3BB-622EBF7175BD}"/>
           </ac:picMkLst>
         </pc:picChg>
+        <pc:picChg chg="add del mod">
+          <ac:chgData name="Meaghan Winder" userId="e7dbd1f288b20f78" providerId="LiveId" clId="{91B49B06-321D-4DBB-BB2D-C1340DEA48DC}" dt="2020-03-04T00:58:26.182" v="4759" actId="478"/>
+          <ac:picMkLst>
+            <pc:docMk/>
+            <pc:sldMk cId="1175813555" sldId="256"/>
+            <ac:picMk id="25" creationId="{351DD518-5841-4280-8565-AA0B805C7D67}"/>
+          </ac:picMkLst>
+        </pc:picChg>
         <pc:picChg chg="add mod">
-          <ac:chgData name="Meaghan Winder" userId="e7dbd1f288b20f78" providerId="LiveId" clId="{91B49B06-321D-4DBB-BB2D-C1340DEA48DC}" dt="2020-02-25T20:12:51.714" v="20" actId="14100"/>
+          <ac:chgData name="Meaghan Winder" userId="e7dbd1f288b20f78" providerId="LiveId" clId="{91B49B06-321D-4DBB-BB2D-C1340DEA48DC}" dt="2020-03-03T21:00:23.377" v="4571" actId="1076"/>
           <ac:picMkLst>
             <pc:docMk/>
             <pc:sldMk cId="1175813555" sldId="256"/>
             <ac:picMk id="26" creationId="{49C95D98-1033-4CCE-BB70-891205A3B75E}"/>
           </ac:picMkLst>
         </pc:picChg>
+        <pc:picChg chg="add del mod ord topLvl">
+          <ac:chgData name="Meaghan Winder" userId="e7dbd1f288b20f78" providerId="LiveId" clId="{91B49B06-321D-4DBB-BB2D-C1340DEA48DC}" dt="2020-03-04T00:58:05.224" v="4753" actId="478"/>
+          <ac:picMkLst>
+            <pc:docMk/>
+            <pc:sldMk cId="1175813555" sldId="256"/>
+            <ac:picMk id="27" creationId="{8482AD92-9AEF-4DBB-BD93-1FEB6BED1342}"/>
+          </ac:picMkLst>
+        </pc:picChg>
+        <pc:picChg chg="add mod modCrop">
+          <ac:chgData name="Meaghan Winder" userId="e7dbd1f288b20f78" providerId="LiveId" clId="{91B49B06-321D-4DBB-BB2D-C1340DEA48DC}" dt="2020-03-03T05:57:40.482" v="4564" actId="1076"/>
+          <ac:picMkLst>
+            <pc:docMk/>
+            <pc:sldMk cId="1175813555" sldId="256"/>
+            <ac:picMk id="29" creationId="{BBBBCC4F-996C-4C60-895F-2A2007885AD9}"/>
+          </ac:picMkLst>
+        </pc:picChg>
         <pc:picChg chg="add mod">
-          <ac:chgData name="Meaghan Winder" userId="e7dbd1f288b20f78" providerId="LiveId" clId="{91B49B06-321D-4DBB-BB2D-C1340DEA48DC}" dt="2020-02-25T20:20:37.243" v="132" actId="1076"/>
+          <ac:chgData name="Meaghan Winder" userId="e7dbd1f288b20f78" providerId="LiveId" clId="{91B49B06-321D-4DBB-BB2D-C1340DEA48DC}" dt="2020-03-04T01:18:25.389" v="4831" actId="1076"/>
           <ac:picMkLst>
             <pc:docMk/>
             <pc:sldMk cId="1175813555" sldId="256"/>
-            <ac:picMk id="29" creationId="{BBBBCC4F-996C-4C60-895F-2A2007885AD9}"/>
+            <ac:picMk id="30" creationId="{6297EFAE-0334-43C8-A7C3-97E5A3AD9465}"/>
           </ac:picMkLst>
         </pc:picChg>
         <pc:picChg chg="add del mod">
@@ -263,6 +1047,230 @@
             <ac:picMk id="31" creationId="{20390D4A-03F4-42BA-A5EC-2D5D6F589AB6}"/>
           </ac:picMkLst>
         </pc:picChg>
+        <pc:picChg chg="add del">
+          <ac:chgData name="Meaghan Winder" userId="e7dbd1f288b20f78" providerId="LiveId" clId="{91B49B06-321D-4DBB-BB2D-C1340DEA48DC}" dt="2020-03-01T22:39:55.942" v="2088"/>
+          <ac:picMkLst>
+            <pc:docMk/>
+            <pc:sldMk cId="1175813555" sldId="256"/>
+            <ac:picMk id="33" creationId="{3408C991-8C70-4361-BCD6-12B9F7FD0896}"/>
+          </ac:picMkLst>
+        </pc:picChg>
+        <pc:picChg chg="add mod ord modCrop">
+          <ac:chgData name="Meaghan Winder" userId="e7dbd1f288b20f78" providerId="LiveId" clId="{91B49B06-321D-4DBB-BB2D-C1340DEA48DC}" dt="2020-03-04T01:18:55.652" v="4841" actId="1035"/>
+          <ac:picMkLst>
+            <pc:docMk/>
+            <pc:sldMk cId="1175813555" sldId="256"/>
+            <ac:picMk id="34" creationId="{3F25363F-46B6-4E92-A8FE-9B4A788E194D}"/>
+          </ac:picMkLst>
+        </pc:picChg>
+        <pc:picChg chg="add del mod">
+          <ac:chgData name="Meaghan Winder" userId="e7dbd1f288b20f78" providerId="LiveId" clId="{91B49B06-321D-4DBB-BB2D-C1340DEA48DC}" dt="2020-03-01T22:41:07.340" v="2101" actId="478"/>
+          <ac:picMkLst>
+            <pc:docMk/>
+            <pc:sldMk cId="1175813555" sldId="256"/>
+            <ac:picMk id="35" creationId="{8FAA4E9B-B2AD-4706-BBC7-98C85F421182}"/>
+          </ac:picMkLst>
+        </pc:picChg>
+        <pc:picChg chg="add del mod">
+          <ac:chgData name="Meaghan Winder" userId="e7dbd1f288b20f78" providerId="LiveId" clId="{91B49B06-321D-4DBB-BB2D-C1340DEA48DC}" dt="2020-03-01T22:41:49.397" v="2109" actId="478"/>
+          <ac:picMkLst>
+            <pc:docMk/>
+            <pc:sldMk cId="1175813555" sldId="256"/>
+            <ac:picMk id="36" creationId="{0FAE254C-1D97-4331-8027-508A5EF174E2}"/>
+          </ac:picMkLst>
+        </pc:picChg>
+        <pc:picChg chg="add del">
+          <ac:chgData name="Meaghan Winder" userId="e7dbd1f288b20f78" providerId="LiveId" clId="{91B49B06-321D-4DBB-BB2D-C1340DEA48DC}" dt="2020-03-01T22:42:28.846" v="2111" actId="478"/>
+          <ac:picMkLst>
+            <pc:docMk/>
+            <pc:sldMk cId="1175813555" sldId="256"/>
+            <ac:picMk id="37" creationId="{961356BF-97DA-4A7F-8409-3CA381486932}"/>
+          </ac:picMkLst>
+        </pc:picChg>
+        <pc:picChg chg="add del mod topLvl">
+          <ac:chgData name="Meaghan Winder" userId="e7dbd1f288b20f78" providerId="LiveId" clId="{91B49B06-321D-4DBB-BB2D-C1340DEA48DC}" dt="2020-03-04T00:54:48.368" v="4750" actId="478"/>
+          <ac:picMkLst>
+            <pc:docMk/>
+            <pc:sldMk cId="1175813555" sldId="256"/>
+            <ac:picMk id="38" creationId="{A426E1AA-B6DF-4BFF-9AC3-D64A1774E738}"/>
+          </ac:picMkLst>
+        </pc:picChg>
+        <pc:picChg chg="add del mod">
+          <ac:chgData name="Meaghan Winder" userId="e7dbd1f288b20f78" providerId="LiveId" clId="{91B49B06-321D-4DBB-BB2D-C1340DEA48DC}" dt="2020-03-04T00:54:54.298" v="4751" actId="478"/>
+          <ac:picMkLst>
+            <pc:docMk/>
+            <pc:sldMk cId="1175813555" sldId="256"/>
+            <ac:picMk id="42" creationId="{162B71B9-9E75-426F-A22D-03C295ECBE4F}"/>
+          </ac:picMkLst>
+        </pc:picChg>
+        <pc:cxnChg chg="add del mod">
+          <ac:chgData name="Meaghan Winder" userId="e7dbd1f288b20f78" providerId="LiveId" clId="{91B49B06-321D-4DBB-BB2D-C1340DEA48DC}" dt="2020-02-26T20:30:14.320" v="482"/>
+          <ac:cxnSpMkLst>
+            <pc:docMk/>
+            <pc:sldMk cId="1175813555" sldId="256"/>
+            <ac:cxnSpMk id="32" creationId="{CB7A9D71-3175-4FB1-A4A9-520EF02098E7}"/>
+          </ac:cxnSpMkLst>
+        </pc:cxnChg>
+        <pc:cxnChg chg="add del mod">
+          <ac:chgData name="Meaghan Winder" userId="e7dbd1f288b20f78" providerId="LiveId" clId="{91B49B06-321D-4DBB-BB2D-C1340DEA48DC}" dt="2020-02-26T20:30:14.320" v="482"/>
+          <ac:cxnSpMkLst>
+            <pc:docMk/>
+            <pc:sldMk cId="1175813555" sldId="256"/>
+            <ac:cxnSpMk id="33" creationId="{32F92AE6-1217-40B0-9908-90BCB4CEF40D}"/>
+          </ac:cxnSpMkLst>
+        </pc:cxnChg>
+        <pc:cxnChg chg="add del mod">
+          <ac:chgData name="Meaghan Winder" userId="e7dbd1f288b20f78" providerId="LiveId" clId="{91B49B06-321D-4DBB-BB2D-C1340DEA48DC}" dt="2020-02-26T20:30:14.320" v="482"/>
+          <ac:cxnSpMkLst>
+            <pc:docMk/>
+            <pc:sldMk cId="1175813555" sldId="256"/>
+            <ac:cxnSpMk id="34" creationId="{5D003254-81EB-4147-8FD2-116704FE98E0}"/>
+          </ac:cxnSpMkLst>
+        </pc:cxnChg>
+        <pc:cxnChg chg="add del mod">
+          <ac:chgData name="Meaghan Winder" userId="e7dbd1f288b20f78" providerId="LiveId" clId="{91B49B06-321D-4DBB-BB2D-C1340DEA48DC}" dt="2020-02-26T20:30:14.320" v="482"/>
+          <ac:cxnSpMkLst>
+            <pc:docMk/>
+            <pc:sldMk cId="1175813555" sldId="256"/>
+            <ac:cxnSpMk id="35" creationId="{2B4E8AEB-6E79-4069-90E5-A47FD1FFF458}"/>
+          </ac:cxnSpMkLst>
+        </pc:cxnChg>
+        <pc:cxnChg chg="add del mod">
+          <ac:chgData name="Meaghan Winder" userId="e7dbd1f288b20f78" providerId="LiveId" clId="{91B49B06-321D-4DBB-BB2D-C1340DEA48DC}" dt="2020-03-02T20:15:56.229" v="2550" actId="11529"/>
+          <ac:cxnSpMkLst>
+            <pc:docMk/>
+            <pc:sldMk cId="1175813555" sldId="256"/>
+            <ac:cxnSpMk id="44" creationId="{427C6484-D3B7-4F13-94DE-ABFB206A48A9}"/>
+          </ac:cxnSpMkLst>
+        </pc:cxnChg>
+        <pc:cxnChg chg="add del">
+          <ac:chgData name="Meaghan Winder" userId="e7dbd1f288b20f78" providerId="LiveId" clId="{91B49B06-321D-4DBB-BB2D-C1340DEA48DC}" dt="2020-02-26T20:30:16.948" v="484"/>
+          <ac:cxnSpMkLst>
+            <pc:docMk/>
+            <pc:sldMk cId="1175813555" sldId="256"/>
+            <ac:cxnSpMk id="44" creationId="{8C7BB60A-0507-4725-9531-8ED197F301B3}"/>
+          </ac:cxnSpMkLst>
+        </pc:cxnChg>
+        <pc:cxnChg chg="add del">
+          <ac:chgData name="Meaghan Winder" userId="e7dbd1f288b20f78" providerId="LiveId" clId="{91B49B06-321D-4DBB-BB2D-C1340DEA48DC}" dt="2020-02-26T20:30:16.948" v="484"/>
+          <ac:cxnSpMkLst>
+            <pc:docMk/>
+            <pc:sldMk cId="1175813555" sldId="256"/>
+            <ac:cxnSpMk id="45" creationId="{14C0CF72-70B9-4C2D-BFE8-BDCF48CFC2CF}"/>
+          </ac:cxnSpMkLst>
+        </pc:cxnChg>
+        <pc:cxnChg chg="add del">
+          <ac:chgData name="Meaghan Winder" userId="e7dbd1f288b20f78" providerId="LiveId" clId="{91B49B06-321D-4DBB-BB2D-C1340DEA48DC}" dt="2020-02-26T20:30:16.948" v="484"/>
+          <ac:cxnSpMkLst>
+            <pc:docMk/>
+            <pc:sldMk cId="1175813555" sldId="256"/>
+            <ac:cxnSpMk id="46" creationId="{D5EBB6F5-1E5F-49CE-AA3F-1471FC486307}"/>
+          </ac:cxnSpMkLst>
+        </pc:cxnChg>
+        <pc:cxnChg chg="add del">
+          <ac:chgData name="Meaghan Winder" userId="e7dbd1f288b20f78" providerId="LiveId" clId="{91B49B06-321D-4DBB-BB2D-C1340DEA48DC}" dt="2020-02-26T20:30:16.948" v="484"/>
+          <ac:cxnSpMkLst>
+            <pc:docMk/>
+            <pc:sldMk cId="1175813555" sldId="256"/>
+            <ac:cxnSpMk id="47" creationId="{758E4F68-DE82-4507-A417-37DDCF92B020}"/>
+          </ac:cxnSpMkLst>
+        </pc:cxnChg>
+        <pc:cxnChg chg="add mod">
+          <ac:chgData name="Meaghan Winder" userId="e7dbd1f288b20f78" providerId="LiveId" clId="{91B49B06-321D-4DBB-BB2D-C1340DEA48DC}" dt="2020-02-27T01:44:17.615" v="1835" actId="478"/>
+          <ac:cxnSpMkLst>
+            <pc:docMk/>
+            <pc:sldMk cId="1175813555" sldId="256"/>
+            <ac:cxnSpMk id="64" creationId="{6E5FA6E5-5CCD-438B-AEA7-E56B89191A05}"/>
+          </ac:cxnSpMkLst>
+        </pc:cxnChg>
+        <pc:cxnChg chg="add mod">
+          <ac:chgData name="Meaghan Winder" userId="e7dbd1f288b20f78" providerId="LiveId" clId="{91B49B06-321D-4DBB-BB2D-C1340DEA48DC}" dt="2020-02-27T01:44:17.615" v="1835" actId="478"/>
+          <ac:cxnSpMkLst>
+            <pc:docMk/>
+            <pc:sldMk cId="1175813555" sldId="256"/>
+            <ac:cxnSpMk id="65" creationId="{F68198AD-A674-4C6D-B096-D129D4C72AFF}"/>
+          </ac:cxnSpMkLst>
+        </pc:cxnChg>
+        <pc:cxnChg chg="add mod">
+          <ac:chgData name="Meaghan Winder" userId="e7dbd1f288b20f78" providerId="LiveId" clId="{91B49B06-321D-4DBB-BB2D-C1340DEA48DC}" dt="2020-02-27T01:44:17.615" v="1835" actId="478"/>
+          <ac:cxnSpMkLst>
+            <pc:docMk/>
+            <pc:sldMk cId="1175813555" sldId="256"/>
+            <ac:cxnSpMk id="66" creationId="{31838407-7C56-48BD-9209-AD99F423C593}"/>
+          </ac:cxnSpMkLst>
+        </pc:cxnChg>
+        <pc:cxnChg chg="add mod">
+          <ac:chgData name="Meaghan Winder" userId="e7dbd1f288b20f78" providerId="LiveId" clId="{91B49B06-321D-4DBB-BB2D-C1340DEA48DC}" dt="2020-02-27T01:44:17.615" v="1835" actId="478"/>
+          <ac:cxnSpMkLst>
+            <pc:docMk/>
+            <pc:sldMk cId="1175813555" sldId="256"/>
+            <ac:cxnSpMk id="67" creationId="{4E27890B-3F72-4141-9668-8AF2AE9A37D4}"/>
+          </ac:cxnSpMkLst>
+        </pc:cxnChg>
+        <pc:cxnChg chg="add mod">
+          <ac:chgData name="Meaghan Winder" userId="e7dbd1f288b20f78" providerId="LiveId" clId="{91B49B06-321D-4DBB-BB2D-C1340DEA48DC}" dt="2020-02-27T01:44:17.615" v="1835" actId="478"/>
+          <ac:cxnSpMkLst>
+            <pc:docMk/>
+            <pc:sldMk cId="1175813555" sldId="256"/>
+            <ac:cxnSpMk id="68" creationId="{B53F8BF4-5ED4-4252-86A4-FF218F4CA81F}"/>
+          </ac:cxnSpMkLst>
+        </pc:cxnChg>
+        <pc:cxnChg chg="add mod">
+          <ac:chgData name="Meaghan Winder" userId="e7dbd1f288b20f78" providerId="LiveId" clId="{91B49B06-321D-4DBB-BB2D-C1340DEA48DC}" dt="2020-02-27T01:44:17.615" v="1835" actId="478"/>
+          <ac:cxnSpMkLst>
+            <pc:docMk/>
+            <pc:sldMk cId="1175813555" sldId="256"/>
+            <ac:cxnSpMk id="69" creationId="{98A6C6CA-C2B3-484D-8095-3E8C6A9F9FC0}"/>
+          </ac:cxnSpMkLst>
+        </pc:cxnChg>
+        <pc:cxnChg chg="add mod">
+          <ac:chgData name="Meaghan Winder" userId="e7dbd1f288b20f78" providerId="LiveId" clId="{91B49B06-321D-4DBB-BB2D-C1340DEA48DC}" dt="2020-02-27T01:44:17.615" v="1835" actId="478"/>
+          <ac:cxnSpMkLst>
+            <pc:docMk/>
+            <pc:sldMk cId="1175813555" sldId="256"/>
+            <ac:cxnSpMk id="70" creationId="{D638F6E1-B3C1-492F-8C1E-CE14298079E5}"/>
+          </ac:cxnSpMkLst>
+        </pc:cxnChg>
+        <pc:cxnChg chg="add mod">
+          <ac:chgData name="Meaghan Winder" userId="e7dbd1f288b20f78" providerId="LiveId" clId="{91B49B06-321D-4DBB-BB2D-C1340DEA48DC}" dt="2020-02-27T01:44:17.615" v="1835" actId="478"/>
+          <ac:cxnSpMkLst>
+            <pc:docMk/>
+            <pc:sldMk cId="1175813555" sldId="256"/>
+            <ac:cxnSpMk id="71" creationId="{FE026396-84A0-45DF-B9A5-41C1FA3767B1}"/>
+          </ac:cxnSpMkLst>
+        </pc:cxnChg>
+        <pc:cxnChg chg="add mod">
+          <ac:chgData name="Meaghan Winder" userId="e7dbd1f288b20f78" providerId="LiveId" clId="{91B49B06-321D-4DBB-BB2D-C1340DEA48DC}" dt="2020-02-27T01:44:17.615" v="1835" actId="478"/>
+          <ac:cxnSpMkLst>
+            <pc:docMk/>
+            <pc:sldMk cId="1175813555" sldId="256"/>
+            <ac:cxnSpMk id="78" creationId="{215D3EEC-2969-4EA7-94A3-A6CAA5B0EC1B}"/>
+          </ac:cxnSpMkLst>
+        </pc:cxnChg>
+        <pc:cxnChg chg="add mod">
+          <ac:chgData name="Meaghan Winder" userId="e7dbd1f288b20f78" providerId="LiveId" clId="{91B49B06-321D-4DBB-BB2D-C1340DEA48DC}" dt="2020-02-27T01:44:17.615" v="1835" actId="478"/>
+          <ac:cxnSpMkLst>
+            <pc:docMk/>
+            <pc:sldMk cId="1175813555" sldId="256"/>
+            <ac:cxnSpMk id="79" creationId="{9F68943F-B336-44B2-8B15-307AC46E4029}"/>
+          </ac:cxnSpMkLst>
+        </pc:cxnChg>
+        <pc:cxnChg chg="add mod">
+          <ac:chgData name="Meaghan Winder" userId="e7dbd1f288b20f78" providerId="LiveId" clId="{91B49B06-321D-4DBB-BB2D-C1340DEA48DC}" dt="2020-02-27T01:44:17.615" v="1835" actId="478"/>
+          <ac:cxnSpMkLst>
+            <pc:docMk/>
+            <pc:sldMk cId="1175813555" sldId="256"/>
+            <ac:cxnSpMk id="80" creationId="{D6FB225E-3AB1-4609-81DF-0EBE500F23CB}"/>
+          </ac:cxnSpMkLst>
+        </pc:cxnChg>
+        <pc:cxnChg chg="add mod">
+          <ac:chgData name="Meaghan Winder" userId="e7dbd1f288b20f78" providerId="LiveId" clId="{91B49B06-321D-4DBB-BB2D-C1340DEA48DC}" dt="2020-02-27T01:44:17.615" v="1835" actId="478"/>
+          <ac:cxnSpMkLst>
+            <pc:docMk/>
+            <pc:sldMk cId="1175813555" sldId="256"/>
+            <ac:cxnSpMk id="81" creationId="{3CBA248E-A345-4B45-A607-74F4948E5D06}"/>
+          </ac:cxnSpMkLst>
+        </pc:cxnChg>
       </pc:sldChg>
     </pc:docChg>
   </pc:docChgLst>
@@ -416,7 +1424,7 @@
           <a:p>
             <a:fld id="{89D2E553-037A-4685-9D1C-66DFA41AB479}" type="datetimeFigureOut">
               <a:rPr lang="en-US" smtClean="0"/>
-              <a:t>2/26/2020</a:t>
+              <a:t>3/3/2020</a:t>
             </a:fld>
             <a:endParaRPr lang="en-US"/>
           </a:p>
@@ -614,7 +1622,7 @@
           <a:p>
             <a:fld id="{89D2E553-037A-4685-9D1C-66DFA41AB479}" type="datetimeFigureOut">
               <a:rPr lang="en-US" smtClean="0"/>
-              <a:t>2/26/2020</a:t>
+              <a:t>3/3/2020</a:t>
             </a:fld>
             <a:endParaRPr lang="en-US"/>
           </a:p>
@@ -822,7 +1830,7 @@
           <a:p>
             <a:fld id="{89D2E553-037A-4685-9D1C-66DFA41AB479}" type="datetimeFigureOut">
               <a:rPr lang="en-US" smtClean="0"/>
-              <a:t>2/26/2020</a:t>
+              <a:t>3/3/2020</a:t>
             </a:fld>
             <a:endParaRPr lang="en-US"/>
           </a:p>
@@ -1020,7 +2028,7 @@
           <a:p>
             <a:fld id="{89D2E553-037A-4685-9D1C-66DFA41AB479}" type="datetimeFigureOut">
               <a:rPr lang="en-US" smtClean="0"/>
-              <a:t>2/26/2020</a:t>
+              <a:t>3/3/2020</a:t>
             </a:fld>
             <a:endParaRPr lang="en-US"/>
           </a:p>
@@ -1295,7 +2303,7 @@
           <a:p>
             <a:fld id="{89D2E553-037A-4685-9D1C-66DFA41AB479}" type="datetimeFigureOut">
               <a:rPr lang="en-US" smtClean="0"/>
-              <a:t>2/26/2020</a:t>
+              <a:t>3/3/2020</a:t>
             </a:fld>
             <a:endParaRPr lang="en-US"/>
           </a:p>
@@ -1560,7 +2568,7 @@
           <a:p>
             <a:fld id="{89D2E553-037A-4685-9D1C-66DFA41AB479}" type="datetimeFigureOut">
               <a:rPr lang="en-US" smtClean="0"/>
-              <a:t>2/26/2020</a:t>
+              <a:t>3/3/2020</a:t>
             </a:fld>
             <a:endParaRPr lang="en-US"/>
           </a:p>
@@ -1972,7 +2980,7 @@
           <a:p>
             <a:fld id="{89D2E553-037A-4685-9D1C-66DFA41AB479}" type="datetimeFigureOut">
               <a:rPr lang="en-US" smtClean="0"/>
-              <a:t>2/26/2020</a:t>
+              <a:t>3/3/2020</a:t>
             </a:fld>
             <a:endParaRPr lang="en-US"/>
           </a:p>
@@ -2113,7 +3121,7 @@
           <a:p>
             <a:fld id="{89D2E553-037A-4685-9D1C-66DFA41AB479}" type="datetimeFigureOut">
               <a:rPr lang="en-US" smtClean="0"/>
-              <a:t>2/26/2020</a:t>
+              <a:t>3/3/2020</a:t>
             </a:fld>
             <a:endParaRPr lang="en-US"/>
           </a:p>
@@ -2226,7 +3234,7 @@
           <a:p>
             <a:fld id="{89D2E553-037A-4685-9D1C-66DFA41AB479}" type="datetimeFigureOut">
               <a:rPr lang="en-US" smtClean="0"/>
-              <a:t>2/26/2020</a:t>
+              <a:t>3/3/2020</a:t>
             </a:fld>
             <a:endParaRPr lang="en-US"/>
           </a:p>
@@ -2537,7 +3545,7 @@
           <a:p>
             <a:fld id="{89D2E553-037A-4685-9D1C-66DFA41AB479}" type="datetimeFigureOut">
               <a:rPr lang="en-US" smtClean="0"/>
-              <a:t>2/26/2020</a:t>
+              <a:t>3/3/2020</a:t>
             </a:fld>
             <a:endParaRPr lang="en-US"/>
           </a:p>
@@ -2825,7 +3833,7 @@
           <a:p>
             <a:fld id="{89D2E553-037A-4685-9D1C-66DFA41AB479}" type="datetimeFigureOut">
               <a:rPr lang="en-US" smtClean="0"/>
-              <a:t>2/26/2020</a:t>
+              <a:t>3/3/2020</a:t>
             </a:fld>
             <a:endParaRPr lang="en-US"/>
           </a:p>
@@ -3066,7 +4074,7 @@
           <a:p>
             <a:fld id="{89D2E553-037A-4685-9D1C-66DFA41AB479}" type="datetimeFigureOut">
               <a:rPr lang="en-US" smtClean="0"/>
-              <a:t>2/26/2020</a:t>
+              <a:t>3/3/2020</a:t>
             </a:fld>
             <a:endParaRPr lang="en-US"/>
           </a:p>
@@ -3483,12 +4491,47 @@
           <a:chExt cx="0" cy="0"/>
         </a:xfrm>
       </p:grpSpPr>
+      <p:pic>
+        <p:nvPicPr>
+          <p:cNvPr id="34" name="Picture 33" descr="A close up of a necklace&#10;&#10;Description automatically generated">
+            <a:extLst>
+              <a:ext uri="{FF2B5EF4-FFF2-40B4-BE49-F238E27FC236}">
+                <a16:creationId xmlns:a16="http://schemas.microsoft.com/office/drawing/2014/main" id="{3F25363F-46B6-4E92-A8FE-9B4A788E194D}"/>
+              </a:ext>
+            </a:extLst>
+          </p:cNvPr>
+          <p:cNvPicPr>
+            <a:picLocks noChangeAspect="1"/>
+          </p:cNvPicPr>
+          <p:nvPr/>
+        </p:nvPicPr>
+        <p:blipFill rotWithShape="1">
+          <a:blip r:embed="rId2">
+            <a:extLst>
+              <a:ext uri="{28A0092B-C50C-407E-A947-70E740481C1C}">
+                <a14:useLocalDpi xmlns:a14="http://schemas.microsoft.com/office/drawing/2010/main" val="0"/>
+              </a:ext>
+            </a:extLst>
+          </a:blip>
+          <a:srcRect t="7541" b="4754"/>
+          <a:stretch/>
+        </p:blipFill>
+        <p:spPr>
+          <a:xfrm>
+            <a:off x="1319925" y="2500583"/>
+            <a:ext cx="2363700" cy="2014885"/>
+          </a:xfrm>
+          <a:prstGeom prst="rect">
+            <a:avLst/>
+          </a:prstGeom>
+        </p:spPr>
+      </p:pic>
       <p:sp>
         <p:nvSpPr>
-          <p:cNvPr id="27" name="Rectangle 26">
-            <a:extLst>
-              <a:ext uri="{FF2B5EF4-FFF2-40B4-BE49-F238E27FC236}">
-                <a16:creationId xmlns:a16="http://schemas.microsoft.com/office/drawing/2014/main" id="{45BC85FE-7B36-4F1D-8FA2-4AAB444CB4DE}"/>
+          <p:cNvPr id="91" name="Rectangle 90">
+            <a:extLst>
+              <a:ext uri="{FF2B5EF4-FFF2-40B4-BE49-F238E27FC236}">
+                <a16:creationId xmlns:a16="http://schemas.microsoft.com/office/drawing/2014/main" id="{E38684A0-B2AC-49A2-B530-A326D5F10030}"/>
               </a:ext>
             </a:extLst>
           </p:cNvPr>
@@ -3497,16 +4540,15 @@
         </p:nvSpPr>
         <p:spPr>
           <a:xfrm>
-            <a:off x="3111690" y="0"/>
-            <a:ext cx="6002521" cy="6858000"/>
+            <a:off x="3571346" y="954609"/>
+            <a:ext cx="5049301" cy="5903391"/>
           </a:xfrm>
           <a:prstGeom prst="rect">
             <a:avLst/>
           </a:prstGeom>
           <a:solidFill>
-            <a:schemeClr val="accent3">
-              <a:lumMod val="20000"/>
-              <a:lumOff val="80000"/>
+            <a:schemeClr val="bg1">
+              <a:lumMod val="95000"/>
             </a:schemeClr>
           </a:solidFill>
           <a:ln>
@@ -3534,7 +4576,1788 @@
           <a:lstStyle/>
           <a:p>
             <a:pPr algn="ctr"/>
-            <a:endParaRPr lang="en-US" dirty="0"/>
+            <a:endParaRPr lang="en-US"/>
+          </a:p>
+        </p:txBody>
+      </p:sp>
+      <mc:AlternateContent xmlns:mc="http://schemas.openxmlformats.org/markup-compatibility/2006">
+        <mc:Choice xmlns:a14="http://schemas.microsoft.com/office/drawing/2010/main" Requires="a14">
+          <p:sp>
+            <p:nvSpPr>
+              <p:cNvPr id="5" name="Rectangle 4">
+                <a:extLst>
+                  <a:ext uri="{FF2B5EF4-FFF2-40B4-BE49-F238E27FC236}">
+                    <a16:creationId xmlns:a16="http://schemas.microsoft.com/office/drawing/2014/main" id="{B0BB2307-923B-4BB7-9B18-C252EEDDF8C2}"/>
+                  </a:ext>
+                </a:extLst>
+              </p:cNvPr>
+              <p:cNvSpPr/>
+              <p:nvPr/>
+            </p:nvSpPr>
+            <p:spPr>
+              <a:xfrm>
+                <a:off x="3648650" y="4265276"/>
+                <a:ext cx="4894692" cy="2509772"/>
+              </a:xfrm>
+              <a:prstGeom prst="rect">
+                <a:avLst/>
+              </a:prstGeom>
+              <a:solidFill>
+                <a:schemeClr val="bg2"/>
+              </a:solidFill>
+              <a:ln>
+                <a:noFill/>
+              </a:ln>
+            </p:spPr>
+            <p:style>
+              <a:lnRef idx="2">
+                <a:schemeClr val="accent1">
+                  <a:shade val="50000"/>
+                </a:schemeClr>
+              </a:lnRef>
+              <a:fillRef idx="1">
+                <a:schemeClr val="accent1"/>
+              </a:fillRef>
+              <a:effectRef idx="0">
+                <a:schemeClr val="accent1"/>
+              </a:effectRef>
+              <a:fontRef idx="minor">
+                <a:schemeClr val="lt1"/>
+              </a:fontRef>
+            </p:style>
+            <p:txBody>
+              <a:bodyPr rtlCol="0" anchor="ctr"/>
+              <a:lstStyle/>
+              <a:p>
+                <a:pPr/>
+                <a14:m>
+                  <m:oMathPara xmlns:m="http://schemas.openxmlformats.org/officeDocument/2006/math">
+                    <m:oMathParaPr>
+                      <m:jc m:val="left"/>
+                    </m:oMathParaPr>
+                    <m:oMath xmlns:m="http://schemas.openxmlformats.org/officeDocument/2006/math">
+                      <m:sSub>
+                        <m:sSubPr>
+                          <m:ctrlPr>
+                            <a:rPr lang="en-US" sz="1000" i="1">
+                              <a:solidFill>
+                                <a:srgbClr val="4F00C2"/>
+                              </a:solidFill>
+                              <a:latin typeface="Cambria Math" panose="02040503050406030204" pitchFamily="18" charset="0"/>
+                              <a:ea typeface="Latin Modern Math" panose="02000503000000000000" pitchFamily="50" charset="0"/>
+                            </a:rPr>
+                          </m:ctrlPr>
+                        </m:sSubPr>
+                        <m:e>
+                          <m:r>
+                            <a:rPr lang="en-US" sz="1000" i="1">
+                              <a:solidFill>
+                                <a:srgbClr val="4F00C2"/>
+                              </a:solidFill>
+                              <a:latin typeface="Latin Modern Math" panose="02000503000000000000" pitchFamily="50" charset="0"/>
+                              <a:ea typeface="Latin Modern Math" panose="02000503000000000000" pitchFamily="50" charset="0"/>
+                            </a:rPr>
+                            <m:t>𝑍</m:t>
+                          </m:r>
+                        </m:e>
+                        <m:sub>
+                          <m:r>
+                            <a:rPr lang="en-US" sz="1000" i="1">
+                              <a:solidFill>
+                                <a:srgbClr val="4F00C2"/>
+                              </a:solidFill>
+                              <a:latin typeface="Latin Modern Math" panose="02000503000000000000" pitchFamily="50" charset="0"/>
+                              <a:ea typeface="Latin Modern Math" panose="02000503000000000000" pitchFamily="50" charset="0"/>
+                            </a:rPr>
+                            <m:t>𝑖</m:t>
+                          </m:r>
+                          <m:r>
+                            <a:rPr lang="en-US" sz="1000" i="1">
+                              <a:solidFill>
+                                <a:srgbClr val="4F00C2"/>
+                              </a:solidFill>
+                              <a:latin typeface="Latin Modern Math" panose="02000503000000000000" pitchFamily="50" charset="0"/>
+                              <a:ea typeface="Latin Modern Math" panose="02000503000000000000" pitchFamily="50" charset="0"/>
+                            </a:rPr>
+                            <m:t> </m:t>
+                          </m:r>
+                        </m:sub>
+                      </m:sSub>
+                      <m:r>
+                        <a:rPr lang="en-US" sz="1000" i="1">
+                          <a:solidFill>
+                            <a:schemeClr val="tx1"/>
+                          </a:solidFill>
+                          <a:latin typeface="Latin Modern Math" panose="02000503000000000000" pitchFamily="50" charset="0"/>
+                          <a:ea typeface="Latin Modern Math" panose="02000503000000000000" pitchFamily="50" charset="0"/>
+                        </a:rPr>
+                        <m:t>~ </m:t>
+                      </m:r>
+                      <m:r>
+                        <a:rPr lang="en-US" sz="1000" i="1">
+                          <a:solidFill>
+                            <a:schemeClr val="tx1"/>
+                          </a:solidFill>
+                          <a:latin typeface="Latin Modern Math" panose="02000503000000000000" pitchFamily="50" charset="0"/>
+                          <a:ea typeface="Latin Modern Math" panose="02000503000000000000" pitchFamily="50" charset="0"/>
+                        </a:rPr>
+                        <m:t>𝐵𝑒𝑟𝑛𝑜𝑢𝑙𝑙𝑖</m:t>
+                      </m:r>
+                      <m:r>
+                        <a:rPr lang="en-US" sz="1000" i="1">
+                          <a:solidFill>
+                            <a:schemeClr val="tx1"/>
+                          </a:solidFill>
+                          <a:latin typeface="Latin Modern Math" panose="02000503000000000000" pitchFamily="50" charset="0"/>
+                          <a:ea typeface="Latin Modern Math" panose="02000503000000000000" pitchFamily="50" charset="0"/>
+                        </a:rPr>
+                        <m:t>(</m:t>
+                      </m:r>
+                      <m:sSub>
+                        <m:sSubPr>
+                          <m:ctrlPr>
+                            <a:rPr lang="en-US" sz="1000" i="1">
+                              <a:solidFill>
+                                <a:srgbClr val="4F00C2"/>
+                              </a:solidFill>
+                              <a:latin typeface="Cambria Math" panose="02040503050406030204" pitchFamily="18" charset="0"/>
+                              <a:ea typeface="Latin Modern Math" panose="02000503000000000000" pitchFamily="50" charset="0"/>
+                            </a:rPr>
+                          </m:ctrlPr>
+                        </m:sSubPr>
+                        <m:e>
+                          <m:r>
+                            <m:rPr>
+                              <m:sty m:val="p"/>
+                            </m:rPr>
+                            <a:rPr lang="el-GR" sz="1000" i="1">
+                              <a:solidFill>
+                                <a:srgbClr val="4F00C2"/>
+                              </a:solidFill>
+                              <a:latin typeface="Latin Modern Math" panose="02000503000000000000" pitchFamily="50" charset="0"/>
+                              <a:ea typeface="Latin Modern Math" panose="02000503000000000000" pitchFamily="50" charset="0"/>
+                            </a:rPr>
+                            <m:t>ψ</m:t>
+                          </m:r>
+                        </m:e>
+                        <m:sub>
+                          <m:r>
+                            <a:rPr lang="en-US" sz="1000" i="1">
+                              <a:solidFill>
+                                <a:srgbClr val="4F00C2"/>
+                              </a:solidFill>
+                              <a:latin typeface="Latin Modern Math" panose="02000503000000000000" pitchFamily="50" charset="0"/>
+                              <a:ea typeface="Latin Modern Math" panose="02000503000000000000" pitchFamily="50" charset="0"/>
+                            </a:rPr>
+                            <m:t>𝑖</m:t>
+                          </m:r>
+                        </m:sub>
+                      </m:sSub>
+                      <m:r>
+                        <a:rPr lang="en-US" sz="1000" i="1">
+                          <a:solidFill>
+                            <a:schemeClr val="tx1"/>
+                          </a:solidFill>
+                          <a:latin typeface="Latin Modern Math" panose="02000503000000000000" pitchFamily="50" charset="0"/>
+                          <a:ea typeface="Latin Modern Math" panose="02000503000000000000" pitchFamily="50" charset="0"/>
+                        </a:rPr>
+                        <m:t>)</m:t>
+                      </m:r>
+                    </m:oMath>
+                  </m:oMathPara>
+                </a14:m>
+                <a:endParaRPr lang="en-US" sz="1000" dirty="0">
+                  <a:solidFill>
+                    <a:srgbClr val="990000"/>
+                  </a:solidFill>
+                  <a:latin typeface="Latin Modern Math" panose="02000503000000000000" pitchFamily="50" charset="0"/>
+                  <a:ea typeface="Latin Modern Math" panose="02000503000000000000" pitchFamily="50" charset="0"/>
+                </a:endParaRPr>
+              </a:p>
+              <a:p>
+                <a14:m>
+                  <m:oMath xmlns:m="http://schemas.openxmlformats.org/officeDocument/2006/math">
+                    <m:sSub>
+                      <m:sSubPr>
+                        <m:ctrlPr>
+                          <a:rPr lang="en-US" sz="1000" i="1">
+                            <a:solidFill>
+                              <a:srgbClr val="4F00C2"/>
+                            </a:solidFill>
+                            <a:latin typeface="Cambria Math" panose="02040503050406030204" pitchFamily="18" charset="0"/>
+                            <a:ea typeface="Latin Modern Math" panose="02000503000000000000" pitchFamily="50" charset="0"/>
+                          </a:rPr>
+                        </m:ctrlPr>
+                      </m:sSubPr>
+                      <m:e>
+                        <m:r>
+                          <m:rPr>
+                            <m:sty m:val="p"/>
+                          </m:rPr>
+                          <a:rPr lang="el-GR" sz="1000" i="1">
+                            <a:solidFill>
+                              <a:srgbClr val="4F00C2"/>
+                            </a:solidFill>
+                            <a:latin typeface="Latin Modern Math" panose="02000503000000000000" pitchFamily="50" charset="0"/>
+                            <a:ea typeface="Latin Modern Math" panose="02000503000000000000" pitchFamily="50" charset="0"/>
+                          </a:rPr>
+                          <m:t>ψ</m:t>
+                        </m:r>
+                      </m:e>
+                      <m:sub>
+                        <m:r>
+                          <a:rPr lang="en-US" sz="1000" i="1">
+                            <a:solidFill>
+                              <a:srgbClr val="4F00C2"/>
+                            </a:solidFill>
+                            <a:latin typeface="Latin Modern Math" panose="02000503000000000000" pitchFamily="50" charset="0"/>
+                            <a:ea typeface="Latin Modern Math" panose="02000503000000000000" pitchFamily="50" charset="0"/>
+                          </a:rPr>
+                          <m:t>𝑖</m:t>
+                        </m:r>
+                      </m:sub>
+                    </m:sSub>
+                  </m:oMath>
+                </a14:m>
+                <a:r>
+                  <a:rPr lang="en-US" sz="1000" dirty="0">
+                    <a:solidFill>
+                      <a:schemeClr val="tx1"/>
+                    </a:solidFill>
+                    <a:latin typeface="cmr10" panose="020B0500000000000000" pitchFamily="34" charset="0"/>
+                  </a:rPr>
+                  <a:t>:</a:t>
+                </a:r>
+                <a:r>
+                  <a:rPr lang="en-US" sz="1000" dirty="0">
+                    <a:latin typeface="cmr10" panose="020B0500000000000000" pitchFamily="34" charset="0"/>
+                  </a:rPr>
+                  <a:t> </a:t>
+                </a:r>
+                <a:r>
+                  <a:rPr lang="en-US" sz="1000" dirty="0">
+                    <a:solidFill>
+                      <a:schemeClr val="tx1"/>
+                    </a:solidFill>
+                    <a:latin typeface="cmr10" panose="020B0500000000000000" pitchFamily="34" charset="0"/>
+                  </a:rPr>
+                  <a:t>probability that eDNA is present at the </a:t>
+                </a:r>
+                <a14:m>
+                  <m:oMath xmlns:m="http://schemas.openxmlformats.org/officeDocument/2006/math">
+                    <m:sSup>
+                      <m:sSupPr>
+                        <m:ctrlPr>
+                          <a:rPr lang="en-US" sz="1000" i="1" smtClean="0">
+                            <a:solidFill>
+                              <a:schemeClr val="tx1"/>
+                            </a:solidFill>
+                            <a:latin typeface="Cambria Math" panose="02040503050406030204" pitchFamily="18" charset="0"/>
+                            <a:ea typeface="Latin Modern Math" panose="02000503000000000000" pitchFamily="50" charset="0"/>
+                          </a:rPr>
+                        </m:ctrlPr>
+                      </m:sSupPr>
+                      <m:e>
+                        <m:r>
+                          <a:rPr lang="en-US" sz="1000" i="1">
+                            <a:solidFill>
+                              <a:schemeClr val="tx1"/>
+                            </a:solidFill>
+                            <a:latin typeface="Latin Modern Math" panose="02000503000000000000" pitchFamily="50" charset="0"/>
+                            <a:ea typeface="Latin Modern Math" panose="02000503000000000000" pitchFamily="50" charset="0"/>
+                          </a:rPr>
+                          <m:t>𝑖</m:t>
+                        </m:r>
+                      </m:e>
+                      <m:sup>
+                        <m:r>
+                          <a:rPr lang="en-US" sz="1000" b="0" i="1" smtClean="0">
+                            <a:solidFill>
+                              <a:schemeClr val="tx1"/>
+                            </a:solidFill>
+                            <a:latin typeface="Cambria Math" panose="02040503050406030204" pitchFamily="18" charset="0"/>
+                            <a:ea typeface="Latin Modern Math" panose="02000503000000000000" pitchFamily="50" charset="0"/>
+                          </a:rPr>
+                          <m:t>𝑡h</m:t>
+                        </m:r>
+                      </m:sup>
+                    </m:sSup>
+                    <m:r>
+                      <a:rPr lang="en-US" sz="1000" i="1">
+                        <a:solidFill>
+                          <a:schemeClr val="tx1"/>
+                        </a:solidFill>
+                        <a:latin typeface="Latin Modern Math" panose="02000503000000000000" pitchFamily="50" charset="0"/>
+                        <a:ea typeface="Latin Modern Math" panose="02000503000000000000" pitchFamily="50" charset="0"/>
+                      </a:rPr>
+                      <m:t> </m:t>
+                    </m:r>
+                  </m:oMath>
+                </a14:m>
+                <a:r>
+                  <a:rPr lang="en-US" sz="1000" dirty="0">
+                    <a:solidFill>
+                      <a:schemeClr val="tx1"/>
+                    </a:solidFill>
+                    <a:latin typeface="cmr10" panose="020B0500000000000000" pitchFamily="34" charset="0"/>
+                  </a:rPr>
+                  <a:t>site </a:t>
+                </a:r>
+              </a:p>
+              <a:p>
+                <a:pPr/>
+                <a14:m>
+                  <m:oMath xmlns:m="http://schemas.openxmlformats.org/officeDocument/2006/math">
+                    <m:sSub>
+                      <m:sSubPr>
+                        <m:ctrlPr>
+                          <a:rPr lang="en-US" sz="1000" i="1">
+                            <a:solidFill>
+                              <a:srgbClr val="4F00C2"/>
+                            </a:solidFill>
+                            <a:latin typeface="Cambria Math" panose="02040503050406030204" pitchFamily="18" charset="0"/>
+                            <a:ea typeface="Latin Modern Math" panose="02000503000000000000" pitchFamily="50" charset="0"/>
+                          </a:rPr>
+                        </m:ctrlPr>
+                      </m:sSubPr>
+                      <m:e>
+                        <m:r>
+                          <a:rPr lang="en-US" sz="1000" b="0" i="1" smtClean="0">
+                            <a:solidFill>
+                              <a:srgbClr val="4F00C2"/>
+                            </a:solidFill>
+                            <a:latin typeface="Cambria Math" panose="02040503050406030204" pitchFamily="18" charset="0"/>
+                            <a:ea typeface="Latin Modern Math" panose="02000503000000000000" pitchFamily="50" charset="0"/>
+                          </a:rPr>
+                          <m:t>𝑧</m:t>
+                        </m:r>
+                      </m:e>
+                      <m:sub>
+                        <m:r>
+                          <a:rPr lang="en-US" sz="1000" i="1">
+                            <a:solidFill>
+                              <a:srgbClr val="4F00C2"/>
+                            </a:solidFill>
+                            <a:latin typeface="Latin Modern Math" panose="02000503000000000000" pitchFamily="50" charset="0"/>
+                            <a:ea typeface="Latin Modern Math" panose="02000503000000000000" pitchFamily="50" charset="0"/>
+                          </a:rPr>
+                          <m:t>𝑖</m:t>
+                        </m:r>
+                      </m:sub>
+                    </m:sSub>
+                  </m:oMath>
+                </a14:m>
+                <a:r>
+                  <a:rPr lang="en-US" sz="1000" dirty="0">
+                    <a:solidFill>
+                      <a:schemeClr val="tx1"/>
+                    </a:solidFill>
+                    <a:latin typeface="cmr10" panose="020B0500000000000000" pitchFamily="34" charset="0"/>
+                  </a:rPr>
+                  <a:t>: latent occupancy state at the site level</a:t>
+                </a:r>
+                <a:endParaRPr lang="en-US" sz="1000" dirty="0">
+                  <a:latin typeface="cmr10" panose="020B0500000000000000" pitchFamily="34" charset="0"/>
+                </a:endParaRPr>
+              </a:p>
+              <a:p>
+                <a:endParaRPr lang="en-US" sz="1000" i="1" dirty="0">
+                  <a:solidFill>
+                    <a:srgbClr val="009999"/>
+                  </a:solidFill>
+                  <a:latin typeface="Cambria Math" panose="02040503050406030204" pitchFamily="18" charset="0"/>
+                  <a:ea typeface="Latin Modern Math" panose="02000503000000000000" pitchFamily="50" charset="0"/>
+                </a:endParaRPr>
+              </a:p>
+              <a:p>
+                <a:pPr/>
+                <a14:m>
+                  <m:oMathPara xmlns:m="http://schemas.openxmlformats.org/officeDocument/2006/math">
+                    <m:oMathParaPr>
+                      <m:jc m:val="left"/>
+                    </m:oMathParaPr>
+                    <m:oMath xmlns:m="http://schemas.openxmlformats.org/officeDocument/2006/math">
+                      <m:sSub>
+                        <m:sSubPr>
+                          <m:ctrlPr>
+                            <a:rPr lang="en-US" sz="1000" i="1">
+                              <a:solidFill>
+                                <a:srgbClr val="009999"/>
+                              </a:solidFill>
+                              <a:latin typeface="Cambria Math" panose="02040503050406030204" pitchFamily="18" charset="0"/>
+                              <a:ea typeface="Latin Modern Math" panose="02000503000000000000" pitchFamily="50" charset="0"/>
+                            </a:rPr>
+                          </m:ctrlPr>
+                        </m:sSubPr>
+                        <m:e>
+                          <m:r>
+                            <a:rPr lang="en-US" sz="1000" i="1">
+                              <a:solidFill>
+                                <a:srgbClr val="009999"/>
+                              </a:solidFill>
+                              <a:latin typeface="Latin Modern Math" panose="02000503000000000000" pitchFamily="50" charset="0"/>
+                              <a:ea typeface="Latin Modern Math" panose="02000503000000000000" pitchFamily="50" charset="0"/>
+                            </a:rPr>
+                            <m:t>𝐴</m:t>
+                          </m:r>
+                        </m:e>
+                        <m:sub>
+                          <m:r>
+                            <a:rPr lang="en-US" sz="1000" i="1">
+                              <a:solidFill>
+                                <a:srgbClr val="009999"/>
+                              </a:solidFill>
+                              <a:latin typeface="Latin Modern Math" panose="02000503000000000000" pitchFamily="50" charset="0"/>
+                              <a:ea typeface="Latin Modern Math" panose="02000503000000000000" pitchFamily="50" charset="0"/>
+                            </a:rPr>
+                            <m:t>𝑖𝑗</m:t>
+                          </m:r>
+                        </m:sub>
+                      </m:sSub>
+                      <m:r>
+                        <a:rPr lang="en-US" sz="1000" i="1" smtClean="0">
+                          <a:solidFill>
+                            <a:schemeClr val="tx1"/>
+                          </a:solidFill>
+                          <a:latin typeface="Latin Modern Math" panose="02000503000000000000" pitchFamily="50" charset="0"/>
+                          <a:ea typeface="Latin Modern Math" panose="02000503000000000000" pitchFamily="50" charset="0"/>
+                        </a:rPr>
+                        <m:t>|</m:t>
+                      </m:r>
+                      <m:sSub>
+                        <m:sSubPr>
+                          <m:ctrlPr>
+                            <a:rPr lang="en-US" sz="1000" i="1">
+                              <a:solidFill>
+                                <a:srgbClr val="4F00C2"/>
+                              </a:solidFill>
+                              <a:latin typeface="Cambria Math" panose="02040503050406030204" pitchFamily="18" charset="0"/>
+                              <a:ea typeface="Latin Modern Math" panose="02000503000000000000" pitchFamily="50" charset="0"/>
+                            </a:rPr>
+                          </m:ctrlPr>
+                        </m:sSubPr>
+                        <m:e>
+                          <m:r>
+                            <a:rPr lang="en-US" sz="1000" i="1">
+                              <a:solidFill>
+                                <a:srgbClr val="4F00C2"/>
+                              </a:solidFill>
+                              <a:latin typeface="Latin Modern Math" panose="02000503000000000000" pitchFamily="50" charset="0"/>
+                              <a:ea typeface="Latin Modern Math" panose="02000503000000000000" pitchFamily="50" charset="0"/>
+                            </a:rPr>
+                            <m:t>𝑧</m:t>
+                          </m:r>
+                        </m:e>
+                        <m:sub>
+                          <m:r>
+                            <a:rPr lang="en-US" sz="1000" i="1">
+                              <a:solidFill>
+                                <a:srgbClr val="4F00C2"/>
+                              </a:solidFill>
+                              <a:latin typeface="Latin Modern Math" panose="02000503000000000000" pitchFamily="50" charset="0"/>
+                              <a:ea typeface="Latin Modern Math" panose="02000503000000000000" pitchFamily="50" charset="0"/>
+                            </a:rPr>
+                            <m:t>𝑖</m:t>
+                          </m:r>
+                        </m:sub>
+                      </m:sSub>
+                      <m:r>
+                        <a:rPr lang="en-US" sz="1000" i="1">
+                          <a:solidFill>
+                            <a:srgbClr val="4F00C2"/>
+                          </a:solidFill>
+                          <a:latin typeface="Latin Modern Math" panose="02000503000000000000" pitchFamily="50" charset="0"/>
+                          <a:ea typeface="Latin Modern Math" panose="02000503000000000000" pitchFamily="50" charset="0"/>
+                        </a:rPr>
+                        <m:t> </m:t>
+                      </m:r>
+                      <m:r>
+                        <a:rPr lang="en-US" sz="1000" i="1" smtClean="0">
+                          <a:solidFill>
+                            <a:schemeClr val="tx1"/>
+                          </a:solidFill>
+                          <a:latin typeface="Latin Modern Math" panose="02000503000000000000" pitchFamily="50" charset="0"/>
+                          <a:ea typeface="Latin Modern Math" panose="02000503000000000000" pitchFamily="50" charset="0"/>
+                        </a:rPr>
+                        <m:t>~ </m:t>
+                      </m:r>
+                      <m:r>
+                        <a:rPr lang="en-US" sz="1000" i="1" smtClean="0">
+                          <a:solidFill>
+                            <a:schemeClr val="tx1"/>
+                          </a:solidFill>
+                          <a:latin typeface="Latin Modern Math" panose="02000503000000000000" pitchFamily="50" charset="0"/>
+                          <a:ea typeface="Latin Modern Math" panose="02000503000000000000" pitchFamily="50" charset="0"/>
+                        </a:rPr>
+                        <m:t>𝐵𝑒𝑟𝑛𝑜𝑢𝑙𝑙𝑖</m:t>
+                      </m:r>
+                      <m:r>
+                        <a:rPr lang="en-US" sz="1000" i="1" smtClean="0">
+                          <a:solidFill>
+                            <a:schemeClr val="tx1"/>
+                          </a:solidFill>
+                          <a:latin typeface="Latin Modern Math" panose="02000503000000000000" pitchFamily="50" charset="0"/>
+                          <a:ea typeface="Latin Modern Math" panose="02000503000000000000" pitchFamily="50" charset="0"/>
+                        </a:rPr>
+                        <m:t>(</m:t>
+                      </m:r>
+                      <m:sSub>
+                        <m:sSubPr>
+                          <m:ctrlPr>
+                            <a:rPr lang="en-US" sz="1000" i="1">
+                              <a:solidFill>
+                                <a:srgbClr val="4F00C2"/>
+                              </a:solidFill>
+                              <a:latin typeface="Cambria Math" panose="02040503050406030204" pitchFamily="18" charset="0"/>
+                              <a:ea typeface="Latin Modern Math" panose="02000503000000000000" pitchFamily="50" charset="0"/>
+                            </a:rPr>
+                          </m:ctrlPr>
+                        </m:sSubPr>
+                        <m:e>
+                          <m:r>
+                            <a:rPr lang="en-US" sz="1000" i="1">
+                              <a:solidFill>
+                                <a:srgbClr val="4F00C2"/>
+                              </a:solidFill>
+                              <a:latin typeface="Latin Modern Math" panose="02000503000000000000" pitchFamily="50" charset="0"/>
+                              <a:ea typeface="Latin Modern Math" panose="02000503000000000000" pitchFamily="50" charset="0"/>
+                            </a:rPr>
+                            <m:t>𝑧</m:t>
+                          </m:r>
+                        </m:e>
+                        <m:sub>
+                          <m:r>
+                            <a:rPr lang="en-US" sz="1000" i="1">
+                              <a:solidFill>
+                                <a:srgbClr val="4F00C2"/>
+                              </a:solidFill>
+                              <a:latin typeface="Latin Modern Math" panose="02000503000000000000" pitchFamily="50" charset="0"/>
+                              <a:ea typeface="Latin Modern Math" panose="02000503000000000000" pitchFamily="50" charset="0"/>
+                            </a:rPr>
+                            <m:t>𝑖</m:t>
+                          </m:r>
+                        </m:sub>
+                      </m:sSub>
+                      <m:sSub>
+                        <m:sSubPr>
+                          <m:ctrlPr>
+                            <a:rPr lang="en-US" sz="1000" i="1">
+                              <a:solidFill>
+                                <a:srgbClr val="009999"/>
+                              </a:solidFill>
+                              <a:latin typeface="Cambria Math" panose="02040503050406030204" pitchFamily="18" charset="0"/>
+                              <a:ea typeface="Latin Modern Math" panose="02000503000000000000" pitchFamily="50" charset="0"/>
+                            </a:rPr>
+                          </m:ctrlPr>
+                        </m:sSubPr>
+                        <m:e>
+                          <m:r>
+                            <m:rPr>
+                              <m:sty m:val="p"/>
+                            </m:rPr>
+                            <a:rPr lang="el-GR" sz="1000" i="1">
+                              <a:solidFill>
+                                <a:srgbClr val="009999"/>
+                              </a:solidFill>
+                              <a:latin typeface="Latin Modern Math" panose="02000503000000000000" pitchFamily="50" charset="0"/>
+                              <a:ea typeface="Latin Modern Math" panose="02000503000000000000" pitchFamily="50" charset="0"/>
+                            </a:rPr>
+                            <m:t>θ</m:t>
+                          </m:r>
+                        </m:e>
+                        <m:sub>
+                          <m:r>
+                            <a:rPr lang="en-US" sz="1000" i="1">
+                              <a:solidFill>
+                                <a:srgbClr val="009999"/>
+                              </a:solidFill>
+                              <a:latin typeface="Latin Modern Math" panose="02000503000000000000" pitchFamily="50" charset="0"/>
+                              <a:ea typeface="Latin Modern Math" panose="02000503000000000000" pitchFamily="50" charset="0"/>
+                            </a:rPr>
+                            <m:t>𝑖𝑗</m:t>
+                          </m:r>
+                        </m:sub>
+                      </m:sSub>
+                      <m:r>
+                        <a:rPr lang="en-US" sz="1000" i="1" smtClean="0">
+                          <a:solidFill>
+                            <a:schemeClr val="tx1"/>
+                          </a:solidFill>
+                          <a:latin typeface="Latin Modern Math" panose="02000503000000000000" pitchFamily="50" charset="0"/>
+                          <a:ea typeface="Latin Modern Math" panose="02000503000000000000" pitchFamily="50" charset="0"/>
+                        </a:rPr>
+                        <m:t>)</m:t>
+                      </m:r>
+                    </m:oMath>
+                  </m:oMathPara>
+                </a14:m>
+                <a:endParaRPr lang="en-US" sz="1000" dirty="0">
+                  <a:latin typeface="Latin Modern Math" panose="02000503000000000000" pitchFamily="50" charset="0"/>
+                  <a:ea typeface="Latin Modern Math" panose="02000503000000000000" pitchFamily="50" charset="0"/>
+                </a:endParaRPr>
+              </a:p>
+              <a:p>
+                <a14:m>
+                  <m:oMath xmlns:m="http://schemas.openxmlformats.org/officeDocument/2006/math">
+                    <m:sSub>
+                      <m:sSubPr>
+                        <m:ctrlPr>
+                          <a:rPr lang="en-US" sz="1000" i="1">
+                            <a:solidFill>
+                              <a:srgbClr val="009999"/>
+                            </a:solidFill>
+                            <a:latin typeface="Cambria Math" panose="02040503050406030204" pitchFamily="18" charset="0"/>
+                            <a:ea typeface="Latin Modern Math" panose="02000503000000000000" pitchFamily="50" charset="0"/>
+                          </a:rPr>
+                        </m:ctrlPr>
+                      </m:sSubPr>
+                      <m:e>
+                        <m:r>
+                          <m:rPr>
+                            <m:sty m:val="p"/>
+                          </m:rPr>
+                          <a:rPr lang="el-GR" sz="1000" i="1">
+                            <a:solidFill>
+                              <a:srgbClr val="009999"/>
+                            </a:solidFill>
+                            <a:latin typeface="Latin Modern Math" panose="02000503000000000000" pitchFamily="50" charset="0"/>
+                            <a:ea typeface="Latin Modern Math" panose="02000503000000000000" pitchFamily="50" charset="0"/>
+                          </a:rPr>
+                          <m:t>θ</m:t>
+                        </m:r>
+                      </m:e>
+                      <m:sub>
+                        <m:r>
+                          <a:rPr lang="en-US" sz="1000" i="1">
+                            <a:solidFill>
+                              <a:srgbClr val="009999"/>
+                            </a:solidFill>
+                            <a:latin typeface="Latin Modern Math" panose="02000503000000000000" pitchFamily="50" charset="0"/>
+                            <a:ea typeface="Latin Modern Math" panose="02000503000000000000" pitchFamily="50" charset="0"/>
+                          </a:rPr>
+                          <m:t>𝑖𝑗</m:t>
+                        </m:r>
+                      </m:sub>
+                    </m:sSub>
+                  </m:oMath>
+                </a14:m>
+                <a:r>
+                  <a:rPr lang="en-US" sz="1000" dirty="0">
+                    <a:solidFill>
+                      <a:schemeClr val="tx1"/>
+                    </a:solidFill>
+                    <a:latin typeface="cmr10" panose="020B0500000000000000" pitchFamily="34" charset="0"/>
+                  </a:rPr>
+                  <a:t>: conditional probability that eDNA is present in the </a:t>
+                </a:r>
+                <a14:m>
+                  <m:oMath xmlns:m="http://schemas.openxmlformats.org/officeDocument/2006/math">
+                    <m:sSup>
+                      <m:sSupPr>
+                        <m:ctrlPr>
+                          <a:rPr lang="en-US" sz="1000" i="1">
+                            <a:solidFill>
+                              <a:schemeClr val="tx1"/>
+                            </a:solidFill>
+                            <a:latin typeface="Cambria Math" panose="02040503050406030204" pitchFamily="18" charset="0"/>
+                            <a:ea typeface="Latin Modern Math" panose="02000503000000000000" pitchFamily="50" charset="0"/>
+                          </a:rPr>
+                        </m:ctrlPr>
+                      </m:sSupPr>
+                      <m:e>
+                        <m:r>
+                          <a:rPr lang="en-US" sz="1000" i="1">
+                            <a:solidFill>
+                              <a:schemeClr val="tx1"/>
+                            </a:solidFill>
+                            <a:latin typeface="Latin Modern Math" panose="02000503000000000000" pitchFamily="50" charset="0"/>
+                            <a:ea typeface="Latin Modern Math" panose="02000503000000000000" pitchFamily="50" charset="0"/>
+                          </a:rPr>
+                          <m:t>𝑗</m:t>
+                        </m:r>
+                      </m:e>
+                      <m:sup>
+                        <m:r>
+                          <a:rPr lang="en-US" sz="1000" i="1">
+                            <a:solidFill>
+                              <a:schemeClr val="tx1"/>
+                            </a:solidFill>
+                            <a:latin typeface="Cambria Math" panose="02040503050406030204" pitchFamily="18" charset="0"/>
+                            <a:ea typeface="Latin Modern Math" panose="02000503000000000000" pitchFamily="50" charset="0"/>
+                          </a:rPr>
+                          <m:t>𝑡</m:t>
+                        </m:r>
+                        <m:r>
+                          <a:rPr lang="en-US" sz="1000" i="1">
+                            <a:solidFill>
+                              <a:schemeClr val="tx1"/>
+                            </a:solidFill>
+                            <a:latin typeface="Cambria Math" panose="02040503050406030204" pitchFamily="18" charset="0"/>
+                            <a:ea typeface="Cambria Math" panose="02040503050406030204" pitchFamily="18" charset="0"/>
+                          </a:rPr>
+                          <m:t>h</m:t>
+                        </m:r>
+                      </m:sup>
+                    </m:sSup>
+                  </m:oMath>
+                </a14:m>
+                <a:r>
+                  <a:rPr lang="en-US" sz="1000" dirty="0">
+                    <a:solidFill>
+                      <a:schemeClr val="tx1"/>
+                    </a:solidFill>
+                    <a:latin typeface="cmr10" panose="020B0500000000000000" pitchFamily="34" charset="0"/>
+                  </a:rPr>
+                  <a:t> sample from the </a:t>
+                </a:r>
+                <a14:m>
+                  <m:oMath xmlns:m="http://schemas.openxmlformats.org/officeDocument/2006/math">
+                    <m:sSup>
+                      <m:sSupPr>
+                        <m:ctrlPr>
+                          <a:rPr lang="en-US" sz="1000" i="1">
+                            <a:solidFill>
+                              <a:schemeClr val="tx1"/>
+                            </a:solidFill>
+                            <a:latin typeface="Cambria Math" panose="02040503050406030204" pitchFamily="18" charset="0"/>
+                            <a:ea typeface="Latin Modern Math" panose="02000503000000000000" pitchFamily="50" charset="0"/>
+                          </a:rPr>
+                        </m:ctrlPr>
+                      </m:sSupPr>
+                      <m:e>
+                        <m:r>
+                          <a:rPr lang="en-US" sz="1000" i="1">
+                            <a:solidFill>
+                              <a:schemeClr val="tx1"/>
+                            </a:solidFill>
+                            <a:latin typeface="Latin Modern Math" panose="02000503000000000000" pitchFamily="50" charset="0"/>
+                            <a:ea typeface="Latin Modern Math" panose="02000503000000000000" pitchFamily="50" charset="0"/>
+                          </a:rPr>
+                          <m:t>𝑖</m:t>
+                        </m:r>
+                      </m:e>
+                      <m:sup>
+                        <m:r>
+                          <a:rPr lang="en-US" sz="1000" i="1">
+                            <a:solidFill>
+                              <a:schemeClr val="tx1"/>
+                            </a:solidFill>
+                            <a:latin typeface="Cambria Math" panose="02040503050406030204" pitchFamily="18" charset="0"/>
+                            <a:ea typeface="Latin Modern Math" panose="02000503000000000000" pitchFamily="50" charset="0"/>
+                          </a:rPr>
+                          <m:t>𝑡</m:t>
+                        </m:r>
+                        <m:r>
+                          <a:rPr lang="en-US" sz="1000" i="1">
+                            <a:solidFill>
+                              <a:schemeClr val="tx1"/>
+                            </a:solidFill>
+                            <a:latin typeface="Cambria Math" panose="02040503050406030204" pitchFamily="18" charset="0"/>
+                            <a:ea typeface="Cambria Math" panose="02040503050406030204" pitchFamily="18" charset="0"/>
+                          </a:rPr>
+                          <m:t>h</m:t>
+                        </m:r>
+                      </m:sup>
+                    </m:sSup>
+                  </m:oMath>
+                </a14:m>
+                <a:r>
+                  <a:rPr lang="en-US" sz="1000" dirty="0">
+                    <a:solidFill>
+                      <a:schemeClr val="tx1"/>
+                    </a:solidFill>
+                    <a:latin typeface="cmr10" panose="020B0500000000000000" pitchFamily="34" charset="0"/>
+                  </a:rPr>
+                  <a:t> site,</a:t>
+                </a:r>
+              </a:p>
+              <a:p>
+                <a:r>
+                  <a:rPr lang="en-US" sz="1000" dirty="0">
+                    <a:solidFill>
+                      <a:schemeClr val="tx1"/>
+                    </a:solidFill>
+                    <a:latin typeface="cmr10" panose="020B0500000000000000" pitchFamily="34" charset="0"/>
+                  </a:rPr>
+                  <a:t>     given eDNA is present at the site</a:t>
+                </a:r>
+              </a:p>
+              <a:p>
+                <a14:m>
+                  <m:oMath xmlns:m="http://schemas.openxmlformats.org/officeDocument/2006/math">
+                    <m:sSub>
+                      <m:sSubPr>
+                        <m:ctrlPr>
+                          <a:rPr lang="en-US" sz="1000" i="1">
+                            <a:solidFill>
+                              <a:srgbClr val="009999"/>
+                            </a:solidFill>
+                            <a:latin typeface="Cambria Math" panose="02040503050406030204" pitchFamily="18" charset="0"/>
+                            <a:ea typeface="Latin Modern Math" panose="02000503000000000000" pitchFamily="50" charset="0"/>
+                          </a:rPr>
+                        </m:ctrlPr>
+                      </m:sSubPr>
+                      <m:e>
+                        <m:r>
+                          <a:rPr lang="en-US" sz="1000" b="0" i="1" smtClean="0">
+                            <a:solidFill>
+                              <a:srgbClr val="009999"/>
+                            </a:solidFill>
+                            <a:latin typeface="Cambria Math" panose="02040503050406030204" pitchFamily="18" charset="0"/>
+                            <a:ea typeface="Latin Modern Math" panose="02000503000000000000" pitchFamily="50" charset="0"/>
+                          </a:rPr>
+                          <m:t>𝑎</m:t>
+                        </m:r>
+                      </m:e>
+                      <m:sub>
+                        <m:r>
+                          <a:rPr lang="en-US" sz="1000" i="1">
+                            <a:solidFill>
+                              <a:srgbClr val="009999"/>
+                            </a:solidFill>
+                            <a:latin typeface="Latin Modern Math" panose="02000503000000000000" pitchFamily="50" charset="0"/>
+                            <a:ea typeface="Latin Modern Math" panose="02000503000000000000" pitchFamily="50" charset="0"/>
+                          </a:rPr>
+                          <m:t>𝑖𝑗</m:t>
+                        </m:r>
+                      </m:sub>
+                    </m:sSub>
+                  </m:oMath>
+                </a14:m>
+                <a:r>
+                  <a:rPr lang="en-US" sz="1000" dirty="0">
+                    <a:solidFill>
+                      <a:schemeClr val="tx1"/>
+                    </a:solidFill>
+                    <a:latin typeface="cmr10" panose="020B0500000000000000" pitchFamily="34" charset="0"/>
+                  </a:rPr>
+                  <a:t>: latent occupancy state at the sample level</a:t>
+                </a:r>
+              </a:p>
+              <a:p>
+                <a:endParaRPr lang="en-US" sz="1000" i="1" dirty="0">
+                  <a:solidFill>
+                    <a:srgbClr val="FF6600"/>
+                  </a:solidFill>
+                  <a:latin typeface="Cambria Math" panose="02040503050406030204" pitchFamily="18" charset="0"/>
+                  <a:ea typeface="Latin Modern Math" panose="02000503000000000000" pitchFamily="50" charset="0"/>
+                </a:endParaRPr>
+              </a:p>
+              <a:p>
+                <a:pPr/>
+                <a14:m>
+                  <m:oMathPara xmlns:m="http://schemas.openxmlformats.org/officeDocument/2006/math">
+                    <m:oMathParaPr>
+                      <m:jc m:val="left"/>
+                    </m:oMathParaPr>
+                    <m:oMath xmlns:m="http://schemas.openxmlformats.org/officeDocument/2006/math">
+                      <m:sSub>
+                        <m:sSubPr>
+                          <m:ctrlPr>
+                            <a:rPr lang="en-US" sz="1000" i="1">
+                              <a:solidFill>
+                                <a:srgbClr val="FF6600"/>
+                              </a:solidFill>
+                              <a:latin typeface="Cambria Math" panose="02040503050406030204" pitchFamily="18" charset="0"/>
+                              <a:ea typeface="Latin Modern Math" panose="02000503000000000000" pitchFamily="50" charset="0"/>
+                            </a:rPr>
+                          </m:ctrlPr>
+                        </m:sSubPr>
+                        <m:e>
+                          <m:r>
+                            <a:rPr lang="en-US" sz="1000" i="1">
+                              <a:solidFill>
+                                <a:srgbClr val="FF6600"/>
+                              </a:solidFill>
+                              <a:latin typeface="Latin Modern Math" panose="02000503000000000000" pitchFamily="50" charset="0"/>
+                              <a:ea typeface="Latin Modern Math" panose="02000503000000000000" pitchFamily="50" charset="0"/>
+                            </a:rPr>
+                            <m:t>𝑌</m:t>
+                          </m:r>
+                        </m:e>
+                        <m:sub>
+                          <m:r>
+                            <a:rPr lang="en-US" sz="1000" i="1">
+                              <a:solidFill>
+                                <a:srgbClr val="FF6600"/>
+                              </a:solidFill>
+                              <a:latin typeface="Latin Modern Math" panose="02000503000000000000" pitchFamily="50" charset="0"/>
+                              <a:ea typeface="Latin Modern Math" panose="02000503000000000000" pitchFamily="50" charset="0"/>
+                            </a:rPr>
+                            <m:t>𝑖𝑗</m:t>
+                          </m:r>
+                        </m:sub>
+                      </m:sSub>
+                      <m:r>
+                        <a:rPr lang="en-US" sz="1000" i="1" smtClean="0">
+                          <a:solidFill>
+                            <a:schemeClr val="tx1"/>
+                          </a:solidFill>
+                          <a:latin typeface="Latin Modern Math" panose="02000503000000000000" pitchFamily="50" charset="0"/>
+                          <a:ea typeface="Latin Modern Math" panose="02000503000000000000" pitchFamily="50" charset="0"/>
+                        </a:rPr>
+                        <m:t>|</m:t>
+                      </m:r>
+                      <m:sSub>
+                        <m:sSubPr>
+                          <m:ctrlPr>
+                            <a:rPr lang="en-US" sz="1000" i="1">
+                              <a:solidFill>
+                                <a:srgbClr val="009999"/>
+                              </a:solidFill>
+                              <a:latin typeface="Cambria Math" panose="02040503050406030204" pitchFamily="18" charset="0"/>
+                              <a:ea typeface="Latin Modern Math" panose="02000503000000000000" pitchFamily="50" charset="0"/>
+                            </a:rPr>
+                          </m:ctrlPr>
+                        </m:sSubPr>
+                        <m:e>
+                          <m:r>
+                            <a:rPr lang="en-US" sz="1000" i="1">
+                              <a:solidFill>
+                                <a:srgbClr val="009999"/>
+                              </a:solidFill>
+                              <a:latin typeface="Latin Modern Math" panose="02000503000000000000" pitchFamily="50" charset="0"/>
+                              <a:ea typeface="Latin Modern Math" panose="02000503000000000000" pitchFamily="50" charset="0"/>
+                            </a:rPr>
+                            <m:t>𝑎</m:t>
+                          </m:r>
+                        </m:e>
+                        <m:sub>
+                          <m:r>
+                            <a:rPr lang="en-US" sz="1000" i="1">
+                              <a:solidFill>
+                                <a:srgbClr val="009999"/>
+                              </a:solidFill>
+                              <a:latin typeface="Latin Modern Math" panose="02000503000000000000" pitchFamily="50" charset="0"/>
+                              <a:ea typeface="Latin Modern Math" panose="02000503000000000000" pitchFamily="50" charset="0"/>
+                            </a:rPr>
+                            <m:t>𝑖𝑗</m:t>
+                          </m:r>
+                        </m:sub>
+                      </m:sSub>
+                      <m:r>
+                        <a:rPr lang="en-US" sz="1000" i="1">
+                          <a:latin typeface="Latin Modern Math" panose="02000503000000000000" pitchFamily="50" charset="0"/>
+                          <a:ea typeface="Latin Modern Math" panose="02000503000000000000" pitchFamily="50" charset="0"/>
+                        </a:rPr>
+                        <m:t> </m:t>
+                      </m:r>
+                      <m:r>
+                        <a:rPr lang="en-US" sz="1000" i="1" smtClean="0">
+                          <a:solidFill>
+                            <a:schemeClr val="tx1"/>
+                          </a:solidFill>
+                          <a:latin typeface="Latin Modern Math" panose="02000503000000000000" pitchFamily="50" charset="0"/>
+                          <a:ea typeface="Latin Modern Math" panose="02000503000000000000" pitchFamily="50" charset="0"/>
+                        </a:rPr>
+                        <m:t>~ </m:t>
+                      </m:r>
+                      <m:r>
+                        <a:rPr lang="en-US" sz="1000" i="1" smtClean="0">
+                          <a:solidFill>
+                            <a:schemeClr val="tx1"/>
+                          </a:solidFill>
+                          <a:latin typeface="Latin Modern Math" panose="02000503000000000000" pitchFamily="50" charset="0"/>
+                          <a:ea typeface="Latin Modern Math" panose="02000503000000000000" pitchFamily="50" charset="0"/>
+                        </a:rPr>
+                        <m:t>𝐵𝑖𝑛𝑜𝑚𝑖𝑎𝑙</m:t>
+                      </m:r>
+                      <m:r>
+                        <a:rPr lang="en-US" sz="1000" i="1" smtClean="0">
+                          <a:solidFill>
+                            <a:schemeClr val="tx1"/>
+                          </a:solidFill>
+                          <a:latin typeface="Latin Modern Math" panose="02000503000000000000" pitchFamily="50" charset="0"/>
+                          <a:ea typeface="Latin Modern Math" panose="02000503000000000000" pitchFamily="50" charset="0"/>
+                        </a:rPr>
+                        <m:t>(</m:t>
+                      </m:r>
+                      <m:sSub>
+                        <m:sSubPr>
+                          <m:ctrlPr>
+                            <a:rPr lang="en-US" sz="1000" i="1">
+                              <a:solidFill>
+                                <a:srgbClr val="009999"/>
+                              </a:solidFill>
+                              <a:latin typeface="Cambria Math" panose="02040503050406030204" pitchFamily="18" charset="0"/>
+                              <a:ea typeface="Latin Modern Math" panose="02000503000000000000" pitchFamily="50" charset="0"/>
+                            </a:rPr>
+                          </m:ctrlPr>
+                        </m:sSubPr>
+                        <m:e>
+                          <m:r>
+                            <a:rPr lang="en-US" sz="1000" i="1">
+                              <a:solidFill>
+                                <a:srgbClr val="009999"/>
+                              </a:solidFill>
+                              <a:latin typeface="Latin Modern Math" panose="02000503000000000000" pitchFamily="50" charset="0"/>
+                              <a:ea typeface="Latin Modern Math" panose="02000503000000000000" pitchFamily="50" charset="0"/>
+                            </a:rPr>
+                            <m:t>𝐾</m:t>
+                          </m:r>
+                        </m:e>
+                        <m:sub>
+                          <m:r>
+                            <a:rPr lang="en-US" sz="1000" i="1">
+                              <a:solidFill>
+                                <a:srgbClr val="009999"/>
+                              </a:solidFill>
+                              <a:latin typeface="Latin Modern Math" panose="02000503000000000000" pitchFamily="50" charset="0"/>
+                              <a:ea typeface="Latin Modern Math" panose="02000503000000000000" pitchFamily="50" charset="0"/>
+                            </a:rPr>
+                            <m:t>𝑖𝑗</m:t>
+                          </m:r>
+                        </m:sub>
+                      </m:sSub>
+                      <m:r>
+                        <a:rPr lang="en-US" sz="1000" i="1">
+                          <a:solidFill>
+                            <a:schemeClr val="tx1"/>
+                          </a:solidFill>
+                          <a:latin typeface="Latin Modern Math" panose="02000503000000000000" pitchFamily="50" charset="0"/>
+                          <a:ea typeface="Latin Modern Math" panose="02000503000000000000" pitchFamily="50" charset="0"/>
+                        </a:rPr>
+                        <m:t>,</m:t>
+                      </m:r>
+                      <m:r>
+                        <a:rPr lang="en-US" sz="1000" i="1">
+                          <a:solidFill>
+                            <a:srgbClr val="009999"/>
+                          </a:solidFill>
+                          <a:latin typeface="Latin Modern Math" panose="02000503000000000000" pitchFamily="50" charset="0"/>
+                          <a:ea typeface="Latin Modern Math" panose="02000503000000000000" pitchFamily="50" charset="0"/>
+                        </a:rPr>
+                        <m:t> </m:t>
+                      </m:r>
+                      <m:sSub>
+                        <m:sSubPr>
+                          <m:ctrlPr>
+                            <a:rPr lang="en-US" sz="1000" i="1">
+                              <a:solidFill>
+                                <a:srgbClr val="009999"/>
+                              </a:solidFill>
+                              <a:latin typeface="Cambria Math" panose="02040503050406030204" pitchFamily="18" charset="0"/>
+                              <a:ea typeface="Latin Modern Math" panose="02000503000000000000" pitchFamily="50" charset="0"/>
+                            </a:rPr>
+                          </m:ctrlPr>
+                        </m:sSubPr>
+                        <m:e>
+                          <m:r>
+                            <a:rPr lang="en-US" sz="1000" i="1">
+                              <a:solidFill>
+                                <a:srgbClr val="009999"/>
+                              </a:solidFill>
+                              <a:latin typeface="Latin Modern Math" panose="02000503000000000000" pitchFamily="50" charset="0"/>
+                              <a:ea typeface="Latin Modern Math" panose="02000503000000000000" pitchFamily="50" charset="0"/>
+                            </a:rPr>
+                            <m:t> </m:t>
+                          </m:r>
+                          <m:r>
+                            <a:rPr lang="en-US" sz="1000" i="1">
+                              <a:solidFill>
+                                <a:srgbClr val="009999"/>
+                              </a:solidFill>
+                              <a:latin typeface="Latin Modern Math" panose="02000503000000000000" pitchFamily="50" charset="0"/>
+                              <a:ea typeface="Latin Modern Math" panose="02000503000000000000" pitchFamily="50" charset="0"/>
+                            </a:rPr>
+                            <m:t>𝑎</m:t>
+                          </m:r>
+                        </m:e>
+                        <m:sub>
+                          <m:r>
+                            <a:rPr lang="en-US" sz="1000" i="1">
+                              <a:solidFill>
+                                <a:srgbClr val="009999"/>
+                              </a:solidFill>
+                              <a:latin typeface="Latin Modern Math" panose="02000503000000000000" pitchFamily="50" charset="0"/>
+                              <a:ea typeface="Latin Modern Math" panose="02000503000000000000" pitchFamily="50" charset="0"/>
+                            </a:rPr>
+                            <m:t>𝑖𝑗</m:t>
+                          </m:r>
+                        </m:sub>
+                      </m:sSub>
+                      <m:sSub>
+                        <m:sSubPr>
+                          <m:ctrlPr>
+                            <a:rPr lang="en-US" sz="1000" i="1">
+                              <a:solidFill>
+                                <a:srgbClr val="FF6600"/>
+                              </a:solidFill>
+                              <a:latin typeface="Cambria Math" panose="02040503050406030204" pitchFamily="18" charset="0"/>
+                              <a:ea typeface="Latin Modern Math" panose="02000503000000000000" pitchFamily="50" charset="0"/>
+                            </a:rPr>
+                          </m:ctrlPr>
+                        </m:sSubPr>
+                        <m:e>
+                          <m:r>
+                            <a:rPr lang="en-US" sz="1000" i="1">
+                              <a:solidFill>
+                                <a:srgbClr val="FF6600"/>
+                              </a:solidFill>
+                              <a:latin typeface="Latin Modern Math" panose="02000503000000000000" pitchFamily="50" charset="0"/>
+                              <a:ea typeface="Latin Modern Math" panose="02000503000000000000" pitchFamily="50" charset="0"/>
+                            </a:rPr>
+                            <m:t>𝑝</m:t>
+                          </m:r>
+                        </m:e>
+                        <m:sub>
+                          <m:r>
+                            <a:rPr lang="en-US" sz="1000" i="1">
+                              <a:solidFill>
+                                <a:srgbClr val="FF6600"/>
+                              </a:solidFill>
+                              <a:latin typeface="Latin Modern Math" panose="02000503000000000000" pitchFamily="50" charset="0"/>
+                              <a:ea typeface="Latin Modern Math" panose="02000503000000000000" pitchFamily="50" charset="0"/>
+                            </a:rPr>
+                            <m:t>𝑖𝑗</m:t>
+                          </m:r>
+                        </m:sub>
+                      </m:sSub>
+                      <m:r>
+                        <a:rPr lang="en-US" sz="1000" i="1" smtClean="0">
+                          <a:solidFill>
+                            <a:schemeClr val="tx1"/>
+                          </a:solidFill>
+                          <a:latin typeface="Latin Modern Math" panose="02000503000000000000" pitchFamily="50" charset="0"/>
+                          <a:ea typeface="Latin Modern Math" panose="02000503000000000000" pitchFamily="50" charset="0"/>
+                        </a:rPr>
+                        <m:t>)</m:t>
+                      </m:r>
+                    </m:oMath>
+                  </m:oMathPara>
+                </a14:m>
+                <a:endParaRPr lang="en-US" sz="1000" dirty="0">
+                  <a:latin typeface="Latin Modern Math" panose="02000503000000000000" pitchFamily="50" charset="0"/>
+                  <a:ea typeface="Latin Modern Math" panose="02000503000000000000" pitchFamily="50" charset="0"/>
+                </a:endParaRPr>
+              </a:p>
+              <a:p>
+                <a14:m>
+                  <m:oMath xmlns:m="http://schemas.openxmlformats.org/officeDocument/2006/math">
+                    <m:sSub>
+                      <m:sSubPr>
+                        <m:ctrlPr>
+                          <a:rPr lang="en-US" sz="1000" i="1">
+                            <a:solidFill>
+                              <a:srgbClr val="FF6600"/>
+                            </a:solidFill>
+                            <a:latin typeface="Cambria Math" panose="02040503050406030204" pitchFamily="18" charset="0"/>
+                            <a:ea typeface="Latin Modern Math" panose="02000503000000000000" pitchFamily="50" charset="0"/>
+                          </a:rPr>
+                        </m:ctrlPr>
+                      </m:sSubPr>
+                      <m:e>
+                        <m:r>
+                          <a:rPr lang="en-US" sz="1000" i="1">
+                            <a:solidFill>
+                              <a:srgbClr val="FF6600"/>
+                            </a:solidFill>
+                            <a:latin typeface="Latin Modern Math" panose="02000503000000000000" pitchFamily="50" charset="0"/>
+                            <a:ea typeface="Latin Modern Math" panose="02000503000000000000" pitchFamily="50" charset="0"/>
+                          </a:rPr>
+                          <m:t>𝑝</m:t>
+                        </m:r>
+                      </m:e>
+                      <m:sub>
+                        <m:r>
+                          <a:rPr lang="en-US" sz="1000" i="1">
+                            <a:solidFill>
+                              <a:srgbClr val="FF6600"/>
+                            </a:solidFill>
+                            <a:latin typeface="Latin Modern Math" panose="02000503000000000000" pitchFamily="50" charset="0"/>
+                            <a:ea typeface="Latin Modern Math" panose="02000503000000000000" pitchFamily="50" charset="0"/>
+                          </a:rPr>
+                          <m:t>𝑖𝑗</m:t>
+                        </m:r>
+                      </m:sub>
+                    </m:sSub>
+                  </m:oMath>
+                </a14:m>
+                <a:r>
+                  <a:rPr lang="en-US" sz="1000" dirty="0">
+                    <a:solidFill>
+                      <a:schemeClr val="tx1"/>
+                    </a:solidFill>
+                    <a:latin typeface="cmr10" panose="020B0500000000000000" pitchFamily="34" charset="0"/>
+                  </a:rPr>
+                  <a:t>: conditional probability of detection of eDNA in each replicate of the</a:t>
+                </a:r>
+                <a:r>
+                  <a:rPr lang="en-US" sz="1000" dirty="0">
+                    <a:solidFill>
+                      <a:schemeClr val="tx1"/>
+                    </a:solidFill>
+                    <a:latin typeface="cmr10" panose="020B0500000000000000" pitchFamily="34" charset="0"/>
+                    <a:ea typeface="Latin Modern Math" panose="02000503000000000000" pitchFamily="50" charset="0"/>
+                  </a:rPr>
+                  <a:t> </a:t>
+                </a:r>
+                <a14:m>
+                  <m:oMath xmlns:m="http://schemas.openxmlformats.org/officeDocument/2006/math">
+                    <m:sSup>
+                      <m:sSupPr>
+                        <m:ctrlPr>
+                          <a:rPr lang="en-US" sz="1000" i="1">
+                            <a:solidFill>
+                              <a:schemeClr val="tx1"/>
+                            </a:solidFill>
+                            <a:latin typeface="Cambria Math" panose="02040503050406030204" pitchFamily="18" charset="0"/>
+                            <a:ea typeface="Latin Modern Math" panose="02000503000000000000" pitchFamily="50" charset="0"/>
+                          </a:rPr>
+                        </m:ctrlPr>
+                      </m:sSupPr>
+                      <m:e>
+                        <m:r>
+                          <a:rPr lang="en-US" sz="1000" i="1">
+                            <a:solidFill>
+                              <a:schemeClr val="tx1"/>
+                            </a:solidFill>
+                            <a:latin typeface="Latin Modern Math" panose="02000503000000000000" pitchFamily="50" charset="0"/>
+                            <a:ea typeface="Latin Modern Math" panose="02000503000000000000" pitchFamily="50" charset="0"/>
+                          </a:rPr>
+                          <m:t>𝑗</m:t>
+                        </m:r>
+                      </m:e>
+                      <m:sup>
+                        <m:r>
+                          <a:rPr lang="en-US" sz="1000" i="1">
+                            <a:solidFill>
+                              <a:schemeClr val="tx1"/>
+                            </a:solidFill>
+                            <a:latin typeface="Cambria Math" panose="02040503050406030204" pitchFamily="18" charset="0"/>
+                            <a:ea typeface="Latin Modern Math" panose="02000503000000000000" pitchFamily="50" charset="0"/>
+                          </a:rPr>
+                          <m:t>𝑡</m:t>
+                        </m:r>
+                        <m:r>
+                          <a:rPr lang="en-US" sz="1000" i="1">
+                            <a:solidFill>
+                              <a:schemeClr val="tx1"/>
+                            </a:solidFill>
+                            <a:latin typeface="Cambria Math" panose="02040503050406030204" pitchFamily="18" charset="0"/>
+                            <a:ea typeface="Cambria Math" panose="02040503050406030204" pitchFamily="18" charset="0"/>
+                          </a:rPr>
+                          <m:t>h</m:t>
+                        </m:r>
+                      </m:sup>
+                    </m:sSup>
+                  </m:oMath>
+                </a14:m>
+                <a:r>
+                  <a:rPr lang="en-US" sz="1000" dirty="0">
+                    <a:solidFill>
+                      <a:schemeClr val="tx1"/>
+                    </a:solidFill>
+                    <a:latin typeface="cmr10" panose="020B0500000000000000" pitchFamily="34" charset="0"/>
+                    <a:ea typeface="Latin Modern Math" panose="02000503000000000000" pitchFamily="50" charset="0"/>
+                  </a:rPr>
+                  <a:t> </a:t>
+                </a:r>
+                <a:r>
+                  <a:rPr lang="en-US" sz="1000" dirty="0">
+                    <a:solidFill>
+                      <a:schemeClr val="tx1"/>
+                    </a:solidFill>
+                    <a:latin typeface="cmr10" panose="020B0500000000000000" pitchFamily="34" charset="0"/>
+                  </a:rPr>
+                  <a:t>sample</a:t>
+                </a:r>
+              </a:p>
+              <a:p>
+                <a:r>
+                  <a:rPr lang="en-US" sz="1000" dirty="0">
+                    <a:solidFill>
+                      <a:schemeClr val="tx1"/>
+                    </a:solidFill>
+                    <a:latin typeface="cmr10" panose="020B0500000000000000" pitchFamily="34" charset="0"/>
+                  </a:rPr>
+                  <a:t>     collected at the </a:t>
+                </a:r>
+                <a14:m>
+                  <m:oMath xmlns:m="http://schemas.openxmlformats.org/officeDocument/2006/math">
+                    <m:sSup>
+                      <m:sSupPr>
+                        <m:ctrlPr>
+                          <a:rPr lang="en-US" sz="1000" i="1">
+                            <a:solidFill>
+                              <a:schemeClr val="tx1"/>
+                            </a:solidFill>
+                            <a:latin typeface="Cambria Math" panose="02040503050406030204" pitchFamily="18" charset="0"/>
+                            <a:ea typeface="Latin Modern Math" panose="02000503000000000000" pitchFamily="50" charset="0"/>
+                          </a:rPr>
+                        </m:ctrlPr>
+                      </m:sSupPr>
+                      <m:e>
+                        <m:r>
+                          <a:rPr lang="en-US" sz="1000" i="1">
+                            <a:solidFill>
+                              <a:schemeClr val="tx1"/>
+                            </a:solidFill>
+                            <a:latin typeface="Latin Modern Math" panose="02000503000000000000" pitchFamily="50" charset="0"/>
+                            <a:ea typeface="Latin Modern Math" panose="02000503000000000000" pitchFamily="50" charset="0"/>
+                          </a:rPr>
+                          <m:t>𝑖</m:t>
+                        </m:r>
+                      </m:e>
+                      <m:sup>
+                        <m:r>
+                          <a:rPr lang="en-US" sz="1000" i="1">
+                            <a:solidFill>
+                              <a:schemeClr val="tx1"/>
+                            </a:solidFill>
+                            <a:latin typeface="Cambria Math" panose="02040503050406030204" pitchFamily="18" charset="0"/>
+                            <a:ea typeface="Latin Modern Math" panose="02000503000000000000" pitchFamily="50" charset="0"/>
+                          </a:rPr>
+                          <m:t>𝑡</m:t>
+                        </m:r>
+                        <m:r>
+                          <a:rPr lang="en-US" sz="1000" i="1">
+                            <a:solidFill>
+                              <a:schemeClr val="tx1"/>
+                            </a:solidFill>
+                            <a:latin typeface="Cambria Math" panose="02040503050406030204" pitchFamily="18" charset="0"/>
+                            <a:ea typeface="Cambria Math" panose="02040503050406030204" pitchFamily="18" charset="0"/>
+                          </a:rPr>
+                          <m:t>h</m:t>
+                        </m:r>
+                      </m:sup>
+                    </m:sSup>
+                  </m:oMath>
+                </a14:m>
+                <a:r>
+                  <a:rPr lang="en-US" sz="1000" dirty="0">
+                    <a:solidFill>
+                      <a:schemeClr val="tx1"/>
+                    </a:solidFill>
+                    <a:latin typeface="cmr10" panose="020B0500000000000000" pitchFamily="34" charset="0"/>
+                    <a:ea typeface="Latin Modern Math" panose="02000503000000000000" pitchFamily="50" charset="0"/>
+                  </a:rPr>
+                  <a:t> </a:t>
+                </a:r>
+                <a:r>
+                  <a:rPr lang="en-US" sz="1000" dirty="0">
+                    <a:solidFill>
+                      <a:schemeClr val="tx1"/>
+                    </a:solidFill>
+                    <a:latin typeface="cmr10" panose="020B0500000000000000" pitchFamily="34" charset="0"/>
+                  </a:rPr>
+                  <a:t>location, given that eDNA is present in that sample </a:t>
+                </a:r>
+              </a:p>
+              <a:p>
+                <a14:m>
+                  <m:oMath xmlns:m="http://schemas.openxmlformats.org/officeDocument/2006/math">
+                    <m:sSub>
+                      <m:sSubPr>
+                        <m:ctrlPr>
+                          <a:rPr lang="en-US" sz="1000" i="1">
+                            <a:solidFill>
+                              <a:srgbClr val="FF6600"/>
+                            </a:solidFill>
+                            <a:latin typeface="Cambria Math" panose="02040503050406030204" pitchFamily="18" charset="0"/>
+                            <a:ea typeface="Latin Modern Math" panose="02000503000000000000" pitchFamily="50" charset="0"/>
+                          </a:rPr>
+                        </m:ctrlPr>
+                      </m:sSubPr>
+                      <m:e>
+                        <m:r>
+                          <a:rPr lang="en-US" sz="1000" i="1">
+                            <a:solidFill>
+                              <a:srgbClr val="FF6600"/>
+                            </a:solidFill>
+                            <a:latin typeface="Latin Modern Math" panose="02000503000000000000" pitchFamily="50" charset="0"/>
+                            <a:ea typeface="Latin Modern Math" panose="02000503000000000000" pitchFamily="50" charset="0"/>
+                          </a:rPr>
+                          <m:t>𝑌</m:t>
+                        </m:r>
+                      </m:e>
+                      <m:sub>
+                        <m:r>
+                          <a:rPr lang="en-US" sz="1000" i="1">
+                            <a:solidFill>
+                              <a:srgbClr val="FF6600"/>
+                            </a:solidFill>
+                            <a:latin typeface="Latin Modern Math" panose="02000503000000000000" pitchFamily="50" charset="0"/>
+                            <a:ea typeface="Latin Modern Math" panose="02000503000000000000" pitchFamily="50" charset="0"/>
+                          </a:rPr>
+                          <m:t>𝑖𝑗</m:t>
+                        </m:r>
+                      </m:sub>
+                    </m:sSub>
+                  </m:oMath>
+                </a14:m>
+                <a:r>
+                  <a:rPr lang="en-US" sz="1000" dirty="0">
+                    <a:solidFill>
+                      <a:schemeClr val="tx1"/>
+                    </a:solidFill>
+                    <a:latin typeface="cmr10" panose="020B0500000000000000" pitchFamily="34" charset="0"/>
+                  </a:rPr>
+                  <a:t>: the number of the </a:t>
+                </a:r>
+                <a14:m>
+                  <m:oMath xmlns:m="http://schemas.openxmlformats.org/officeDocument/2006/math">
+                    <m:sSub>
+                      <m:sSubPr>
+                        <m:ctrlPr>
+                          <a:rPr lang="en-US" sz="1000" i="1">
+                            <a:solidFill>
+                              <a:srgbClr val="009999"/>
+                            </a:solidFill>
+                            <a:latin typeface="Cambria Math" panose="02040503050406030204" pitchFamily="18" charset="0"/>
+                            <a:ea typeface="Latin Modern Math" panose="02000503000000000000" pitchFamily="50" charset="0"/>
+                          </a:rPr>
+                        </m:ctrlPr>
+                      </m:sSubPr>
+                      <m:e>
+                        <m:r>
+                          <a:rPr lang="en-US" sz="1000" i="1">
+                            <a:solidFill>
+                              <a:srgbClr val="009999"/>
+                            </a:solidFill>
+                            <a:latin typeface="Latin Modern Math" panose="02000503000000000000" pitchFamily="50" charset="0"/>
+                            <a:ea typeface="Latin Modern Math" panose="02000503000000000000" pitchFamily="50" charset="0"/>
+                          </a:rPr>
+                          <m:t>𝐾</m:t>
+                        </m:r>
+                      </m:e>
+                      <m:sub>
+                        <m:r>
+                          <a:rPr lang="en-US" sz="1000" i="1">
+                            <a:solidFill>
+                              <a:srgbClr val="009999"/>
+                            </a:solidFill>
+                            <a:latin typeface="Latin Modern Math" panose="02000503000000000000" pitchFamily="50" charset="0"/>
+                            <a:ea typeface="Latin Modern Math" panose="02000503000000000000" pitchFamily="50" charset="0"/>
+                          </a:rPr>
+                          <m:t>𝑖𝑗</m:t>
+                        </m:r>
+                      </m:sub>
+                    </m:sSub>
+                  </m:oMath>
+                </a14:m>
+                <a:r>
+                  <a:rPr lang="en-US" sz="1000" dirty="0">
+                    <a:solidFill>
+                      <a:schemeClr val="tx1"/>
+                    </a:solidFill>
+                    <a:latin typeface="cmr10" panose="020B0500000000000000" pitchFamily="34" charset="0"/>
+                  </a:rPr>
+                  <a:t> replicates from the </a:t>
+                </a:r>
+                <a14:m>
+                  <m:oMath xmlns:m="http://schemas.openxmlformats.org/officeDocument/2006/math">
+                    <m:sSup>
+                      <m:sSupPr>
+                        <m:ctrlPr>
+                          <a:rPr lang="en-US" sz="1000" i="1">
+                            <a:solidFill>
+                              <a:schemeClr val="tx1"/>
+                            </a:solidFill>
+                            <a:latin typeface="Cambria Math" panose="02040503050406030204" pitchFamily="18" charset="0"/>
+                            <a:ea typeface="Latin Modern Math" panose="02000503000000000000" pitchFamily="50" charset="0"/>
+                          </a:rPr>
+                        </m:ctrlPr>
+                      </m:sSupPr>
+                      <m:e>
+                        <m:r>
+                          <a:rPr lang="en-US" sz="1000" i="1">
+                            <a:solidFill>
+                              <a:schemeClr val="tx1"/>
+                            </a:solidFill>
+                            <a:latin typeface="Latin Modern Math" panose="02000503000000000000" pitchFamily="50" charset="0"/>
+                            <a:ea typeface="Latin Modern Math" panose="02000503000000000000" pitchFamily="50" charset="0"/>
+                          </a:rPr>
+                          <m:t>𝑗</m:t>
+                        </m:r>
+                      </m:e>
+                      <m:sup>
+                        <m:r>
+                          <a:rPr lang="en-US" sz="1000" i="1">
+                            <a:solidFill>
+                              <a:schemeClr val="tx1"/>
+                            </a:solidFill>
+                            <a:latin typeface="Cambria Math" panose="02040503050406030204" pitchFamily="18" charset="0"/>
+                            <a:ea typeface="Latin Modern Math" panose="02000503000000000000" pitchFamily="50" charset="0"/>
+                          </a:rPr>
+                          <m:t>𝑡</m:t>
+                        </m:r>
+                        <m:r>
+                          <a:rPr lang="en-US" sz="1000" i="1">
+                            <a:solidFill>
+                              <a:schemeClr val="tx1"/>
+                            </a:solidFill>
+                            <a:latin typeface="Cambria Math" panose="02040503050406030204" pitchFamily="18" charset="0"/>
+                            <a:ea typeface="Cambria Math" panose="02040503050406030204" pitchFamily="18" charset="0"/>
+                          </a:rPr>
+                          <m:t>h</m:t>
+                        </m:r>
+                      </m:sup>
+                    </m:sSup>
+                  </m:oMath>
+                </a14:m>
+                <a:r>
+                  <a:rPr lang="en-US" sz="1000" dirty="0">
+                    <a:solidFill>
+                      <a:schemeClr val="tx1"/>
+                    </a:solidFill>
+                    <a:latin typeface="cmr10" panose="020B0500000000000000" pitchFamily="34" charset="0"/>
+                    <a:ea typeface="Latin Modern Math" panose="02000503000000000000" pitchFamily="50" charset="0"/>
+                  </a:rPr>
+                  <a:t> </a:t>
+                </a:r>
+                <a:r>
+                  <a:rPr lang="en-US" sz="1000" dirty="0">
+                    <a:solidFill>
+                      <a:schemeClr val="tx1"/>
+                    </a:solidFill>
+                    <a:latin typeface="cmr10" panose="020B0500000000000000" pitchFamily="34" charset="0"/>
+                  </a:rPr>
+                  <a:t>sample collected at the </a:t>
+                </a:r>
+                <a14:m>
+                  <m:oMath xmlns:m="http://schemas.openxmlformats.org/officeDocument/2006/math">
+                    <m:sSup>
+                      <m:sSupPr>
+                        <m:ctrlPr>
+                          <a:rPr lang="en-US" sz="1000" i="1">
+                            <a:solidFill>
+                              <a:schemeClr val="tx1"/>
+                            </a:solidFill>
+                            <a:latin typeface="Cambria Math" panose="02040503050406030204" pitchFamily="18" charset="0"/>
+                            <a:ea typeface="Latin Modern Math" panose="02000503000000000000" pitchFamily="50" charset="0"/>
+                          </a:rPr>
+                        </m:ctrlPr>
+                      </m:sSupPr>
+                      <m:e>
+                        <m:r>
+                          <a:rPr lang="en-US" sz="1000" i="1">
+                            <a:solidFill>
+                              <a:schemeClr val="tx1"/>
+                            </a:solidFill>
+                            <a:latin typeface="Latin Modern Math" panose="02000503000000000000" pitchFamily="50" charset="0"/>
+                            <a:ea typeface="Latin Modern Math" panose="02000503000000000000" pitchFamily="50" charset="0"/>
+                          </a:rPr>
+                          <m:t>𝑖</m:t>
+                        </m:r>
+                      </m:e>
+                      <m:sup>
+                        <m:r>
+                          <a:rPr lang="en-US" sz="1000" i="1">
+                            <a:solidFill>
+                              <a:schemeClr val="tx1"/>
+                            </a:solidFill>
+                            <a:latin typeface="Cambria Math" panose="02040503050406030204" pitchFamily="18" charset="0"/>
+                            <a:ea typeface="Latin Modern Math" panose="02000503000000000000" pitchFamily="50" charset="0"/>
+                          </a:rPr>
+                          <m:t>𝑡</m:t>
+                        </m:r>
+                        <m:r>
+                          <a:rPr lang="en-US" sz="1000" i="1">
+                            <a:solidFill>
+                              <a:schemeClr val="tx1"/>
+                            </a:solidFill>
+                            <a:latin typeface="Cambria Math" panose="02040503050406030204" pitchFamily="18" charset="0"/>
+                            <a:ea typeface="Cambria Math" panose="02040503050406030204" pitchFamily="18" charset="0"/>
+                          </a:rPr>
+                          <m:t>h</m:t>
+                        </m:r>
+                      </m:sup>
+                    </m:sSup>
+                  </m:oMath>
+                </a14:m>
+                <a:r>
+                  <a:rPr lang="en-US" sz="1000" dirty="0">
+                    <a:solidFill>
+                      <a:schemeClr val="tx1"/>
+                    </a:solidFill>
+                    <a:latin typeface="cmr10" panose="020B0500000000000000" pitchFamily="34" charset="0"/>
+                  </a:rPr>
+                  <a:t> </a:t>
+                </a:r>
+              </a:p>
+              <a:p>
+                <a:r>
+                  <a:rPr lang="en-US" sz="1000" dirty="0">
+                    <a:solidFill>
+                      <a:schemeClr val="tx1"/>
+                    </a:solidFill>
+                    <a:latin typeface="cmr10" panose="020B0500000000000000" pitchFamily="34" charset="0"/>
+                  </a:rPr>
+                  <a:t>     location that contain eDNA</a:t>
+                </a:r>
+                <a:endParaRPr lang="en-US" sz="1000" dirty="0">
+                  <a:latin typeface="cmr10" panose="020B0500000000000000" pitchFamily="34" charset="0"/>
+                </a:endParaRPr>
+              </a:p>
+            </p:txBody>
+          </p:sp>
+        </mc:Choice>
+        <mc:Fallback>
+          <p:sp>
+            <p:nvSpPr>
+              <p:cNvPr id="5" name="Rectangle 4">
+                <a:extLst>
+                  <a:ext uri="{FF2B5EF4-FFF2-40B4-BE49-F238E27FC236}">
+                    <a16:creationId xmlns:a16="http://schemas.microsoft.com/office/drawing/2014/main" id="{B0BB2307-923B-4BB7-9B18-C252EEDDF8C2}"/>
+                  </a:ext>
+                </a:extLst>
+              </p:cNvPr>
+              <p:cNvSpPr>
+                <a:spLocks noRot="1" noChangeAspect="1" noMove="1" noResize="1" noEditPoints="1" noAdjustHandles="1" noChangeArrowheads="1" noChangeShapeType="1" noTextEdit="1"/>
+              </p:cNvSpPr>
+              <p:nvPr/>
+            </p:nvSpPr>
+            <p:spPr>
+              <a:xfrm>
+                <a:off x="3648650" y="4265276"/>
+                <a:ext cx="4894692" cy="2509772"/>
+              </a:xfrm>
+              <a:prstGeom prst="rect">
+                <a:avLst/>
+              </a:prstGeom>
+              <a:blipFill>
+                <a:blip r:embed="rId3"/>
+                <a:stretch>
+                  <a:fillRect/>
+                </a:stretch>
+              </a:blipFill>
+              <a:ln>
+                <a:noFill/>
+              </a:ln>
+            </p:spPr>
+            <p:txBody>
+              <a:bodyPr/>
+              <a:lstStyle/>
+              <a:p>
+                <a:r>
+                  <a:rPr lang="en-US">
+                    <a:noFill/>
+                  </a:rPr>
+                  <a:t> </a:t>
+                </a:r>
+              </a:p>
+            </p:txBody>
+          </p:sp>
+        </mc:Fallback>
+      </mc:AlternateContent>
+      <p:sp>
+        <p:nvSpPr>
+          <p:cNvPr id="41" name="Rectangle: Rounded Corners 40">
+            <a:extLst>
+              <a:ext uri="{FF2B5EF4-FFF2-40B4-BE49-F238E27FC236}">
+                <a16:creationId xmlns:a16="http://schemas.microsoft.com/office/drawing/2014/main" id="{154C6270-0FB1-4DAB-B6C0-F4C58443485F}"/>
+              </a:ext>
+            </a:extLst>
+          </p:cNvPr>
+          <p:cNvSpPr/>
+          <p:nvPr/>
+        </p:nvSpPr>
+        <p:spPr>
+          <a:xfrm>
+            <a:off x="76302" y="1009483"/>
+            <a:ext cx="3427258" cy="272308"/>
+          </a:xfrm>
+          <a:prstGeom prst="roundRect">
+            <a:avLst>
+              <a:gd name="adj" fmla="val 0"/>
+            </a:avLst>
+          </a:prstGeom>
+          <a:solidFill>
+            <a:schemeClr val="bg1">
+              <a:lumMod val="85000"/>
+            </a:schemeClr>
+          </a:solidFill>
+          <a:ln>
+            <a:noFill/>
+          </a:ln>
+        </p:spPr>
+        <p:style>
+          <a:lnRef idx="2">
+            <a:schemeClr val="accent1">
+              <a:shade val="50000"/>
+            </a:schemeClr>
+          </a:lnRef>
+          <a:fillRef idx="1">
+            <a:schemeClr val="accent1"/>
+          </a:fillRef>
+          <a:effectRef idx="0">
+            <a:schemeClr val="accent1"/>
+          </a:effectRef>
+          <a:fontRef idx="minor">
+            <a:schemeClr val="lt1"/>
+          </a:fontRef>
+        </p:style>
+        <p:txBody>
+          <a:bodyPr rtlCol="0" anchor="ctr"/>
+          <a:lstStyle/>
+          <a:p>
+            <a:pPr algn="ctr"/>
+            <a:r>
+              <a:rPr lang="en-US" sz="1400" b="1" dirty="0">
+                <a:solidFill>
+                  <a:schemeClr val="tx1"/>
+                </a:solidFill>
+                <a:latin typeface="cmr10" panose="020B0500000000000000" pitchFamily="34" charset="0"/>
+              </a:rPr>
+              <a:t>Motivation</a:t>
+            </a:r>
+          </a:p>
+        </p:txBody>
+      </p:sp>
+      <p:sp>
+        <p:nvSpPr>
+          <p:cNvPr id="40" name="Rectangle: Rounded Corners 39">
+            <a:extLst>
+              <a:ext uri="{FF2B5EF4-FFF2-40B4-BE49-F238E27FC236}">
+                <a16:creationId xmlns:a16="http://schemas.microsoft.com/office/drawing/2014/main" id="{2B3F8856-08D3-4244-B26D-D7F35720BDCD}"/>
+              </a:ext>
+            </a:extLst>
+          </p:cNvPr>
+          <p:cNvSpPr/>
+          <p:nvPr/>
+        </p:nvSpPr>
+        <p:spPr>
+          <a:xfrm>
+            <a:off x="79197" y="75926"/>
+            <a:ext cx="12044542" cy="878683"/>
+          </a:xfrm>
+          <a:prstGeom prst="roundRect">
+            <a:avLst>
+              <a:gd name="adj" fmla="val 0"/>
+            </a:avLst>
+          </a:prstGeom>
+          <a:solidFill>
+            <a:schemeClr val="bg1">
+              <a:lumMod val="85000"/>
+            </a:schemeClr>
+          </a:solidFill>
+          <a:ln>
+            <a:noFill/>
+          </a:ln>
+        </p:spPr>
+        <p:style>
+          <a:lnRef idx="2">
+            <a:schemeClr val="accent1">
+              <a:shade val="50000"/>
+            </a:schemeClr>
+          </a:lnRef>
+          <a:fillRef idx="1">
+            <a:schemeClr val="accent1"/>
+          </a:fillRef>
+          <a:effectRef idx="0">
+            <a:schemeClr val="accent1"/>
+          </a:effectRef>
+          <a:fontRef idx="minor">
+            <a:schemeClr val="lt1"/>
+          </a:fontRef>
+        </p:style>
+        <p:txBody>
+          <a:bodyPr rtlCol="0" anchor="ctr"/>
+          <a:lstStyle/>
+          <a:p>
+            <a:pPr algn="ctr"/>
+            <a:endParaRPr lang="en-US"/>
           </a:p>
         </p:txBody>
       </p:sp>
@@ -3556,60 +6379,49 @@
         </p:nvSpPr>
         <p:spPr>
           <a:xfrm>
-            <a:off x="73727" y="65990"/>
-            <a:ext cx="2952102" cy="946357"/>
+            <a:off x="73726" y="79374"/>
+            <a:ext cx="12044542" cy="534144"/>
           </a:xfrm>
         </p:spPr>
         <p:txBody>
           <a:bodyPr>
-            <a:normAutofit fontScale="90000"/>
+            <a:noAutofit/>
           </a:bodyPr>
           <a:lstStyle/>
           <a:p>
-            <a:r>
-              <a:rPr lang="en-US" sz="2800" dirty="0">
+            <a:pPr algn="ctr"/>
+            <a:r>
+              <a:rPr lang="en-US" sz="1700" b="1" dirty="0">
                 <a:latin typeface="cmr10" panose="020B0500000000000000" pitchFamily="34" charset="0"/>
               </a:rPr>
-              <a:t>TITLE…………………………………..</a:t>
+              <a:t>Multi-scale occupancy modeling of </a:t>
+            </a:r>
+            <a:r>
+              <a:rPr lang="en-US" sz="1700" b="1" dirty="0" err="1">
+                <a:latin typeface="cmr10" panose="020B0500000000000000" pitchFamily="34" charset="0"/>
+              </a:rPr>
+              <a:t>dreissenid</a:t>
+            </a:r>
+            <a:r>
+              <a:rPr lang="en-US" sz="1700" b="1" dirty="0">
+                <a:latin typeface="cmr10" panose="020B0500000000000000" pitchFamily="34" charset="0"/>
+              </a:rPr>
+              <a:t> mussels: </a:t>
+            </a:r>
+            <a:br>
+              <a:rPr lang="en-US" sz="1700" b="1" dirty="0">
+                <a:latin typeface="cmr10" panose="020B0500000000000000" pitchFamily="34" charset="0"/>
+              </a:rPr>
+            </a:br>
+            <a:r>
+              <a:rPr lang="en-US" sz="1700" b="1" dirty="0">
+                <a:latin typeface="cmr10" panose="020B0500000000000000" pitchFamily="34" charset="0"/>
+              </a:rPr>
+              <a:t>a comparison of eDNA and plankton tow survey methods </a:t>
             </a:r>
           </a:p>
         </p:txBody>
       </p:sp>
-      <p:pic>
-        <p:nvPicPr>
-          <p:cNvPr id="14" name="Content Placeholder 13" descr="A picture containing outdoor, rock, mountain, reef&#10;&#10;Description automatically generated">
-            <a:extLst>
-              <a:ext uri="{FF2B5EF4-FFF2-40B4-BE49-F238E27FC236}">
-                <a16:creationId xmlns:a16="http://schemas.microsoft.com/office/drawing/2014/main" id="{FC49E69A-EC97-4C82-AE5B-DD354DA6B407}"/>
-              </a:ext>
-            </a:extLst>
-          </p:cNvPr>
-          <p:cNvPicPr>
-            <a:picLocks noGrp="1" noChangeAspect="1"/>
-          </p:cNvPicPr>
-          <p:nvPr>
-            <p:ph idx="1"/>
-          </p:nvPr>
-        </p:nvPicPr>
-        <p:blipFill>
-          <a:blip r:embed="rId2">
-            <a:extLst>
-              <a:ext uri="{28A0092B-C50C-407E-A947-70E740481C1C}">
-                <a14:useLocalDpi xmlns:a14="http://schemas.microsoft.com/office/drawing/2010/main" val="0"/>
-              </a:ext>
-            </a:extLst>
-          </a:blip>
-          <a:stretch>
-            <a:fillRect/>
-          </a:stretch>
-        </p:blipFill>
-        <p:spPr>
-          <a:xfrm>
-            <a:off x="7339907" y="-2228073"/>
-            <a:ext cx="3143417" cy="1750938"/>
-          </a:xfrm>
-        </p:spPr>
-      </p:pic>
       <p:sp>
         <p:nvSpPr>
           <p:cNvPr id="6" name="Text Placeholder 5">
@@ -3628,8 +6440,8 @@
         </p:nvSpPr>
         <p:spPr>
           <a:xfrm>
-            <a:off x="73727" y="1212227"/>
-            <a:ext cx="2952101" cy="1655618"/>
+            <a:off x="79195" y="1278792"/>
+            <a:ext cx="3422603" cy="1259622"/>
           </a:xfrm>
         </p:spPr>
         <p:txBody>
@@ -3638,21 +6450,144 @@
           </a:bodyPr>
           <a:lstStyle/>
           <a:p>
-            <a:r>
-              <a:rPr lang="en-US" sz="1200" dirty="0">
+            <a:pPr marL="171450" indent="-171450">
+              <a:spcBef>
+                <a:spcPts val="0"/>
+              </a:spcBef>
+              <a:buFont typeface="Arial" panose="020B0604020202020204" pitchFamily="34" charset="0"/>
+              <a:buChar char="•"/>
+            </a:pPr>
+            <a:r>
+              <a:rPr lang="en-US" sz="1000" dirty="0">
                 <a:latin typeface="cmr10" panose="020B0500000000000000" pitchFamily="34" charset="0"/>
               </a:rPr>
-              <a:t>Motivation: </a:t>
+              <a:t>Hundreds of millions of dollars spent annually on control and mitigation efforts</a:t>
+            </a:r>
+          </a:p>
+          <a:p>
+            <a:pPr marL="171450" indent="-171450">
+              <a:spcBef>
+                <a:spcPts val="0"/>
+              </a:spcBef>
+              <a:buFont typeface="Arial" panose="020B0604020202020204" pitchFamily="34" charset="0"/>
+              <a:buChar char="•"/>
+            </a:pPr>
+            <a:r>
+              <a:rPr lang="en-US" sz="1000" dirty="0">
+                <a:latin typeface="cmr10" panose="020B0500000000000000" pitchFamily="34" charset="0"/>
+              </a:rPr>
+              <a:t>Change the water body ecosystem</a:t>
+            </a:r>
+          </a:p>
+          <a:p>
+            <a:pPr marL="171450" indent="-171450">
+              <a:spcBef>
+                <a:spcPts val="0"/>
+              </a:spcBef>
+              <a:buFont typeface="Arial" panose="020B0604020202020204" pitchFamily="34" charset="0"/>
+              <a:buChar char="•"/>
+            </a:pPr>
+            <a:r>
+              <a:rPr lang="en-US" sz="1000" dirty="0">
+                <a:latin typeface="cmr10" panose="020B0500000000000000" pitchFamily="34" charset="0"/>
+              </a:rPr>
+              <a:t>Most often moved to uninfested waters by humans</a:t>
+            </a:r>
+          </a:p>
+          <a:p>
+            <a:pPr marL="171450" indent="-171450">
+              <a:spcBef>
+                <a:spcPts val="0"/>
+              </a:spcBef>
+              <a:buFont typeface="Arial" panose="020B0604020202020204" pitchFamily="34" charset="0"/>
+              <a:buChar char="•"/>
+            </a:pPr>
+            <a:r>
+              <a:rPr lang="en-US" sz="1000" dirty="0">
+                <a:latin typeface="cmr10" panose="020B0500000000000000" pitchFamily="34" charset="0"/>
+              </a:rPr>
+              <a:t>Once an population is established, there is not much that can be done in terms of eradication</a:t>
+            </a:r>
+          </a:p>
+          <a:p>
+            <a:pPr marL="171450" indent="-171450">
+              <a:spcBef>
+                <a:spcPts val="0"/>
+              </a:spcBef>
+              <a:buFont typeface="Arial" panose="020B0604020202020204" pitchFamily="34" charset="0"/>
+              <a:buChar char="•"/>
+            </a:pPr>
+            <a:r>
+              <a:rPr lang="en-US" sz="1000" dirty="0">
+                <a:latin typeface="cmr10" panose="020B0500000000000000" pitchFamily="34" charset="0"/>
+              </a:rPr>
+              <a:t>Early detection can provide 3-5 years advanced notice to plan and install necessary technologies</a:t>
             </a:r>
           </a:p>
         </p:txBody>
       </p:sp>
       <p:sp>
         <p:nvSpPr>
-          <p:cNvPr id="7" name="Text Placeholder 5">
-            <a:extLst>
-              <a:ext uri="{FF2B5EF4-FFF2-40B4-BE49-F238E27FC236}">
-                <a16:creationId xmlns:a16="http://schemas.microsoft.com/office/drawing/2014/main" id="{550BA088-2E83-46EA-888E-D349E823971B}"/>
+          <p:cNvPr id="8" name="TextBox 7">
+            <a:extLst>
+              <a:ext uri="{FF2B5EF4-FFF2-40B4-BE49-F238E27FC236}">
+                <a16:creationId xmlns:a16="http://schemas.microsoft.com/office/drawing/2014/main" id="{63717FFD-4C34-4D3B-A1AD-2A96565A3DA6}"/>
+              </a:ext>
+            </a:extLst>
+          </p:cNvPr>
+          <p:cNvSpPr txBox="1"/>
+          <p:nvPr/>
+        </p:nvSpPr>
+        <p:spPr>
+          <a:xfrm>
+            <a:off x="5417967" y="522405"/>
+            <a:ext cx="1356058" cy="430887"/>
+          </a:xfrm>
+          <a:prstGeom prst="rect">
+            <a:avLst/>
+          </a:prstGeom>
+          <a:noFill/>
+        </p:spPr>
+        <p:txBody>
+          <a:bodyPr wrap="square" rtlCol="0">
+            <a:spAutoFit/>
+          </a:bodyPr>
+          <a:lstStyle/>
+          <a:p>
+            <a:pPr algn="ctr"/>
+            <a:r>
+              <a:rPr lang="en-US" sz="1100" dirty="0">
+                <a:latin typeface="cmr10" panose="020B0500000000000000" pitchFamily="34" charset="0"/>
+              </a:rPr>
+              <a:t>Meaghan Winder</a:t>
+            </a:r>
+          </a:p>
+          <a:p>
+            <a:pPr algn="ctr"/>
+            <a:r>
+              <a:rPr lang="en-US" sz="1100" dirty="0">
+                <a:latin typeface="cmr10" panose="020B0500000000000000" pitchFamily="34" charset="0"/>
+              </a:rPr>
+              <a:t>Dr. Andrew </a:t>
+            </a:r>
+            <a:r>
+              <a:rPr lang="en-US" sz="1100" dirty="0" err="1">
+                <a:latin typeface="cmr10" panose="020B0500000000000000" pitchFamily="34" charset="0"/>
+              </a:rPr>
+              <a:t>Hoegh</a:t>
+            </a:r>
+            <a:endParaRPr lang="en-US" sz="1100" dirty="0">
+              <a:latin typeface="cmr10" panose="020B0500000000000000" pitchFamily="34" charset="0"/>
+            </a:endParaRPr>
+          </a:p>
+        </p:txBody>
+      </p:sp>
+      <p:sp>
+        <p:nvSpPr>
+          <p:cNvPr id="11" name="Text Placeholder 5">
+            <a:extLst>
+              <a:ext uri="{FF2B5EF4-FFF2-40B4-BE49-F238E27FC236}">
+                <a16:creationId xmlns:a16="http://schemas.microsoft.com/office/drawing/2014/main" id="{85749BD7-48DE-434E-8FCE-813212772757}"/>
               </a:ext>
             </a:extLst>
           </p:cNvPr>
@@ -3663,8 +6598,8 @@
         </p:nvSpPr>
         <p:spPr>
           <a:xfrm>
-            <a:off x="73729" y="3796842"/>
-            <a:ext cx="2952101" cy="1655618"/>
+            <a:off x="82802" y="4885057"/>
+            <a:ext cx="3428072" cy="391580"/>
           </a:xfrm>
           <a:prstGeom prst="rect">
             <a:avLst/>
@@ -3672,7 +6607,7 @@
         </p:spPr>
         <p:txBody>
           <a:bodyPr vert="horz" lIns="91440" tIns="45720" rIns="91440" bIns="45720" rtlCol="0">
-            <a:normAutofit/>
+            <a:noAutofit/>
           </a:bodyPr>
           <a:lstStyle>
             <a:lvl1pPr marL="0" indent="0" algn="l" defTabSz="914400" rtl="0" eaLnBrk="1" latinLnBrk="0" hangingPunct="1">
@@ -3839,288 +6774,22 @@
             </a:lvl9pPr>
           </a:lstStyle>
           <a:p>
-            <a:r>
-              <a:rPr lang="en-US" sz="1200" dirty="0">
+            <a:pPr marL="171450" indent="-171450">
+              <a:spcBef>
+                <a:spcPts val="0"/>
+              </a:spcBef>
+              <a:buFont typeface="Arial" panose="020B0604020202020204" pitchFamily="34" charset="0"/>
+              <a:buChar char="•"/>
+            </a:pPr>
+            <a:r>
+              <a:rPr lang="en-US" sz="1000" dirty="0">
                 <a:latin typeface="cmr10" panose="020B0500000000000000" pitchFamily="34" charset="0"/>
               </a:rPr>
-              <a:t>Methods:</a:t>
+              <a:t>How do the detection probabilities and false negative rates compare for the two early detection methods?</a:t>
             </a:r>
           </a:p>
         </p:txBody>
       </p:sp>
-      <p:sp>
-        <p:nvSpPr>
-          <p:cNvPr id="8" name="TextBox 7">
-            <a:extLst>
-              <a:ext uri="{FF2B5EF4-FFF2-40B4-BE49-F238E27FC236}">
-                <a16:creationId xmlns:a16="http://schemas.microsoft.com/office/drawing/2014/main" id="{63717FFD-4C34-4D3B-A1AD-2A96565A3DA6}"/>
-              </a:ext>
-            </a:extLst>
-          </p:cNvPr>
-          <p:cNvSpPr txBox="1"/>
-          <p:nvPr/>
-        </p:nvSpPr>
-        <p:spPr>
-          <a:xfrm>
-            <a:off x="73731" y="856855"/>
-            <a:ext cx="1356058" cy="261610"/>
-          </a:xfrm>
-          <a:prstGeom prst="rect">
-            <a:avLst/>
-          </a:prstGeom>
-          <a:noFill/>
-        </p:spPr>
-        <p:txBody>
-          <a:bodyPr wrap="square" rtlCol="0">
-            <a:spAutoFit/>
-          </a:bodyPr>
-          <a:lstStyle/>
-          <a:p>
-            <a:r>
-              <a:rPr lang="en-US" sz="1100" dirty="0">
-                <a:latin typeface="cmr10" panose="020B0500000000000000" pitchFamily="34" charset="0"/>
-              </a:rPr>
-              <a:t>Meaghan Winder</a:t>
-            </a:r>
-          </a:p>
-        </p:txBody>
-      </p:sp>
-      <p:sp>
-        <p:nvSpPr>
-          <p:cNvPr id="11" name="Text Placeholder 5">
-            <a:extLst>
-              <a:ext uri="{FF2B5EF4-FFF2-40B4-BE49-F238E27FC236}">
-                <a16:creationId xmlns:a16="http://schemas.microsoft.com/office/drawing/2014/main" id="{85749BD7-48DE-434E-8FCE-813212772757}"/>
-              </a:ext>
-            </a:extLst>
-          </p:cNvPr>
-          <p:cNvSpPr txBox="1">
-            <a:spLocks/>
-          </p:cNvSpPr>
-          <p:nvPr/>
-        </p:nvSpPr>
-        <p:spPr>
-          <a:xfrm>
-            <a:off x="73728" y="2818617"/>
-            <a:ext cx="2952101" cy="398270"/>
-          </a:xfrm>
-          <a:prstGeom prst="rect">
-            <a:avLst/>
-          </a:prstGeom>
-        </p:spPr>
-        <p:txBody>
-          <a:bodyPr vert="horz" lIns="91440" tIns="45720" rIns="91440" bIns="45720" rtlCol="0">
-            <a:normAutofit/>
-          </a:bodyPr>
-          <a:lstStyle>
-            <a:lvl1pPr marL="0" indent="0" algn="l" defTabSz="914400" rtl="0" eaLnBrk="1" latinLnBrk="0" hangingPunct="1">
-              <a:lnSpc>
-                <a:spcPct val="90000"/>
-              </a:lnSpc>
-              <a:spcBef>
-                <a:spcPts val="1000"/>
-              </a:spcBef>
-              <a:buFont typeface="Arial" panose="020B0604020202020204" pitchFamily="34" charset="0"/>
-              <a:buNone/>
-              <a:defRPr sz="1600" kern="1200">
-                <a:solidFill>
-                  <a:schemeClr val="tx1"/>
-                </a:solidFill>
-                <a:latin typeface="+mn-lt"/>
-                <a:ea typeface="+mn-ea"/>
-                <a:cs typeface="+mn-cs"/>
-              </a:defRPr>
-            </a:lvl1pPr>
-            <a:lvl2pPr marL="457200" indent="0" algn="l" defTabSz="914400" rtl="0" eaLnBrk="1" latinLnBrk="0" hangingPunct="1">
-              <a:lnSpc>
-                <a:spcPct val="90000"/>
-              </a:lnSpc>
-              <a:spcBef>
-                <a:spcPts val="500"/>
-              </a:spcBef>
-              <a:buFont typeface="Arial" panose="020B0604020202020204" pitchFamily="34" charset="0"/>
-              <a:buNone/>
-              <a:defRPr sz="1400" kern="1200">
-                <a:solidFill>
-                  <a:schemeClr val="tx1"/>
-                </a:solidFill>
-                <a:latin typeface="+mn-lt"/>
-                <a:ea typeface="+mn-ea"/>
-                <a:cs typeface="+mn-cs"/>
-              </a:defRPr>
-            </a:lvl2pPr>
-            <a:lvl3pPr marL="914400" indent="0" algn="l" defTabSz="914400" rtl="0" eaLnBrk="1" latinLnBrk="0" hangingPunct="1">
-              <a:lnSpc>
-                <a:spcPct val="90000"/>
-              </a:lnSpc>
-              <a:spcBef>
-                <a:spcPts val="500"/>
-              </a:spcBef>
-              <a:buFont typeface="Arial" panose="020B0604020202020204" pitchFamily="34" charset="0"/>
-              <a:buNone/>
-              <a:defRPr sz="1200" kern="1200">
-                <a:solidFill>
-                  <a:schemeClr val="tx1"/>
-                </a:solidFill>
-                <a:latin typeface="+mn-lt"/>
-                <a:ea typeface="+mn-ea"/>
-                <a:cs typeface="+mn-cs"/>
-              </a:defRPr>
-            </a:lvl3pPr>
-            <a:lvl4pPr marL="1371600" indent="0" algn="l" defTabSz="914400" rtl="0" eaLnBrk="1" latinLnBrk="0" hangingPunct="1">
-              <a:lnSpc>
-                <a:spcPct val="90000"/>
-              </a:lnSpc>
-              <a:spcBef>
-                <a:spcPts val="500"/>
-              </a:spcBef>
-              <a:buFont typeface="Arial" panose="020B0604020202020204" pitchFamily="34" charset="0"/>
-              <a:buNone/>
-              <a:defRPr sz="1000" kern="1200">
-                <a:solidFill>
-                  <a:schemeClr val="tx1"/>
-                </a:solidFill>
-                <a:latin typeface="+mn-lt"/>
-                <a:ea typeface="+mn-ea"/>
-                <a:cs typeface="+mn-cs"/>
-              </a:defRPr>
-            </a:lvl4pPr>
-            <a:lvl5pPr marL="1828800" indent="0" algn="l" defTabSz="914400" rtl="0" eaLnBrk="1" latinLnBrk="0" hangingPunct="1">
-              <a:lnSpc>
-                <a:spcPct val="90000"/>
-              </a:lnSpc>
-              <a:spcBef>
-                <a:spcPts val="500"/>
-              </a:spcBef>
-              <a:buFont typeface="Arial" panose="020B0604020202020204" pitchFamily="34" charset="0"/>
-              <a:buNone/>
-              <a:defRPr sz="1000" kern="1200">
-                <a:solidFill>
-                  <a:schemeClr val="tx1"/>
-                </a:solidFill>
-                <a:latin typeface="+mn-lt"/>
-                <a:ea typeface="+mn-ea"/>
-                <a:cs typeface="+mn-cs"/>
-              </a:defRPr>
-            </a:lvl5pPr>
-            <a:lvl6pPr marL="2286000" indent="0" algn="l" defTabSz="914400" rtl="0" eaLnBrk="1" latinLnBrk="0" hangingPunct="1">
-              <a:lnSpc>
-                <a:spcPct val="90000"/>
-              </a:lnSpc>
-              <a:spcBef>
-                <a:spcPts val="500"/>
-              </a:spcBef>
-              <a:buFont typeface="Arial" panose="020B0604020202020204" pitchFamily="34" charset="0"/>
-              <a:buNone/>
-              <a:defRPr sz="1000" kern="1200">
-                <a:solidFill>
-                  <a:schemeClr val="tx1"/>
-                </a:solidFill>
-                <a:latin typeface="+mn-lt"/>
-                <a:ea typeface="+mn-ea"/>
-                <a:cs typeface="+mn-cs"/>
-              </a:defRPr>
-            </a:lvl6pPr>
-            <a:lvl7pPr marL="2743200" indent="0" algn="l" defTabSz="914400" rtl="0" eaLnBrk="1" latinLnBrk="0" hangingPunct="1">
-              <a:lnSpc>
-                <a:spcPct val="90000"/>
-              </a:lnSpc>
-              <a:spcBef>
-                <a:spcPts val="500"/>
-              </a:spcBef>
-              <a:buFont typeface="Arial" panose="020B0604020202020204" pitchFamily="34" charset="0"/>
-              <a:buNone/>
-              <a:defRPr sz="1000" kern="1200">
-                <a:solidFill>
-                  <a:schemeClr val="tx1"/>
-                </a:solidFill>
-                <a:latin typeface="+mn-lt"/>
-                <a:ea typeface="+mn-ea"/>
-                <a:cs typeface="+mn-cs"/>
-              </a:defRPr>
-            </a:lvl7pPr>
-            <a:lvl8pPr marL="3200400" indent="0" algn="l" defTabSz="914400" rtl="0" eaLnBrk="1" latinLnBrk="0" hangingPunct="1">
-              <a:lnSpc>
-                <a:spcPct val="90000"/>
-              </a:lnSpc>
-              <a:spcBef>
-                <a:spcPts val="500"/>
-              </a:spcBef>
-              <a:buFont typeface="Arial" panose="020B0604020202020204" pitchFamily="34" charset="0"/>
-              <a:buNone/>
-              <a:defRPr sz="1000" kern="1200">
-                <a:solidFill>
-                  <a:schemeClr val="tx1"/>
-                </a:solidFill>
-                <a:latin typeface="+mn-lt"/>
-                <a:ea typeface="+mn-ea"/>
-                <a:cs typeface="+mn-cs"/>
-              </a:defRPr>
-            </a:lvl8pPr>
-            <a:lvl9pPr marL="3657600" indent="0" algn="l" defTabSz="914400" rtl="0" eaLnBrk="1" latinLnBrk="0" hangingPunct="1">
-              <a:lnSpc>
-                <a:spcPct val="90000"/>
-              </a:lnSpc>
-              <a:spcBef>
-                <a:spcPts val="500"/>
-              </a:spcBef>
-              <a:buFont typeface="Arial" panose="020B0604020202020204" pitchFamily="34" charset="0"/>
-              <a:buNone/>
-              <a:defRPr sz="1000" kern="1200">
-                <a:solidFill>
-                  <a:schemeClr val="tx1"/>
-                </a:solidFill>
-                <a:latin typeface="+mn-lt"/>
-                <a:ea typeface="+mn-ea"/>
-                <a:cs typeface="+mn-cs"/>
-              </a:defRPr>
-            </a:lvl9pPr>
-          </a:lstStyle>
-          <a:p>
-            <a:r>
-              <a:rPr lang="en-US" sz="1200" dirty="0">
-                <a:latin typeface="cmr10" panose="020B0500000000000000" pitchFamily="34" charset="0"/>
-              </a:rPr>
-              <a:t>Research Questions:</a:t>
-            </a:r>
-          </a:p>
-        </p:txBody>
-      </p:sp>
-      <p:pic>
-        <p:nvPicPr>
-          <p:cNvPr id="16" name="Picture 15" descr="A close up of a logo&#10;&#10;Description automatically generated">
-            <a:extLst>
-              <a:ext uri="{FF2B5EF4-FFF2-40B4-BE49-F238E27FC236}">
-                <a16:creationId xmlns:a16="http://schemas.microsoft.com/office/drawing/2014/main" id="{596AED6D-4525-4973-B854-043BA9161475}"/>
-              </a:ext>
-            </a:extLst>
-          </p:cNvPr>
-          <p:cNvPicPr>
-            <a:picLocks noChangeAspect="1"/>
-          </p:cNvPicPr>
-          <p:nvPr/>
-        </p:nvPicPr>
-        <p:blipFill rotWithShape="1">
-          <a:blip r:embed="rId3">
-            <a:extLst>
-              <a:ext uri="{28A0092B-C50C-407E-A947-70E740481C1C}">
-                <a14:useLocalDpi xmlns:a14="http://schemas.microsoft.com/office/drawing/2010/main" val="0"/>
-              </a:ext>
-            </a:extLst>
-          </a:blip>
-          <a:srcRect l="1151" r="1670"/>
-          <a:stretch/>
-        </p:blipFill>
-        <p:spPr>
-          <a:xfrm>
-            <a:off x="9299048" y="1826451"/>
-            <a:ext cx="2683565" cy="1750938"/>
-          </a:xfrm>
-          <a:prstGeom prst="rect">
-            <a:avLst/>
-          </a:prstGeom>
-        </p:spPr>
-      </p:pic>
       <p:pic>
         <p:nvPicPr>
           <p:cNvPr id="18" name="Picture 17" descr="A drawing of a cartoon character&#10;&#10;Description automatically generated">
@@ -4138,6 +6807,46 @@
         <p:blipFill>
           <a:blip r:embed="rId4">
             <a:extLst>
+              <a:ext uri="{BEBA8EAE-BF5A-486C-A8C5-ECC9F3942E4B}">
+                <a14:imgProps xmlns:a14="http://schemas.microsoft.com/office/drawing/2010/main">
+                  <a14:imgLayer r:embed="rId5">
+                    <a14:imgEffect>
+                      <a14:backgroundRemoval t="3856" b="98756" l="785" r="97036">
+                        <a14:foregroundMark x1="48387" y1="8333" x2="48387" y2="8333"/>
+                        <a14:foregroundMark x1="52310" y1="16418" x2="52310" y2="16418"/>
+                        <a14:foregroundMark x1="50305" y1="3980" x2="50305" y2="3980"/>
+                        <a14:foregroundMark x1="3051" y1="69403" x2="3051" y2="69403"/>
+                        <a14:foregroundMark x1="18745" y1="73010" x2="18745" y2="73010"/>
+                        <a14:foregroundMark x1="34263" y1="68035" x2="34263" y2="68035"/>
+                        <a14:foregroundMark x1="51874" y1="69776" x2="51874" y2="69776"/>
+                        <a14:foregroundMark x1="64690" y1="67289" x2="64690" y2="67289"/>
+                        <a14:foregroundMark x1="90584" y1="70274" x2="90584" y2="70274"/>
+                        <a14:foregroundMark x1="97036" y1="80473" x2="97036" y2="80473"/>
+                        <a14:foregroundMark x1="785" y1="93159" x2="785" y2="93159"/>
+                        <a14:foregroundMark x1="9503" y1="92910" x2="9503" y2="92910"/>
+                        <a14:foregroundMark x1="47951" y1="14179" x2="47951" y2="14179"/>
+                        <a14:foregroundMark x1="5057" y1="90050" x2="5057" y2="90050"/>
+                        <a14:foregroundMark x1="4359" y1="98756" x2="4359" y2="98756"/>
+                        <a14:foregroundMark x1="14124" y1="93035" x2="14124" y2="93035"/>
+                        <a14:foregroundMark x1="21883" y1="90796" x2="21883" y2="90796"/>
+                        <a14:foregroundMark x1="26330" y1="90672" x2="26330" y2="90672"/>
+                        <a14:foregroundMark x1="36356" y1="91791" x2="36356" y2="91791"/>
+                        <a14:foregroundMark x1="44638" y1="91294" x2="44638" y2="91294"/>
+                        <a14:foregroundMark x1="53008" y1="92164" x2="53008" y2="92164"/>
+                        <a14:foregroundMark x1="56146" y1="91667" x2="56146" y2="91667"/>
+                        <a14:foregroundMark x1="64080" y1="95522" x2="64080" y2="95522"/>
+                        <a14:foregroundMark x1="70881" y1="94279" x2="70881" y2="94279"/>
+                        <a14:foregroundMark x1="78553" y1="93905" x2="78553" y2="93905"/>
+                        <a14:foregroundMark x1="84307" y1="92413" x2="84307" y2="92413"/>
+                        <a14:foregroundMark x1="90061" y1="92413" x2="90061" y2="92413"/>
+                        <a14:foregroundMark x1="49085" y1="8706" x2="49085" y2="8706"/>
+                        <a14:backgroundMark x1="15083" y1="94900" x2="15083" y2="94900"/>
+                        <a14:backgroundMark x1="72886" y1="93781" x2="72886" y2="93781"/>
+                      </a14:backgroundRemoval>
+                    </a14:imgEffect>
+                  </a14:imgLayer>
+                </a14:imgProps>
+              </a:ext>
               <a:ext uri="{28A0092B-C50C-407E-A947-70E740481C1C}">
                 <a14:useLocalDpi xmlns:a14="http://schemas.microsoft.com/office/drawing/2010/main" val="0"/>
               </a:ext>
@@ -4149,79 +6858,8 @@
         </p:blipFill>
         <p:spPr>
           <a:xfrm>
-            <a:off x="11437446" y="6318403"/>
-            <a:ext cx="652248" cy="457200"/>
-          </a:xfrm>
-          <a:prstGeom prst="rect">
-            <a:avLst/>
-          </a:prstGeom>
-        </p:spPr>
-      </p:pic>
-      <p:pic>
-        <p:nvPicPr>
-          <p:cNvPr id="20" name="Picture 19" descr="A close up of a logo&#10;&#10;Description automatically generated">
-            <a:extLst>
-              <a:ext uri="{FF2B5EF4-FFF2-40B4-BE49-F238E27FC236}">
-                <a16:creationId xmlns:a16="http://schemas.microsoft.com/office/drawing/2014/main" id="{298B2CC2-7F05-4C01-9EAE-D2D1D0962642}"/>
-              </a:ext>
-            </a:extLst>
-          </p:cNvPr>
-          <p:cNvPicPr>
-            <a:picLocks noChangeAspect="1"/>
-          </p:cNvPicPr>
-          <p:nvPr/>
-        </p:nvPicPr>
-        <p:blipFill rotWithShape="1">
-          <a:blip r:embed="rId5">
-            <a:extLst>
-              <a:ext uri="{28A0092B-C50C-407E-A947-70E740481C1C}">
-                <a14:useLocalDpi xmlns:a14="http://schemas.microsoft.com/office/drawing/2010/main" val="0"/>
-              </a:ext>
-            </a:extLst>
-          </a:blip>
-          <a:srcRect l="2292" r="2215"/>
-          <a:stretch/>
-        </p:blipFill>
-        <p:spPr>
-          <a:xfrm>
-            <a:off x="9652881" y="230815"/>
-            <a:ext cx="1975900" cy="1413782"/>
-          </a:xfrm>
-          <a:prstGeom prst="rect">
-            <a:avLst/>
-          </a:prstGeom>
-        </p:spPr>
-      </p:pic>
-      <p:pic>
-        <p:nvPicPr>
-          <p:cNvPr id="22" name="Picture 21" descr="A picture containing person, grass, outdoor, holding&#10;&#10;Description automatically generated">
-            <a:extLst>
-              <a:ext uri="{FF2B5EF4-FFF2-40B4-BE49-F238E27FC236}">
-                <a16:creationId xmlns:a16="http://schemas.microsoft.com/office/drawing/2014/main" id="{D7263EFB-FF79-4E76-AF62-D8937E601F45}"/>
-              </a:ext>
-            </a:extLst>
-          </p:cNvPr>
-          <p:cNvPicPr>
-            <a:picLocks noChangeAspect="1"/>
-          </p:cNvPicPr>
-          <p:nvPr/>
-        </p:nvPicPr>
-        <p:blipFill>
-          <a:blip r:embed="rId6">
-            <a:extLst>
-              <a:ext uri="{28A0092B-C50C-407E-A947-70E740481C1C}">
-                <a14:useLocalDpi xmlns:a14="http://schemas.microsoft.com/office/drawing/2010/main" val="0"/>
-              </a:ext>
-            </a:extLst>
-          </a:blip>
-          <a:stretch>
-            <a:fillRect/>
-          </a:stretch>
-        </p:blipFill>
-        <p:spPr>
-          <a:xfrm>
-            <a:off x="12628365" y="351816"/>
-            <a:ext cx="1761417" cy="1321061"/>
+            <a:off x="11174999" y="181031"/>
+            <a:ext cx="879338" cy="616381"/>
           </a:xfrm>
           <a:prstGeom prst="rect">
             <a:avLst/>
@@ -4242,58 +6880,21 @@
           </p:cNvPicPr>
           <p:nvPr/>
         </p:nvPicPr>
-        <p:blipFill>
-          <a:blip r:embed="rId7">
+        <p:blipFill rotWithShape="1">
+          <a:blip r:embed="rId6">
             <a:extLst>
               <a:ext uri="{28A0092B-C50C-407E-A947-70E740481C1C}">
                 <a14:useLocalDpi xmlns:a14="http://schemas.microsoft.com/office/drawing/2010/main" val="0"/>
               </a:ext>
             </a:extLst>
           </a:blip>
-          <a:stretch>
-            <a:fillRect/>
-          </a:stretch>
+          <a:srcRect l="5614"/>
+          <a:stretch/>
         </p:blipFill>
         <p:spPr>
           <a:xfrm>
-            <a:off x="12089694" y="-1800620"/>
-            <a:ext cx="2369752" cy="1448182"/>
-          </a:xfrm>
-          <a:prstGeom prst="rect">
-            <a:avLst/>
-          </a:prstGeom>
-        </p:spPr>
-      </p:pic>
-      <p:pic>
-        <p:nvPicPr>
-          <p:cNvPr id="26" name="Picture 25" descr="A picture containing indoor, table, sitting, food&#10;&#10;Description automatically generated">
-            <a:extLst>
-              <a:ext uri="{FF2B5EF4-FFF2-40B4-BE49-F238E27FC236}">
-                <a16:creationId xmlns:a16="http://schemas.microsoft.com/office/drawing/2014/main" id="{49C95D98-1033-4CCE-BB70-891205A3B75E}"/>
-              </a:ext>
-            </a:extLst>
-          </p:cNvPr>
-          <p:cNvPicPr>
-            <a:picLocks noChangeAspect="1"/>
-          </p:cNvPicPr>
-          <p:nvPr/>
-        </p:nvPicPr>
-        <p:blipFill>
-          <a:blip r:embed="rId8">
-            <a:extLst>
-              <a:ext uri="{28A0092B-C50C-407E-A947-70E740481C1C}">
-                <a14:useLocalDpi xmlns:a14="http://schemas.microsoft.com/office/drawing/2010/main" val="0"/>
-              </a:ext>
-            </a:extLst>
-          </a:blip>
-          <a:stretch>
-            <a:fillRect/>
-          </a:stretch>
-        </p:blipFill>
-        <p:spPr>
-          <a:xfrm>
-            <a:off x="12628365" y="4437867"/>
-            <a:ext cx="2952101" cy="2214076"/>
+            <a:off x="76302" y="3528902"/>
+            <a:ext cx="1412290" cy="914400"/>
           </a:xfrm>
           <a:prstGeom prst="rect">
             <a:avLst/>
@@ -4314,12 +6915,12 @@
           </p:cNvPicPr>
           <p:nvPr/>
         </p:nvPicPr>
-        <p:blipFill>
-          <a:blip r:embed="rId9">
+        <p:blipFill rotWithShape="1">
+          <a:blip r:embed="rId7">
             <a:extLst>
               <a:ext uri="{BEBA8EAE-BF5A-486C-A8C5-ECC9F3942E4B}">
                 <a14:imgProps xmlns:a14="http://schemas.microsoft.com/office/drawing/2010/main">
-                  <a14:imgLayer r:embed="rId10">
+                  <a14:imgLayer r:embed="rId8">
                     <a14:imgEffect>
                       <a14:backgroundRemoval t="10000" b="90000" l="10000" r="90000">
                         <a14:foregroundMark x1="15556" y1="11354" x2="15556" y2="11354"/>
@@ -4377,14 +6978,998 @@
               </a:ext>
             </a:extLst>
           </a:blip>
+          <a:srcRect l="7516" t="7646" r="7606" b="7476"/>
+          <a:stretch/>
+        </p:blipFill>
+        <p:spPr>
+          <a:xfrm>
+            <a:off x="137663" y="203190"/>
+            <a:ext cx="612647" cy="612648"/>
+          </a:xfrm>
+          <a:prstGeom prst="rect">
+            <a:avLst/>
+          </a:prstGeom>
+        </p:spPr>
+      </p:pic>
+      <p:sp>
+        <p:nvSpPr>
+          <p:cNvPr id="82" name="Text Placeholder 5">
+            <a:extLst>
+              <a:ext uri="{FF2B5EF4-FFF2-40B4-BE49-F238E27FC236}">
+                <a16:creationId xmlns:a16="http://schemas.microsoft.com/office/drawing/2014/main" id="{451BE281-B8D0-4978-8323-B1340E88050A}"/>
+              </a:ext>
+            </a:extLst>
+          </p:cNvPr>
+          <p:cNvSpPr txBox="1">
+            <a:spLocks/>
+          </p:cNvSpPr>
+          <p:nvPr/>
+        </p:nvSpPr>
+        <p:spPr>
+          <a:xfrm>
+            <a:off x="85185" y="5553894"/>
+            <a:ext cx="3423793" cy="1218674"/>
+          </a:xfrm>
+          <a:prstGeom prst="rect">
+            <a:avLst/>
+          </a:prstGeom>
+        </p:spPr>
+        <p:txBody>
+          <a:bodyPr vert="horz" lIns="91440" tIns="45720" rIns="91440" bIns="45720" rtlCol="0">
+            <a:normAutofit/>
+          </a:bodyPr>
+          <a:lstStyle>
+            <a:lvl1pPr marL="0" indent="0" algn="l" defTabSz="914400" rtl="0" eaLnBrk="1" latinLnBrk="0" hangingPunct="1">
+              <a:lnSpc>
+                <a:spcPct val="90000"/>
+              </a:lnSpc>
+              <a:spcBef>
+                <a:spcPts val="1000"/>
+              </a:spcBef>
+              <a:buFont typeface="Arial" panose="020B0604020202020204" pitchFamily="34" charset="0"/>
+              <a:buNone/>
+              <a:defRPr sz="1600" kern="1200">
+                <a:solidFill>
+                  <a:schemeClr val="tx1"/>
+                </a:solidFill>
+                <a:latin typeface="+mn-lt"/>
+                <a:ea typeface="+mn-ea"/>
+                <a:cs typeface="+mn-cs"/>
+              </a:defRPr>
+            </a:lvl1pPr>
+            <a:lvl2pPr marL="457200" indent="0" algn="l" defTabSz="914400" rtl="0" eaLnBrk="1" latinLnBrk="0" hangingPunct="1">
+              <a:lnSpc>
+                <a:spcPct val="90000"/>
+              </a:lnSpc>
+              <a:spcBef>
+                <a:spcPts val="500"/>
+              </a:spcBef>
+              <a:buFont typeface="Arial" panose="020B0604020202020204" pitchFamily="34" charset="0"/>
+              <a:buNone/>
+              <a:defRPr sz="1400" kern="1200">
+                <a:solidFill>
+                  <a:schemeClr val="tx1"/>
+                </a:solidFill>
+                <a:latin typeface="+mn-lt"/>
+                <a:ea typeface="+mn-ea"/>
+                <a:cs typeface="+mn-cs"/>
+              </a:defRPr>
+            </a:lvl2pPr>
+            <a:lvl3pPr marL="914400" indent="0" algn="l" defTabSz="914400" rtl="0" eaLnBrk="1" latinLnBrk="0" hangingPunct="1">
+              <a:lnSpc>
+                <a:spcPct val="90000"/>
+              </a:lnSpc>
+              <a:spcBef>
+                <a:spcPts val="500"/>
+              </a:spcBef>
+              <a:buFont typeface="Arial" panose="020B0604020202020204" pitchFamily="34" charset="0"/>
+              <a:buNone/>
+              <a:defRPr sz="1200" kern="1200">
+                <a:solidFill>
+                  <a:schemeClr val="tx1"/>
+                </a:solidFill>
+                <a:latin typeface="+mn-lt"/>
+                <a:ea typeface="+mn-ea"/>
+                <a:cs typeface="+mn-cs"/>
+              </a:defRPr>
+            </a:lvl3pPr>
+            <a:lvl4pPr marL="1371600" indent="0" algn="l" defTabSz="914400" rtl="0" eaLnBrk="1" latinLnBrk="0" hangingPunct="1">
+              <a:lnSpc>
+                <a:spcPct val="90000"/>
+              </a:lnSpc>
+              <a:spcBef>
+                <a:spcPts val="500"/>
+              </a:spcBef>
+              <a:buFont typeface="Arial" panose="020B0604020202020204" pitchFamily="34" charset="0"/>
+              <a:buNone/>
+              <a:defRPr sz="1000" kern="1200">
+                <a:solidFill>
+                  <a:schemeClr val="tx1"/>
+                </a:solidFill>
+                <a:latin typeface="+mn-lt"/>
+                <a:ea typeface="+mn-ea"/>
+                <a:cs typeface="+mn-cs"/>
+              </a:defRPr>
+            </a:lvl4pPr>
+            <a:lvl5pPr marL="1828800" indent="0" algn="l" defTabSz="914400" rtl="0" eaLnBrk="1" latinLnBrk="0" hangingPunct="1">
+              <a:lnSpc>
+                <a:spcPct val="90000"/>
+              </a:lnSpc>
+              <a:spcBef>
+                <a:spcPts val="500"/>
+              </a:spcBef>
+              <a:buFont typeface="Arial" panose="020B0604020202020204" pitchFamily="34" charset="0"/>
+              <a:buNone/>
+              <a:defRPr sz="1000" kern="1200">
+                <a:solidFill>
+                  <a:schemeClr val="tx1"/>
+                </a:solidFill>
+                <a:latin typeface="+mn-lt"/>
+                <a:ea typeface="+mn-ea"/>
+                <a:cs typeface="+mn-cs"/>
+              </a:defRPr>
+            </a:lvl5pPr>
+            <a:lvl6pPr marL="2286000" indent="0" algn="l" defTabSz="914400" rtl="0" eaLnBrk="1" latinLnBrk="0" hangingPunct="1">
+              <a:lnSpc>
+                <a:spcPct val="90000"/>
+              </a:lnSpc>
+              <a:spcBef>
+                <a:spcPts val="500"/>
+              </a:spcBef>
+              <a:buFont typeface="Arial" panose="020B0604020202020204" pitchFamily="34" charset="0"/>
+              <a:buNone/>
+              <a:defRPr sz="1000" kern="1200">
+                <a:solidFill>
+                  <a:schemeClr val="tx1"/>
+                </a:solidFill>
+                <a:latin typeface="+mn-lt"/>
+                <a:ea typeface="+mn-ea"/>
+                <a:cs typeface="+mn-cs"/>
+              </a:defRPr>
+            </a:lvl6pPr>
+            <a:lvl7pPr marL="2743200" indent="0" algn="l" defTabSz="914400" rtl="0" eaLnBrk="1" latinLnBrk="0" hangingPunct="1">
+              <a:lnSpc>
+                <a:spcPct val="90000"/>
+              </a:lnSpc>
+              <a:spcBef>
+                <a:spcPts val="500"/>
+              </a:spcBef>
+              <a:buFont typeface="Arial" panose="020B0604020202020204" pitchFamily="34" charset="0"/>
+              <a:buNone/>
+              <a:defRPr sz="1000" kern="1200">
+                <a:solidFill>
+                  <a:schemeClr val="tx1"/>
+                </a:solidFill>
+                <a:latin typeface="+mn-lt"/>
+                <a:ea typeface="+mn-ea"/>
+                <a:cs typeface="+mn-cs"/>
+              </a:defRPr>
+            </a:lvl7pPr>
+            <a:lvl8pPr marL="3200400" indent="0" algn="l" defTabSz="914400" rtl="0" eaLnBrk="1" latinLnBrk="0" hangingPunct="1">
+              <a:lnSpc>
+                <a:spcPct val="90000"/>
+              </a:lnSpc>
+              <a:spcBef>
+                <a:spcPts val="500"/>
+              </a:spcBef>
+              <a:buFont typeface="Arial" panose="020B0604020202020204" pitchFamily="34" charset="0"/>
+              <a:buNone/>
+              <a:defRPr sz="1000" kern="1200">
+                <a:solidFill>
+                  <a:schemeClr val="tx1"/>
+                </a:solidFill>
+                <a:latin typeface="+mn-lt"/>
+                <a:ea typeface="+mn-ea"/>
+                <a:cs typeface="+mn-cs"/>
+              </a:defRPr>
+            </a:lvl8pPr>
+            <a:lvl9pPr marL="3657600" indent="0" algn="l" defTabSz="914400" rtl="0" eaLnBrk="1" latinLnBrk="0" hangingPunct="1">
+              <a:lnSpc>
+                <a:spcPct val="90000"/>
+              </a:lnSpc>
+              <a:spcBef>
+                <a:spcPts val="500"/>
+              </a:spcBef>
+              <a:buFont typeface="Arial" panose="020B0604020202020204" pitchFamily="34" charset="0"/>
+              <a:buNone/>
+              <a:defRPr sz="1000" kern="1200">
+                <a:solidFill>
+                  <a:schemeClr val="tx1"/>
+                </a:solidFill>
+                <a:latin typeface="+mn-lt"/>
+                <a:ea typeface="+mn-ea"/>
+                <a:cs typeface="+mn-cs"/>
+              </a:defRPr>
+            </a:lvl9pPr>
+          </a:lstStyle>
+          <a:p>
+            <a:pPr marL="171450" indent="-171450">
+              <a:spcBef>
+                <a:spcPts val="0"/>
+              </a:spcBef>
+              <a:buFont typeface="Arial" panose="020B0604020202020204" pitchFamily="34" charset="0"/>
+              <a:buChar char="•"/>
+            </a:pPr>
+            <a:r>
+              <a:rPr lang="en-US" sz="1000" dirty="0">
+                <a:latin typeface="cmr10" panose="020B0500000000000000" pitchFamily="34" charset="0"/>
+              </a:rPr>
+              <a:t>Presence: </a:t>
+            </a:r>
+          </a:p>
+          <a:p>
+            <a:pPr lvl="1">
+              <a:spcBef>
+                <a:spcPts val="0"/>
+              </a:spcBef>
+            </a:pPr>
+            <a:r>
+              <a:rPr lang="en-US" sz="1000" dirty="0">
+                <a:latin typeface="cmr10" panose="020B0500000000000000" pitchFamily="34" charset="0"/>
+              </a:rPr>
+              <a:t>Target species occupies the region </a:t>
+            </a:r>
+            <a:r>
+              <a:rPr lang="en-US" sz="1000" b="1" dirty="0">
+                <a:latin typeface="cmr10" panose="020B0500000000000000" pitchFamily="34" charset="0"/>
+              </a:rPr>
+              <a:t>and </a:t>
+            </a:r>
+            <a:r>
+              <a:rPr lang="en-US" sz="1000" dirty="0">
+                <a:latin typeface="cmr10" panose="020B0500000000000000" pitchFamily="34" charset="0"/>
+              </a:rPr>
+              <a:t>is detected</a:t>
+            </a:r>
+            <a:endParaRPr lang="en-US" sz="1000" b="1" dirty="0">
+              <a:latin typeface="cmr10" panose="020B0500000000000000" pitchFamily="34" charset="0"/>
+            </a:endParaRPr>
+          </a:p>
+          <a:p>
+            <a:pPr marL="171450" indent="-171450">
+              <a:spcBef>
+                <a:spcPts val="0"/>
+              </a:spcBef>
+              <a:buFont typeface="Arial" panose="020B0604020202020204" pitchFamily="34" charset="0"/>
+              <a:buChar char="•"/>
+            </a:pPr>
+            <a:r>
+              <a:rPr lang="en-US" sz="1000" dirty="0">
+                <a:latin typeface="cmr10" panose="020B0500000000000000" pitchFamily="34" charset="0"/>
+              </a:rPr>
+              <a:t>Absence: </a:t>
+            </a:r>
+          </a:p>
+          <a:p>
+            <a:pPr lvl="1">
+              <a:spcBef>
+                <a:spcPts val="0"/>
+              </a:spcBef>
+            </a:pPr>
+            <a:r>
+              <a:rPr lang="en-US" sz="1000" dirty="0">
+                <a:latin typeface="cmr10" panose="020B0500000000000000" pitchFamily="34" charset="0"/>
+              </a:rPr>
+              <a:t>Target species does not occupy the region </a:t>
+            </a:r>
+            <a:r>
+              <a:rPr lang="en-US" sz="1000" b="1" dirty="0">
+                <a:latin typeface="cmr10" panose="020B0500000000000000" pitchFamily="34" charset="0"/>
+              </a:rPr>
+              <a:t>or </a:t>
+            </a:r>
+            <a:r>
+              <a:rPr lang="en-US" sz="1000" dirty="0">
+                <a:latin typeface="cmr10" panose="020B0500000000000000" pitchFamily="34" charset="0"/>
+              </a:rPr>
+              <a:t>occupies the region and is not detected</a:t>
+            </a:r>
+          </a:p>
+          <a:p>
+            <a:pPr marL="171450" indent="-171450">
+              <a:spcBef>
+                <a:spcPts val="0"/>
+              </a:spcBef>
+              <a:buFont typeface="Arial" panose="020B0604020202020204" pitchFamily="34" charset="0"/>
+              <a:buChar char="•"/>
+            </a:pPr>
+            <a:r>
+              <a:rPr lang="en-US" sz="1000" dirty="0">
+                <a:latin typeface="cmr10" panose="020B0500000000000000" pitchFamily="34" charset="0"/>
+              </a:rPr>
+              <a:t>Detection Probability:</a:t>
+            </a:r>
+          </a:p>
+          <a:p>
+            <a:pPr lvl="1">
+              <a:spcBef>
+                <a:spcPts val="0"/>
+              </a:spcBef>
+            </a:pPr>
+            <a:r>
+              <a:rPr lang="en-US" sz="1000" dirty="0">
+                <a:latin typeface="cmr10" panose="020B0500000000000000" pitchFamily="34" charset="0"/>
+              </a:rPr>
+              <a:t>Probability of detecting the target species if it is present</a:t>
+            </a:r>
+          </a:p>
+        </p:txBody>
+      </p:sp>
+      <p:sp>
+        <p:nvSpPr>
+          <p:cNvPr id="83" name="Text Placeholder 5">
+            <a:extLst>
+              <a:ext uri="{FF2B5EF4-FFF2-40B4-BE49-F238E27FC236}">
+                <a16:creationId xmlns:a16="http://schemas.microsoft.com/office/drawing/2014/main" id="{7AE508AE-3DDE-47B5-A296-8883FF458FDE}"/>
+              </a:ext>
+            </a:extLst>
+          </p:cNvPr>
+          <p:cNvSpPr txBox="1">
+            <a:spLocks/>
+          </p:cNvSpPr>
+          <p:nvPr/>
+        </p:nvSpPr>
+        <p:spPr>
+          <a:xfrm>
+            <a:off x="8670402" y="6456050"/>
+            <a:ext cx="3445332" cy="322576"/>
+          </a:xfrm>
+          <a:prstGeom prst="rect">
+            <a:avLst/>
+          </a:prstGeom>
+        </p:spPr>
+        <p:txBody>
+          <a:bodyPr vert="horz" lIns="91440" tIns="45720" rIns="91440" bIns="45720" rtlCol="0">
+            <a:normAutofit lnSpcReduction="10000"/>
+          </a:bodyPr>
+          <a:lstStyle>
+            <a:lvl1pPr marL="0" indent="0" algn="l" defTabSz="914400" rtl="0" eaLnBrk="1" latinLnBrk="0" hangingPunct="1">
+              <a:lnSpc>
+                <a:spcPct val="90000"/>
+              </a:lnSpc>
+              <a:spcBef>
+                <a:spcPts val="1000"/>
+              </a:spcBef>
+              <a:buFont typeface="Arial" panose="020B0604020202020204" pitchFamily="34" charset="0"/>
+              <a:buNone/>
+              <a:defRPr sz="1600" kern="1200">
+                <a:solidFill>
+                  <a:schemeClr val="tx1"/>
+                </a:solidFill>
+                <a:latin typeface="+mn-lt"/>
+                <a:ea typeface="+mn-ea"/>
+                <a:cs typeface="+mn-cs"/>
+              </a:defRPr>
+            </a:lvl1pPr>
+            <a:lvl2pPr marL="457200" indent="0" algn="l" defTabSz="914400" rtl="0" eaLnBrk="1" latinLnBrk="0" hangingPunct="1">
+              <a:lnSpc>
+                <a:spcPct val="90000"/>
+              </a:lnSpc>
+              <a:spcBef>
+                <a:spcPts val="500"/>
+              </a:spcBef>
+              <a:buFont typeface="Arial" panose="020B0604020202020204" pitchFamily="34" charset="0"/>
+              <a:buNone/>
+              <a:defRPr sz="1400" kern="1200">
+                <a:solidFill>
+                  <a:schemeClr val="tx1"/>
+                </a:solidFill>
+                <a:latin typeface="+mn-lt"/>
+                <a:ea typeface="+mn-ea"/>
+                <a:cs typeface="+mn-cs"/>
+              </a:defRPr>
+            </a:lvl2pPr>
+            <a:lvl3pPr marL="914400" indent="0" algn="l" defTabSz="914400" rtl="0" eaLnBrk="1" latinLnBrk="0" hangingPunct="1">
+              <a:lnSpc>
+                <a:spcPct val="90000"/>
+              </a:lnSpc>
+              <a:spcBef>
+                <a:spcPts val="500"/>
+              </a:spcBef>
+              <a:buFont typeface="Arial" panose="020B0604020202020204" pitchFamily="34" charset="0"/>
+              <a:buNone/>
+              <a:defRPr sz="1200" kern="1200">
+                <a:solidFill>
+                  <a:schemeClr val="tx1"/>
+                </a:solidFill>
+                <a:latin typeface="+mn-lt"/>
+                <a:ea typeface="+mn-ea"/>
+                <a:cs typeface="+mn-cs"/>
+              </a:defRPr>
+            </a:lvl3pPr>
+            <a:lvl4pPr marL="1371600" indent="0" algn="l" defTabSz="914400" rtl="0" eaLnBrk="1" latinLnBrk="0" hangingPunct="1">
+              <a:lnSpc>
+                <a:spcPct val="90000"/>
+              </a:lnSpc>
+              <a:spcBef>
+                <a:spcPts val="500"/>
+              </a:spcBef>
+              <a:buFont typeface="Arial" panose="020B0604020202020204" pitchFamily="34" charset="0"/>
+              <a:buNone/>
+              <a:defRPr sz="1000" kern="1200">
+                <a:solidFill>
+                  <a:schemeClr val="tx1"/>
+                </a:solidFill>
+                <a:latin typeface="+mn-lt"/>
+                <a:ea typeface="+mn-ea"/>
+                <a:cs typeface="+mn-cs"/>
+              </a:defRPr>
+            </a:lvl4pPr>
+            <a:lvl5pPr marL="1828800" indent="0" algn="l" defTabSz="914400" rtl="0" eaLnBrk="1" latinLnBrk="0" hangingPunct="1">
+              <a:lnSpc>
+                <a:spcPct val="90000"/>
+              </a:lnSpc>
+              <a:spcBef>
+                <a:spcPts val="500"/>
+              </a:spcBef>
+              <a:buFont typeface="Arial" panose="020B0604020202020204" pitchFamily="34" charset="0"/>
+              <a:buNone/>
+              <a:defRPr sz="1000" kern="1200">
+                <a:solidFill>
+                  <a:schemeClr val="tx1"/>
+                </a:solidFill>
+                <a:latin typeface="+mn-lt"/>
+                <a:ea typeface="+mn-ea"/>
+                <a:cs typeface="+mn-cs"/>
+              </a:defRPr>
+            </a:lvl5pPr>
+            <a:lvl6pPr marL="2286000" indent="0" algn="l" defTabSz="914400" rtl="0" eaLnBrk="1" latinLnBrk="0" hangingPunct="1">
+              <a:lnSpc>
+                <a:spcPct val="90000"/>
+              </a:lnSpc>
+              <a:spcBef>
+                <a:spcPts val="500"/>
+              </a:spcBef>
+              <a:buFont typeface="Arial" panose="020B0604020202020204" pitchFamily="34" charset="0"/>
+              <a:buNone/>
+              <a:defRPr sz="1000" kern="1200">
+                <a:solidFill>
+                  <a:schemeClr val="tx1"/>
+                </a:solidFill>
+                <a:latin typeface="+mn-lt"/>
+                <a:ea typeface="+mn-ea"/>
+                <a:cs typeface="+mn-cs"/>
+              </a:defRPr>
+            </a:lvl6pPr>
+            <a:lvl7pPr marL="2743200" indent="0" algn="l" defTabSz="914400" rtl="0" eaLnBrk="1" latinLnBrk="0" hangingPunct="1">
+              <a:lnSpc>
+                <a:spcPct val="90000"/>
+              </a:lnSpc>
+              <a:spcBef>
+                <a:spcPts val="500"/>
+              </a:spcBef>
+              <a:buFont typeface="Arial" panose="020B0604020202020204" pitchFamily="34" charset="0"/>
+              <a:buNone/>
+              <a:defRPr sz="1000" kern="1200">
+                <a:solidFill>
+                  <a:schemeClr val="tx1"/>
+                </a:solidFill>
+                <a:latin typeface="+mn-lt"/>
+                <a:ea typeface="+mn-ea"/>
+                <a:cs typeface="+mn-cs"/>
+              </a:defRPr>
+            </a:lvl7pPr>
+            <a:lvl8pPr marL="3200400" indent="0" algn="l" defTabSz="914400" rtl="0" eaLnBrk="1" latinLnBrk="0" hangingPunct="1">
+              <a:lnSpc>
+                <a:spcPct val="90000"/>
+              </a:lnSpc>
+              <a:spcBef>
+                <a:spcPts val="500"/>
+              </a:spcBef>
+              <a:buFont typeface="Arial" panose="020B0604020202020204" pitchFamily="34" charset="0"/>
+              <a:buNone/>
+              <a:defRPr sz="1000" kern="1200">
+                <a:solidFill>
+                  <a:schemeClr val="tx1"/>
+                </a:solidFill>
+                <a:latin typeface="+mn-lt"/>
+                <a:ea typeface="+mn-ea"/>
+                <a:cs typeface="+mn-cs"/>
+              </a:defRPr>
+            </a:lvl8pPr>
+            <a:lvl9pPr marL="3657600" indent="0" algn="l" defTabSz="914400" rtl="0" eaLnBrk="1" latinLnBrk="0" hangingPunct="1">
+              <a:lnSpc>
+                <a:spcPct val="90000"/>
+              </a:lnSpc>
+              <a:spcBef>
+                <a:spcPts val="500"/>
+              </a:spcBef>
+              <a:buFont typeface="Arial" panose="020B0604020202020204" pitchFamily="34" charset="0"/>
+              <a:buNone/>
+              <a:defRPr sz="1000" kern="1200">
+                <a:solidFill>
+                  <a:schemeClr val="tx1"/>
+                </a:solidFill>
+                <a:latin typeface="+mn-lt"/>
+                <a:ea typeface="+mn-ea"/>
+                <a:cs typeface="+mn-cs"/>
+              </a:defRPr>
+            </a:lvl9pPr>
+          </a:lstStyle>
+          <a:p>
+            <a:pPr>
+              <a:spcBef>
+                <a:spcPts val="0"/>
+              </a:spcBef>
+            </a:pPr>
+            <a:r>
+              <a:rPr lang="en-US" sz="850" b="1" dirty="0">
+                <a:latin typeface="cmr10" panose="020B0500000000000000" pitchFamily="34" charset="0"/>
+              </a:rPr>
+              <a:t>Adam Sepulveda</a:t>
+            </a:r>
+            <a:r>
+              <a:rPr lang="en-US" sz="850" dirty="0">
+                <a:latin typeface="cmr10" panose="020B0500000000000000" pitchFamily="34" charset="0"/>
+              </a:rPr>
+              <a:t>, U.S. Geological Survey, Northern Rocky Mountain Science Center</a:t>
+            </a:r>
+          </a:p>
+          <a:p>
+            <a:pPr marL="171450" indent="-171450">
+              <a:spcBef>
+                <a:spcPts val="0"/>
+              </a:spcBef>
+              <a:buFont typeface="Arial" panose="020B0604020202020204" pitchFamily="34" charset="0"/>
+              <a:buChar char="•"/>
+            </a:pPr>
+            <a:endParaRPr lang="en-US" sz="1200" dirty="0">
+              <a:latin typeface="cmr10" panose="020B0500000000000000" pitchFamily="34" charset="0"/>
+            </a:endParaRPr>
+          </a:p>
+        </p:txBody>
+      </p:sp>
+      <p:pic>
+        <p:nvPicPr>
+          <p:cNvPr id="13" name="Picture 12" descr="A screenshot of a cell phone&#10;&#10;Description automatically generated">
+            <a:extLst>
+              <a:ext uri="{FF2B5EF4-FFF2-40B4-BE49-F238E27FC236}">
+                <a16:creationId xmlns:a16="http://schemas.microsoft.com/office/drawing/2014/main" id="{C9BA3383-18D8-44F0-9CCE-37ECB5FB4158}"/>
+              </a:ext>
+            </a:extLst>
+          </p:cNvPr>
+          <p:cNvPicPr>
+            <a:picLocks noChangeAspect="1"/>
+          </p:cNvPicPr>
+          <p:nvPr/>
+        </p:nvPicPr>
+        <p:blipFill>
+          <a:blip r:embed="rId9">
+            <a:extLst>
+              <a:ext uri="{28A0092B-C50C-407E-A947-70E740481C1C}">
+                <a14:useLocalDpi xmlns:a14="http://schemas.microsoft.com/office/drawing/2010/main" val="0"/>
+              </a:ext>
+            </a:extLst>
+          </a:blip>
           <a:stretch>
             <a:fillRect/>
           </a:stretch>
         </p:blipFill>
         <p:spPr>
           <a:xfrm>
-            <a:off x="3111690" y="6400800"/>
-            <a:ext cx="457200" cy="457200"/>
+            <a:off x="3809203" y="1330245"/>
+            <a:ext cx="4573820" cy="2896920"/>
+          </a:xfrm>
+          <a:prstGeom prst="rect">
+            <a:avLst/>
+          </a:prstGeom>
+        </p:spPr>
+      </p:pic>
+      <p:pic>
+        <p:nvPicPr>
+          <p:cNvPr id="3" name="Picture 2">
+            <a:extLst>
+              <a:ext uri="{FF2B5EF4-FFF2-40B4-BE49-F238E27FC236}">
+                <a16:creationId xmlns:a16="http://schemas.microsoft.com/office/drawing/2014/main" id="{F88ADEFD-F58B-430F-842D-008C3C0F32DC}"/>
+              </a:ext>
+            </a:extLst>
+          </p:cNvPr>
+          <p:cNvPicPr>
+            <a:picLocks noChangeAspect="1"/>
+          </p:cNvPicPr>
+          <p:nvPr/>
+        </p:nvPicPr>
+        <p:blipFill>
+          <a:blip r:embed="rId10"/>
+          <a:stretch>
+            <a:fillRect/>
+          </a:stretch>
+        </p:blipFill>
+        <p:spPr>
+          <a:xfrm>
+            <a:off x="9083846" y="1333935"/>
+            <a:ext cx="2618443" cy="1782625"/>
+          </a:xfrm>
+          <a:prstGeom prst="rect">
+            <a:avLst/>
+          </a:prstGeom>
+        </p:spPr>
+      </p:pic>
+      <p:sp>
+        <p:nvSpPr>
+          <p:cNvPr id="86" name="Rectangle: Rounded Corners 85">
+            <a:extLst>
+              <a:ext uri="{FF2B5EF4-FFF2-40B4-BE49-F238E27FC236}">
+                <a16:creationId xmlns:a16="http://schemas.microsoft.com/office/drawing/2014/main" id="{CF649CE5-5937-4D9D-8F4B-FFE390A929D6}"/>
+              </a:ext>
+            </a:extLst>
+          </p:cNvPr>
+          <p:cNvSpPr/>
+          <p:nvPr/>
+        </p:nvSpPr>
+        <p:spPr>
+          <a:xfrm>
+            <a:off x="85948" y="4620325"/>
+            <a:ext cx="3426117" cy="264731"/>
+          </a:xfrm>
+          <a:prstGeom prst="roundRect">
+            <a:avLst>
+              <a:gd name="adj" fmla="val 0"/>
+            </a:avLst>
+          </a:prstGeom>
+          <a:solidFill>
+            <a:schemeClr val="bg1">
+              <a:lumMod val="85000"/>
+            </a:schemeClr>
+          </a:solidFill>
+          <a:ln>
+            <a:noFill/>
+          </a:ln>
+        </p:spPr>
+        <p:style>
+          <a:lnRef idx="2">
+            <a:schemeClr val="accent1">
+              <a:shade val="50000"/>
+            </a:schemeClr>
+          </a:lnRef>
+          <a:fillRef idx="1">
+            <a:schemeClr val="accent1"/>
+          </a:fillRef>
+          <a:effectRef idx="0">
+            <a:schemeClr val="accent1"/>
+          </a:effectRef>
+          <a:fontRef idx="minor">
+            <a:schemeClr val="lt1"/>
+          </a:fontRef>
+        </p:style>
+        <p:txBody>
+          <a:bodyPr rtlCol="0" anchor="ctr"/>
+          <a:lstStyle/>
+          <a:p>
+            <a:pPr algn="ctr"/>
+            <a:r>
+              <a:rPr lang="en-US" sz="1400" b="1" dirty="0">
+                <a:solidFill>
+                  <a:schemeClr val="tx1"/>
+                </a:solidFill>
+                <a:latin typeface="cmr10" panose="020B0500000000000000" pitchFamily="34" charset="0"/>
+              </a:rPr>
+              <a:t>Research Question</a:t>
+            </a:r>
+          </a:p>
+        </p:txBody>
+      </p:sp>
+      <p:sp>
+        <p:nvSpPr>
+          <p:cNvPr id="87" name="Rectangle: Rounded Corners 86">
+            <a:extLst>
+              <a:ext uri="{FF2B5EF4-FFF2-40B4-BE49-F238E27FC236}">
+                <a16:creationId xmlns:a16="http://schemas.microsoft.com/office/drawing/2014/main" id="{234D779F-DB84-4F53-92DD-F0C99B8B1A7E}"/>
+              </a:ext>
+            </a:extLst>
+          </p:cNvPr>
+          <p:cNvSpPr/>
+          <p:nvPr/>
+        </p:nvSpPr>
+        <p:spPr>
+          <a:xfrm>
+            <a:off x="82802" y="5289163"/>
+            <a:ext cx="3428561" cy="264812"/>
+          </a:xfrm>
+          <a:prstGeom prst="roundRect">
+            <a:avLst>
+              <a:gd name="adj" fmla="val 0"/>
+            </a:avLst>
+          </a:prstGeom>
+          <a:solidFill>
+            <a:schemeClr val="bg1">
+              <a:lumMod val="85000"/>
+            </a:schemeClr>
+          </a:solidFill>
+          <a:ln>
+            <a:noFill/>
+          </a:ln>
+        </p:spPr>
+        <p:style>
+          <a:lnRef idx="2">
+            <a:schemeClr val="accent1">
+              <a:shade val="50000"/>
+            </a:schemeClr>
+          </a:lnRef>
+          <a:fillRef idx="1">
+            <a:schemeClr val="accent1"/>
+          </a:fillRef>
+          <a:effectRef idx="0">
+            <a:schemeClr val="accent1"/>
+          </a:effectRef>
+          <a:fontRef idx="minor">
+            <a:schemeClr val="lt1"/>
+          </a:fontRef>
+        </p:style>
+        <p:txBody>
+          <a:bodyPr rtlCol="0" anchor="ctr"/>
+          <a:lstStyle/>
+          <a:p>
+            <a:pPr algn="ctr"/>
+            <a:r>
+              <a:rPr lang="en-US" sz="1400" b="1" dirty="0">
+                <a:solidFill>
+                  <a:schemeClr val="tx1"/>
+                </a:solidFill>
+                <a:latin typeface="cmr10" panose="020B0500000000000000" pitchFamily="34" charset="0"/>
+              </a:rPr>
+              <a:t>Data</a:t>
+            </a:r>
+          </a:p>
+        </p:txBody>
+      </p:sp>
+      <p:sp>
+        <p:nvSpPr>
+          <p:cNvPr id="88" name="Rectangle: Rounded Corners 87">
+            <a:extLst>
+              <a:ext uri="{FF2B5EF4-FFF2-40B4-BE49-F238E27FC236}">
+                <a16:creationId xmlns:a16="http://schemas.microsoft.com/office/drawing/2014/main" id="{C29FC9D5-775E-4379-B6F3-D266F9325474}"/>
+              </a:ext>
+            </a:extLst>
+          </p:cNvPr>
+          <p:cNvSpPr/>
+          <p:nvPr/>
+        </p:nvSpPr>
+        <p:spPr>
+          <a:xfrm>
+            <a:off x="8672513" y="6287876"/>
+            <a:ext cx="3443287" cy="166087"/>
+          </a:xfrm>
+          <a:prstGeom prst="roundRect">
+            <a:avLst>
+              <a:gd name="adj" fmla="val 0"/>
+            </a:avLst>
+          </a:prstGeom>
+          <a:solidFill>
+            <a:schemeClr val="bg1">
+              <a:lumMod val="85000"/>
+            </a:schemeClr>
+          </a:solidFill>
+          <a:ln>
+            <a:noFill/>
+          </a:ln>
+        </p:spPr>
+        <p:style>
+          <a:lnRef idx="2">
+            <a:schemeClr val="accent1">
+              <a:shade val="50000"/>
+            </a:schemeClr>
+          </a:lnRef>
+          <a:fillRef idx="1">
+            <a:schemeClr val="accent1"/>
+          </a:fillRef>
+          <a:effectRef idx="0">
+            <a:schemeClr val="accent1"/>
+          </a:effectRef>
+          <a:fontRef idx="minor">
+            <a:schemeClr val="lt1"/>
+          </a:fontRef>
+        </p:style>
+        <p:txBody>
+          <a:bodyPr rtlCol="0" anchor="ctr"/>
+          <a:lstStyle/>
+          <a:p>
+            <a:pPr algn="ctr"/>
+            <a:r>
+              <a:rPr lang="en-US" sz="900" b="1" dirty="0">
+                <a:solidFill>
+                  <a:schemeClr val="tx1"/>
+                </a:solidFill>
+                <a:latin typeface="cmr10" panose="020B0500000000000000" pitchFamily="34" charset="0"/>
+              </a:rPr>
+              <a:t>Acknowledgments</a:t>
+            </a:r>
+          </a:p>
+        </p:txBody>
+      </p:sp>
+      <p:sp>
+        <p:nvSpPr>
+          <p:cNvPr id="90" name="Rectangle: Rounded Corners 89">
+            <a:extLst>
+              <a:ext uri="{FF2B5EF4-FFF2-40B4-BE49-F238E27FC236}">
+                <a16:creationId xmlns:a16="http://schemas.microsoft.com/office/drawing/2014/main" id="{4B35B9C3-CC0E-435F-90A8-4C31660A2058}"/>
+              </a:ext>
+            </a:extLst>
+          </p:cNvPr>
+          <p:cNvSpPr/>
+          <p:nvPr/>
+        </p:nvSpPr>
+        <p:spPr>
+          <a:xfrm>
+            <a:off x="3648650" y="1004888"/>
+            <a:ext cx="4894692" cy="269325"/>
+          </a:xfrm>
+          <a:prstGeom prst="roundRect">
+            <a:avLst>
+              <a:gd name="adj" fmla="val 0"/>
+            </a:avLst>
+          </a:prstGeom>
+          <a:solidFill>
+            <a:schemeClr val="bg1">
+              <a:lumMod val="85000"/>
+            </a:schemeClr>
+          </a:solidFill>
+          <a:ln>
+            <a:noFill/>
+          </a:ln>
+        </p:spPr>
+        <p:style>
+          <a:lnRef idx="2">
+            <a:schemeClr val="accent1">
+              <a:shade val="50000"/>
+            </a:schemeClr>
+          </a:lnRef>
+          <a:fillRef idx="1">
+            <a:schemeClr val="accent1"/>
+          </a:fillRef>
+          <a:effectRef idx="0">
+            <a:schemeClr val="accent1"/>
+          </a:effectRef>
+          <a:fontRef idx="minor">
+            <a:schemeClr val="lt1"/>
+          </a:fontRef>
+        </p:style>
+        <p:txBody>
+          <a:bodyPr rtlCol="0" anchor="ctr"/>
+          <a:lstStyle/>
+          <a:p>
+            <a:pPr algn="ctr"/>
+            <a:r>
+              <a:rPr lang="en-US" sz="1400" b="1" dirty="0">
+                <a:solidFill>
+                  <a:schemeClr val="tx1"/>
+                </a:solidFill>
+                <a:latin typeface="cmr10" panose="020B0500000000000000" pitchFamily="34" charset="0"/>
+              </a:rPr>
+              <a:t>Multi-scale Occupancy Model for eDNA Surveys</a:t>
+            </a:r>
+          </a:p>
+        </p:txBody>
+      </p:sp>
+      <p:pic>
+        <p:nvPicPr>
+          <p:cNvPr id="30" name="Picture 29" descr="A picture containing table, indoor, many, different&#10;&#10;Description automatically generated">
+            <a:extLst>
+              <a:ext uri="{FF2B5EF4-FFF2-40B4-BE49-F238E27FC236}">
+                <a16:creationId xmlns:a16="http://schemas.microsoft.com/office/drawing/2014/main" id="{6297EFAE-0334-43C8-A7C3-97E5A3AD9465}"/>
+              </a:ext>
+            </a:extLst>
+          </p:cNvPr>
+          <p:cNvPicPr>
+            <a:picLocks noChangeAspect="1"/>
+          </p:cNvPicPr>
+          <p:nvPr/>
+        </p:nvPicPr>
+        <p:blipFill>
+          <a:blip r:embed="rId11">
+            <a:extLst>
+              <a:ext uri="{28A0092B-C50C-407E-A947-70E740481C1C}">
+                <a14:useLocalDpi xmlns:a14="http://schemas.microsoft.com/office/drawing/2010/main" val="0"/>
+              </a:ext>
+            </a:extLst>
+          </a:blip>
+          <a:stretch>
+            <a:fillRect/>
+          </a:stretch>
+        </p:blipFill>
+        <p:spPr>
+          <a:xfrm>
+            <a:off x="76302" y="2559655"/>
+            <a:ext cx="1412289" cy="941526"/>
+          </a:xfrm>
+          <a:prstGeom prst="rect">
+            <a:avLst/>
+          </a:prstGeom>
+        </p:spPr>
+      </p:pic>
+      <p:sp>
+        <p:nvSpPr>
+          <p:cNvPr id="33" name="Rectangle: Rounded Corners 32">
+            <a:extLst>
+              <a:ext uri="{FF2B5EF4-FFF2-40B4-BE49-F238E27FC236}">
+                <a16:creationId xmlns:a16="http://schemas.microsoft.com/office/drawing/2014/main" id="{B475D2AB-E480-4BA6-9F44-E461BFEFB3FF}"/>
+              </a:ext>
+            </a:extLst>
+          </p:cNvPr>
+          <p:cNvSpPr/>
+          <p:nvPr/>
+        </p:nvSpPr>
+        <p:spPr>
+          <a:xfrm>
+            <a:off x="8679439" y="1004888"/>
+            <a:ext cx="3427258" cy="276903"/>
+          </a:xfrm>
+          <a:prstGeom prst="roundRect">
+            <a:avLst>
+              <a:gd name="adj" fmla="val 0"/>
+            </a:avLst>
+          </a:prstGeom>
+          <a:solidFill>
+            <a:schemeClr val="bg1">
+              <a:lumMod val="85000"/>
+            </a:schemeClr>
+          </a:solidFill>
+          <a:ln>
+            <a:noFill/>
+          </a:ln>
+        </p:spPr>
+        <p:style>
+          <a:lnRef idx="2">
+            <a:schemeClr val="accent1">
+              <a:shade val="50000"/>
+            </a:schemeClr>
+          </a:lnRef>
+          <a:fillRef idx="1">
+            <a:schemeClr val="accent1"/>
+          </a:fillRef>
+          <a:effectRef idx="0">
+            <a:schemeClr val="accent1"/>
+          </a:effectRef>
+          <a:fontRef idx="minor">
+            <a:schemeClr val="lt1"/>
+          </a:fontRef>
+        </p:style>
+        <p:txBody>
+          <a:bodyPr rtlCol="0" anchor="ctr"/>
+          <a:lstStyle/>
+          <a:p>
+            <a:pPr algn="ctr"/>
+            <a:r>
+              <a:rPr lang="en-US" sz="1400" b="1" dirty="0">
+                <a:solidFill>
+                  <a:schemeClr val="tx1"/>
+                </a:solidFill>
+                <a:latin typeface="cmr10" panose="020B0500000000000000" pitchFamily="34" charset="0"/>
+              </a:rPr>
+              <a:t>Plankton Tow Surveys</a:t>
+            </a:r>
+          </a:p>
+        </p:txBody>
+      </p:sp>
+      <p:pic>
+        <p:nvPicPr>
+          <p:cNvPr id="10" name="Picture 9" descr="A picture containing text, map&#10;&#10;Description automatically generated">
+            <a:extLst>
+              <a:ext uri="{FF2B5EF4-FFF2-40B4-BE49-F238E27FC236}">
+                <a16:creationId xmlns:a16="http://schemas.microsoft.com/office/drawing/2014/main" id="{12472E01-4F1F-4FA0-A94F-4426AEDF1FFB}"/>
+              </a:ext>
+            </a:extLst>
+          </p:cNvPr>
+          <p:cNvPicPr>
+            <a:picLocks noChangeAspect="1"/>
+          </p:cNvPicPr>
+          <p:nvPr/>
+        </p:nvPicPr>
+        <p:blipFill rotWithShape="1">
+          <a:blip r:embed="rId12">
+            <a:extLst>
+              <a:ext uri="{28A0092B-C50C-407E-A947-70E740481C1C}">
+                <a14:useLocalDpi xmlns:a14="http://schemas.microsoft.com/office/drawing/2010/main" val="0"/>
+              </a:ext>
+            </a:extLst>
+          </a:blip>
+          <a:srcRect l="3342" t="3880" r="2739" b="3482"/>
+          <a:stretch/>
+        </p:blipFill>
+        <p:spPr>
+          <a:xfrm>
+            <a:off x="8668858" y="3392348"/>
+            <a:ext cx="3437194" cy="2619739"/>
           </a:xfrm>
           <a:prstGeom prst="rect">
             <a:avLst/>
